--- a/하계특훈 발표/200722_하계특훈_2014180011_김영범.pptx
+++ b/하계특훈 발표/200722_하계특훈_2014180011_김영범.pptx
@@ -245,7 +245,7 @@
             <c:bubble3D val="0"/>
             <c:spPr>
               <a:solidFill>
-                <a:srgbClr val="00B050"/>
+                <a:srgbClr val="0070C0"/>
               </a:solidFill>
               <a:ln w="19050">
                 <a:solidFill>
@@ -265,7 +265,7 @@
             <c:bubble3D val="0"/>
             <c:spPr>
               <a:solidFill>
-                <a:schemeClr val="accent4"/>
+                <a:srgbClr val="7030A0"/>
               </a:solidFill>
               <a:ln w="19050">
                 <a:solidFill>
@@ -336,6 +336,7 @@
                     <a:noFill/>
                   </a:ln>
                 </c15:spPr>
+                <c15:layout/>
               </c:ext>
             </c:extLst>
           </c:dLbls>
@@ -510,7 +511,7 @@
             <c:bubble3D val="0"/>
             <c:spPr>
               <a:solidFill>
-                <a:srgbClr val="00B050"/>
+                <a:srgbClr val="0070C0"/>
               </a:solidFill>
               <a:ln w="19050">
                 <a:solidFill>
@@ -530,7 +531,7 @@
             <c:bubble3D val="0"/>
             <c:spPr>
               <a:solidFill>
-                <a:schemeClr val="accent4"/>
+                <a:srgbClr val="7030A0"/>
               </a:solidFill>
               <a:ln w="19050">
                 <a:solidFill>
@@ -601,6 +602,7 @@
                     <a:noFill/>
                   </a:ln>
                 </c15:spPr>
+                <c15:layout/>
               </c:ext>
             </c:extLst>
           </c:dLbls>
@@ -775,7 +777,7 @@
             <c:bubble3D val="0"/>
             <c:spPr>
               <a:solidFill>
-                <a:srgbClr val="00B050"/>
+                <a:srgbClr val="0070C0"/>
               </a:solidFill>
               <a:ln w="19050">
                 <a:solidFill>
@@ -795,7 +797,7 @@
             <c:bubble3D val="0"/>
             <c:spPr>
               <a:solidFill>
-                <a:schemeClr val="accent4"/>
+                <a:srgbClr val="7030A0"/>
               </a:solidFill>
               <a:ln w="19050">
                 <a:solidFill>
@@ -866,6 +868,7 @@
                     <a:noFill/>
                   </a:ln>
                 </c15:spPr>
+                <c15:layout/>
               </c:ext>
             </c:extLst>
           </c:dLbls>
@@ -1040,7 +1043,7 @@
             <c:bubble3D val="0"/>
             <c:spPr>
               <a:solidFill>
-                <a:srgbClr val="00B050"/>
+                <a:srgbClr val="0070C0"/>
               </a:solidFill>
               <a:ln w="19050">
                 <a:solidFill>
@@ -1060,7 +1063,7 @@
             <c:bubble3D val="0"/>
             <c:spPr>
               <a:solidFill>
-                <a:schemeClr val="accent4"/>
+                <a:srgbClr val="7030A0"/>
               </a:solidFill>
               <a:ln w="19050">
                 <a:solidFill>
@@ -1131,6 +1134,7 @@
                     <a:noFill/>
                   </a:ln>
                 </c15:spPr>
+                <c15:layout/>
               </c:ext>
             </c:extLst>
           </c:dLbls>
@@ -1265,7 +1269,7 @@
             <c:bubble3D val="0"/>
             <c:spPr>
               <a:solidFill>
-                <a:schemeClr val="accent1"/>
+                <a:srgbClr val="00B050"/>
               </a:solidFill>
               <a:ln w="19050">
                 <a:solidFill>
@@ -1305,7 +1309,7 @@
             <c:bubble3D val="0"/>
             <c:spPr>
               <a:solidFill>
-                <a:srgbClr val="00B050"/>
+                <a:srgbClr val="0070C0"/>
               </a:solidFill>
               <a:ln w="19050">
                 <a:solidFill>
@@ -1396,6 +1400,7 @@
                     <a:noFill/>
                   </a:ln>
                 </c15:spPr>
+                <c15:layout/>
               </c:ext>
             </c:extLst>
           </c:dLbls>
@@ -1530,7 +1535,7 @@
             <c:bubble3D val="0"/>
             <c:spPr>
               <a:solidFill>
-                <a:schemeClr val="accent1"/>
+                <a:srgbClr val="00B050"/>
               </a:solidFill>
               <a:ln w="19050">
                 <a:solidFill>
@@ -1570,7 +1575,7 @@
             <c:bubble3D val="0"/>
             <c:spPr>
               <a:solidFill>
-                <a:srgbClr val="00B050"/>
+                <a:srgbClr val="0070C0"/>
               </a:solidFill>
               <a:ln w="19050">
                 <a:solidFill>
@@ -1661,6 +1666,7 @@
                     <a:noFill/>
                   </a:ln>
                 </c15:spPr>
+                <c15:layout/>
               </c:ext>
             </c:extLst>
           </c:dLbls>
@@ -1835,7 +1841,7 @@
             <c:bubble3D val="0"/>
             <c:spPr>
               <a:solidFill>
-                <a:srgbClr val="00B050"/>
+                <a:srgbClr val="0070C0"/>
               </a:solidFill>
               <a:ln w="19050">
                 <a:solidFill>
@@ -1855,7 +1861,7 @@
             <c:bubble3D val="0"/>
             <c:spPr>
               <a:solidFill>
-                <a:schemeClr val="accent4"/>
+                <a:srgbClr val="7030A0"/>
               </a:solidFill>
               <a:ln w="19050">
                 <a:solidFill>
@@ -1926,6 +1932,7 @@
                     <a:noFill/>
                   </a:ln>
                 </c15:spPr>
+                <c15:layout/>
               </c:ext>
             </c:extLst>
           </c:dLbls>
@@ -2100,7 +2107,7 @@
             <c:bubble3D val="0"/>
             <c:spPr>
               <a:solidFill>
-                <a:srgbClr val="00B050"/>
+                <a:srgbClr val="0070C0"/>
               </a:solidFill>
               <a:ln w="19050">
                 <a:solidFill>
@@ -2120,7 +2127,7 @@
             <c:bubble3D val="0"/>
             <c:spPr>
               <a:solidFill>
-                <a:schemeClr val="accent4"/>
+                <a:srgbClr val="7030A0"/>
               </a:solidFill>
               <a:ln w="19050">
                 <a:solidFill>
@@ -2191,6 +2198,7 @@
                     <a:noFill/>
                   </a:ln>
                 </c15:spPr>
+                <c15:layout/>
               </c:ext>
             </c:extLst>
           </c:dLbls>
@@ -2365,7 +2373,7 @@
             <c:bubble3D val="0"/>
             <c:spPr>
               <a:solidFill>
-                <a:srgbClr val="00B050"/>
+                <a:srgbClr val="0070C0"/>
               </a:solidFill>
               <a:ln w="19050">
                 <a:solidFill>
@@ -2385,7 +2393,7 @@
             <c:bubble3D val="0"/>
             <c:spPr>
               <a:solidFill>
-                <a:schemeClr val="accent4"/>
+                <a:srgbClr val="7030A0"/>
               </a:solidFill>
               <a:ln w="19050">
                 <a:solidFill>
@@ -2456,6 +2464,7 @@
                     <a:noFill/>
                   </a:ln>
                 </c15:spPr>
+                <c15:layout/>
               </c:ext>
             </c:extLst>
           </c:dLbls>
@@ -2630,7 +2639,7 @@
             <c:bubble3D val="0"/>
             <c:spPr>
               <a:solidFill>
-                <a:srgbClr val="00B050"/>
+                <a:srgbClr val="0070C0"/>
               </a:solidFill>
               <a:ln w="19050">
                 <a:solidFill>
@@ -2650,7 +2659,7 @@
             <c:bubble3D val="0"/>
             <c:spPr>
               <a:solidFill>
-                <a:schemeClr val="accent4"/>
+                <a:srgbClr val="7030A0"/>
               </a:solidFill>
               <a:ln w="19050">
                 <a:solidFill>
@@ -2721,6 +2730,7 @@
                     <a:noFill/>
                   </a:ln>
                 </c15:spPr>
+                <c15:layout/>
               </c:ext>
             </c:extLst>
           </c:dLbls>
@@ -2895,7 +2905,7 @@
             <c:bubble3D val="0"/>
             <c:spPr>
               <a:solidFill>
-                <a:srgbClr val="00B050"/>
+                <a:srgbClr val="0070C0"/>
               </a:solidFill>
               <a:ln w="19050">
                 <a:solidFill>
@@ -2915,7 +2925,7 @@
             <c:bubble3D val="0"/>
             <c:spPr>
               <a:solidFill>
-                <a:schemeClr val="accent4"/>
+                <a:srgbClr val="7030A0"/>
               </a:solidFill>
               <a:ln w="19050">
                 <a:solidFill>
@@ -2986,6 +2996,7 @@
                     <a:noFill/>
                   </a:ln>
                 </c15:spPr>
+                <c15:layout/>
               </c:ext>
             </c:extLst>
           </c:dLbls>
@@ -3120,7 +3131,7 @@
             <c:bubble3D val="0"/>
             <c:spPr>
               <a:solidFill>
-                <a:schemeClr val="accent1"/>
+                <a:srgbClr val="00B050"/>
               </a:solidFill>
               <a:ln w="19050">
                 <a:solidFill>
@@ -3251,6 +3262,7 @@
                     <a:noFill/>
                   </a:ln>
                 </c15:spPr>
+                <c15:layout/>
               </c:ext>
             </c:extLst>
           </c:dLbls>
@@ -3385,7 +3397,7 @@
             <c:bubble3D val="0"/>
             <c:spPr>
               <a:solidFill>
-                <a:schemeClr val="accent1"/>
+                <a:srgbClr val="00B050"/>
               </a:solidFill>
               <a:ln w="19050">
                 <a:solidFill>
@@ -3516,6 +3528,7 @@
                     <a:noFill/>
                   </a:ln>
                 </c15:spPr>
+                <c15:layout/>
               </c:ext>
             </c:extLst>
           </c:dLbls>
@@ -3650,7 +3663,7 @@
             <c:bubble3D val="0"/>
             <c:spPr>
               <a:solidFill>
-                <a:schemeClr val="accent1"/>
+                <a:srgbClr val="00B050"/>
               </a:solidFill>
               <a:ln w="19050">
                 <a:solidFill>
@@ -3690,7 +3703,7 @@
             <c:bubble3D val="0"/>
             <c:spPr>
               <a:solidFill>
-                <a:srgbClr val="00B050"/>
+                <a:srgbClr val="0070C0"/>
               </a:solidFill>
               <a:ln w="19050">
                 <a:solidFill>
@@ -3710,7 +3723,7 @@
             <c:bubble3D val="0"/>
             <c:spPr>
               <a:solidFill>
-                <a:schemeClr val="accent4"/>
+                <a:srgbClr val="7030A0"/>
               </a:solidFill>
               <a:ln w="19050">
                 <a:solidFill>
@@ -3781,6 +3794,7 @@
                     <a:noFill/>
                   </a:ln>
                 </c15:spPr>
+                <c15:layout/>
               </c:ext>
             </c:extLst>
           </c:dLbls>
@@ -3915,7 +3929,7 @@
             <c:bubble3D val="0"/>
             <c:spPr>
               <a:solidFill>
-                <a:schemeClr val="accent1"/>
+                <a:srgbClr val="00B050"/>
               </a:solidFill>
               <a:ln w="19050">
                 <a:solidFill>
@@ -3955,7 +3969,7 @@
             <c:bubble3D val="0"/>
             <c:spPr>
               <a:solidFill>
-                <a:srgbClr val="00B050"/>
+                <a:srgbClr val="0070C0"/>
               </a:solidFill>
               <a:ln w="19050">
                 <a:solidFill>
@@ -3975,7 +3989,7 @@
             <c:bubble3D val="0"/>
             <c:spPr>
               <a:solidFill>
-                <a:schemeClr val="accent4"/>
+                <a:srgbClr val="7030A0"/>
               </a:solidFill>
               <a:ln w="19050">
                 <a:solidFill>
@@ -4046,6 +4060,7 @@
                     <a:noFill/>
                   </a:ln>
                 </c15:spPr>
+                <c15:layout/>
               </c:ext>
             </c:extLst>
           </c:dLbls>
@@ -4220,7 +4235,7 @@
             <c:bubble3D val="0"/>
             <c:spPr>
               <a:solidFill>
-                <a:srgbClr val="00B050"/>
+                <a:srgbClr val="0070C0"/>
               </a:solidFill>
               <a:ln w="19050">
                 <a:solidFill>
@@ -4240,7 +4255,7 @@
             <c:bubble3D val="0"/>
             <c:spPr>
               <a:solidFill>
-                <a:schemeClr val="accent4"/>
+                <a:srgbClr val="7030A0"/>
               </a:solidFill>
               <a:ln w="19050">
                 <a:solidFill>
@@ -4311,6 +4326,7 @@
                     <a:noFill/>
                   </a:ln>
                 </c15:spPr>
+                <c15:layout/>
               </c:ext>
             </c:extLst>
           </c:dLbls>
@@ -4485,7 +4501,7 @@
             <c:bubble3D val="0"/>
             <c:spPr>
               <a:solidFill>
-                <a:srgbClr val="00B050"/>
+                <a:srgbClr val="0070C0"/>
               </a:solidFill>
               <a:ln w="19050">
                 <a:solidFill>
@@ -4505,7 +4521,7 @@
             <c:bubble3D val="0"/>
             <c:spPr>
               <a:solidFill>
-                <a:schemeClr val="accent4"/>
+                <a:srgbClr val="7030A0"/>
               </a:solidFill>
               <a:ln w="19050">
                 <a:solidFill>
@@ -4576,6 +4592,7 @@
                     <a:noFill/>
                   </a:ln>
                 </c15:spPr>
+                <c15:layout/>
               </c:ext>
             </c:extLst>
           </c:dLbls>
@@ -4750,7 +4767,7 @@
             <c:bubble3D val="0"/>
             <c:spPr>
               <a:solidFill>
-                <a:srgbClr val="00B050"/>
+                <a:srgbClr val="0070C0"/>
               </a:solidFill>
               <a:ln w="19050">
                 <a:solidFill>
@@ -4770,7 +4787,7 @@
             <c:bubble3D val="0"/>
             <c:spPr>
               <a:solidFill>
-                <a:schemeClr val="accent4"/>
+                <a:srgbClr val="7030A0"/>
               </a:solidFill>
               <a:ln w="19050">
                 <a:solidFill>
@@ -4841,6 +4858,7 @@
                     <a:noFill/>
                   </a:ln>
                 </c15:spPr>
+                <c15:layout/>
               </c:ext>
             </c:extLst>
           </c:dLbls>
@@ -15081,7 +15099,7 @@
           <a:p>
             <a:fld id="{413548A9-17B7-486F-BAE8-5C551821AB5E}" type="datetimeFigureOut">
               <a:rPr lang="ko-KR" altLang="en-US" smtClean="0"/>
-              <a:t>2020-07-22</a:t>
+              <a:t>2020-08-19</a:t>
             </a:fld>
             <a:endParaRPr lang="ko-KR" altLang="en-US"/>
           </a:p>
@@ -15486,7 +15504,7 @@
                   </a:prstClr>
                 </a:solidFill>
               </a:rPr>
-              <a:t>2020-07-22</a:t>
+              <a:t>2020-08-19</a:t>
             </a:fld>
             <a:endParaRPr lang="ko-KR" altLang="en-US">
               <a:solidFill>
@@ -15651,7 +15669,7 @@
                   </a:prstClr>
                 </a:solidFill>
               </a:rPr>
-              <a:t>2020-07-22</a:t>
+              <a:t>2020-08-19</a:t>
             </a:fld>
             <a:endParaRPr lang="ko-KR" altLang="en-US">
               <a:solidFill>
@@ -15826,7 +15844,7 @@
                   </a:prstClr>
                 </a:solidFill>
               </a:rPr>
-              <a:t>2020-07-22</a:t>
+              <a:t>2020-08-19</a:t>
             </a:fld>
             <a:endParaRPr lang="ko-KR" altLang="en-US">
               <a:solidFill>
@@ -15991,7 +16009,7 @@
                   </a:prstClr>
                 </a:solidFill>
               </a:rPr>
-              <a:t>2020-07-22</a:t>
+              <a:t>2020-08-19</a:t>
             </a:fld>
             <a:endParaRPr lang="ko-KR" altLang="en-US">
               <a:solidFill>
@@ -16232,7 +16250,7 @@
                   </a:prstClr>
                 </a:solidFill>
               </a:rPr>
-              <a:t>2020-07-22</a:t>
+              <a:t>2020-08-19</a:t>
             </a:fld>
             <a:endParaRPr lang="ko-KR" altLang="en-US">
               <a:solidFill>
@@ -16459,7 +16477,7 @@
                   </a:prstClr>
                 </a:solidFill>
               </a:rPr>
-              <a:t>2020-07-22</a:t>
+              <a:t>2020-08-19</a:t>
             </a:fld>
             <a:endParaRPr lang="ko-KR" altLang="en-US">
               <a:solidFill>
@@ -16821,7 +16839,7 @@
                   </a:prstClr>
                 </a:solidFill>
               </a:rPr>
-              <a:t>2020-07-22</a:t>
+              <a:t>2020-08-19</a:t>
             </a:fld>
             <a:endParaRPr lang="ko-KR" altLang="en-US">
               <a:solidFill>
@@ -16934,7 +16952,7 @@
                   </a:prstClr>
                 </a:solidFill>
               </a:rPr>
-              <a:t>2020-07-22</a:t>
+              <a:t>2020-08-19</a:t>
             </a:fld>
             <a:endParaRPr lang="ko-KR" altLang="en-US">
               <a:solidFill>
@@ -17024,7 +17042,7 @@
                   </a:prstClr>
                 </a:solidFill>
               </a:rPr>
-              <a:t>2020-07-22</a:t>
+              <a:t>2020-08-19</a:t>
             </a:fld>
             <a:endParaRPr lang="ko-KR" altLang="en-US">
               <a:solidFill>
@@ -17296,7 +17314,7 @@
                   </a:prstClr>
                 </a:solidFill>
               </a:rPr>
-              <a:t>2020-07-22</a:t>
+              <a:t>2020-08-19</a:t>
             </a:fld>
             <a:endParaRPr lang="ko-KR" altLang="en-US">
               <a:solidFill>
@@ -17544,7 +17562,7 @@
                   </a:prstClr>
                 </a:solidFill>
               </a:rPr>
-              <a:t>2020-07-22</a:t>
+              <a:t>2020-08-19</a:t>
             </a:fld>
             <a:endParaRPr lang="ko-KR" altLang="en-US">
               <a:solidFill>
@@ -17752,7 +17770,7 @@
                   </a:prstClr>
                 </a:solidFill>
               </a:rPr>
-              <a:t>2020-07-22</a:t>
+              <a:t>2020-08-19</a:t>
             </a:fld>
             <a:endParaRPr lang="ko-KR" altLang="en-US">
               <a:solidFill>
@@ -27007,7 +27025,7 @@
           <p:nvPr>
             <p:extLst>
               <p:ext uri="{D42A27DB-BD31-4B8C-83A1-F6EECF244321}">
-                <p14:modId xmlns:p14="http://schemas.microsoft.com/office/powerpoint/2010/main" val="4204321605"/>
+                <p14:modId xmlns:p14="http://schemas.microsoft.com/office/powerpoint/2010/main" val="755367823"/>
               </p:ext>
             </p:extLst>
           </p:nvPr>
@@ -27029,7 +27047,7 @@
           <p:nvPr>
             <p:extLst>
               <p:ext uri="{D42A27DB-BD31-4B8C-83A1-F6EECF244321}">
-                <p14:modId xmlns:p14="http://schemas.microsoft.com/office/powerpoint/2010/main" val="3337814873"/>
+                <p14:modId xmlns:p14="http://schemas.microsoft.com/office/powerpoint/2010/main" val="3237492570"/>
               </p:ext>
             </p:extLst>
           </p:nvPr>
@@ -27134,6 +27152,9 @@
             <a:prstGeom prst="rect">
               <a:avLst/>
             </a:prstGeom>
+            <a:solidFill>
+              <a:srgbClr val="00B050"/>
+            </a:solidFill>
             <a:ln>
               <a:noFill/>
             </a:ln>
@@ -27232,7 +27253,7 @@
               <a:avLst/>
             </a:prstGeom>
             <a:solidFill>
-              <a:srgbClr val="00B050"/>
+              <a:srgbClr val="0070C0"/>
             </a:solidFill>
             <a:ln>
               <a:noFill/>
@@ -27282,7 +27303,7 @@
               <a:avLst/>
             </a:prstGeom>
             <a:solidFill>
-              <a:srgbClr val="FFC000"/>
+              <a:srgbClr val="7030A0"/>
             </a:solidFill>
             <a:ln>
               <a:noFill/>
@@ -27734,7 +27755,7 @@
           <p:nvPr>
             <p:extLst>
               <p:ext uri="{D42A27DB-BD31-4B8C-83A1-F6EECF244321}">
-                <p14:modId xmlns:p14="http://schemas.microsoft.com/office/powerpoint/2010/main" val="1128576753"/>
+                <p14:modId xmlns:p14="http://schemas.microsoft.com/office/powerpoint/2010/main" val="2214140601"/>
               </p:ext>
             </p:extLst>
           </p:nvPr>
@@ -27756,7 +27777,7 @@
           <p:nvPr>
             <p:extLst>
               <p:ext uri="{D42A27DB-BD31-4B8C-83A1-F6EECF244321}">
-                <p14:modId xmlns:p14="http://schemas.microsoft.com/office/powerpoint/2010/main" val="4081041788"/>
+                <p14:modId xmlns:p14="http://schemas.microsoft.com/office/powerpoint/2010/main" val="3151641046"/>
               </p:ext>
             </p:extLst>
           </p:nvPr>
@@ -27835,3247 +27856,6 @@
       </p:sp>
       <p:grpSp>
         <p:nvGrpSpPr>
-          <p:cNvPr id="12" name="그룹 11"/>
-          <p:cNvGrpSpPr/>
-          <p:nvPr/>
-        </p:nvGrpSpPr>
-        <p:grpSpPr>
-          <a:xfrm>
-            <a:off x="5696633" y="5265529"/>
-            <a:ext cx="1227907" cy="1100854"/>
-            <a:chOff x="10633166" y="758844"/>
-            <a:chExt cx="1227907" cy="1100854"/>
-          </a:xfrm>
-        </p:grpSpPr>
-        <p:sp>
-          <p:nvSpPr>
-            <p:cNvPr id="13" name="직사각형 12"/>
-            <p:cNvSpPr/>
-            <p:nvPr/>
-          </p:nvSpPr>
-          <p:spPr>
-            <a:xfrm>
-              <a:off x="10633166" y="824159"/>
-              <a:ext cx="365760" cy="226841"/>
-            </a:xfrm>
-            <a:prstGeom prst="rect">
-              <a:avLst/>
-            </a:prstGeom>
-            <a:ln>
-              <a:noFill/>
-            </a:ln>
-          </p:spPr>
-          <p:style>
-            <a:lnRef idx="2">
-              <a:schemeClr val="accent1">
-                <a:shade val="50000"/>
-              </a:schemeClr>
-            </a:lnRef>
-            <a:fillRef idx="1">
-              <a:schemeClr val="accent1"/>
-            </a:fillRef>
-            <a:effectRef idx="0">
-              <a:schemeClr val="accent1"/>
-            </a:effectRef>
-            <a:fontRef idx="minor">
-              <a:schemeClr val="lt1"/>
-            </a:fontRef>
-          </p:style>
-          <p:txBody>
-            <a:bodyPr rtlCol="0" anchor="ctr"/>
-            <a:lstStyle/>
-            <a:p>
-              <a:pPr algn="ctr"/>
-              <a:endParaRPr lang="ko-KR" altLang="en-US">
-                <a:solidFill>
-                  <a:schemeClr val="accent1"/>
-                </a:solidFill>
-              </a:endParaRPr>
-            </a:p>
-          </p:txBody>
-        </p:sp>
-        <p:sp>
-          <p:nvSpPr>
-            <p:cNvPr id="15" name="직사각형 14"/>
-            <p:cNvSpPr/>
-            <p:nvPr/>
-          </p:nvSpPr>
-          <p:spPr>
-            <a:xfrm>
-              <a:off x="10633166" y="1093725"/>
-              <a:ext cx="365760" cy="226841"/>
-            </a:xfrm>
-            <a:prstGeom prst="rect">
-              <a:avLst/>
-            </a:prstGeom>
-            <a:solidFill>
-              <a:srgbClr val="C00000"/>
-            </a:solidFill>
-            <a:ln>
-              <a:noFill/>
-            </a:ln>
-          </p:spPr>
-          <p:style>
-            <a:lnRef idx="2">
-              <a:schemeClr val="accent1">
-                <a:shade val="50000"/>
-              </a:schemeClr>
-            </a:lnRef>
-            <a:fillRef idx="1">
-              <a:schemeClr val="accent1"/>
-            </a:fillRef>
-            <a:effectRef idx="0">
-              <a:schemeClr val="accent1"/>
-            </a:effectRef>
-            <a:fontRef idx="minor">
-              <a:schemeClr val="lt1"/>
-            </a:fontRef>
-          </p:style>
-          <p:txBody>
-            <a:bodyPr rtlCol="0" anchor="ctr"/>
-            <a:lstStyle/>
-            <a:p>
-              <a:pPr algn="ctr"/>
-              <a:endParaRPr lang="ko-KR" altLang="en-US">
-                <a:solidFill>
-                  <a:schemeClr val="accent1"/>
-                </a:solidFill>
-              </a:endParaRPr>
-            </a:p>
-          </p:txBody>
-        </p:sp>
-        <p:sp>
-          <p:nvSpPr>
-            <p:cNvPr id="16" name="직사각형 15"/>
-            <p:cNvSpPr/>
-            <p:nvPr/>
-          </p:nvSpPr>
-          <p:spPr>
-            <a:xfrm>
-              <a:off x="10633166" y="1363291"/>
-              <a:ext cx="365760" cy="226841"/>
-            </a:xfrm>
-            <a:prstGeom prst="rect">
-              <a:avLst/>
-            </a:prstGeom>
-            <a:solidFill>
-              <a:srgbClr val="00B050"/>
-            </a:solidFill>
-            <a:ln>
-              <a:noFill/>
-            </a:ln>
-          </p:spPr>
-          <p:style>
-            <a:lnRef idx="2">
-              <a:schemeClr val="accent1">
-                <a:shade val="50000"/>
-              </a:schemeClr>
-            </a:lnRef>
-            <a:fillRef idx="1">
-              <a:schemeClr val="accent1"/>
-            </a:fillRef>
-            <a:effectRef idx="0">
-              <a:schemeClr val="accent1"/>
-            </a:effectRef>
-            <a:fontRef idx="minor">
-              <a:schemeClr val="lt1"/>
-            </a:fontRef>
-          </p:style>
-          <p:txBody>
-            <a:bodyPr rtlCol="0" anchor="ctr"/>
-            <a:lstStyle/>
-            <a:p>
-              <a:pPr algn="ctr"/>
-              <a:endParaRPr lang="ko-KR" altLang="en-US">
-                <a:solidFill>
-                  <a:schemeClr val="accent1"/>
-                </a:solidFill>
-              </a:endParaRPr>
-            </a:p>
-          </p:txBody>
-        </p:sp>
-        <p:sp>
-          <p:nvSpPr>
-            <p:cNvPr id="17" name="직사각형 16"/>
-            <p:cNvSpPr/>
-            <p:nvPr/>
-          </p:nvSpPr>
-          <p:spPr>
-            <a:xfrm>
-              <a:off x="10633166" y="1632857"/>
-              <a:ext cx="365760" cy="226841"/>
-            </a:xfrm>
-            <a:prstGeom prst="rect">
-              <a:avLst/>
-            </a:prstGeom>
-            <a:solidFill>
-              <a:srgbClr val="FFC000"/>
-            </a:solidFill>
-            <a:ln>
-              <a:noFill/>
-            </a:ln>
-          </p:spPr>
-          <p:style>
-            <a:lnRef idx="2">
-              <a:schemeClr val="accent1">
-                <a:shade val="50000"/>
-              </a:schemeClr>
-            </a:lnRef>
-            <a:fillRef idx="1">
-              <a:schemeClr val="accent1"/>
-            </a:fillRef>
-            <a:effectRef idx="0">
-              <a:schemeClr val="accent1"/>
-            </a:effectRef>
-            <a:fontRef idx="minor">
-              <a:schemeClr val="lt1"/>
-            </a:fontRef>
-          </p:style>
-          <p:txBody>
-            <a:bodyPr rtlCol="0" anchor="ctr"/>
-            <a:lstStyle/>
-            <a:p>
-              <a:pPr algn="ctr"/>
-              <a:endParaRPr lang="ko-KR" altLang="en-US">
-                <a:solidFill>
-                  <a:schemeClr val="accent1"/>
-                </a:solidFill>
-              </a:endParaRPr>
-            </a:p>
-          </p:txBody>
-        </p:sp>
-        <p:sp>
-          <p:nvSpPr>
-            <p:cNvPr id="18" name="TextBox 17"/>
-            <p:cNvSpPr txBox="1"/>
-            <p:nvPr/>
-          </p:nvSpPr>
-          <p:spPr>
-            <a:xfrm>
-              <a:off x="11011987" y="758844"/>
-              <a:ext cx="849086" cy="261610"/>
-            </a:xfrm>
-            <a:prstGeom prst="rect">
-              <a:avLst/>
-            </a:prstGeom>
-            <a:noFill/>
-          </p:spPr>
-          <p:txBody>
-            <a:bodyPr wrap="square" rtlCol="0">
-              <a:spAutoFit/>
-            </a:bodyPr>
-            <a:lstStyle/>
-            <a:p>
-              <a:r>
-                <a:rPr lang="en-US" altLang="ko-KR" sz="1100" dirty="0" smtClean="0"/>
-                <a:t>Novice</a:t>
-              </a:r>
-              <a:endParaRPr lang="ko-KR" altLang="en-US" sz="1100" dirty="0"/>
-            </a:p>
-          </p:txBody>
-        </p:sp>
-        <p:sp>
-          <p:nvSpPr>
-            <p:cNvPr id="19" name="TextBox 18"/>
-            <p:cNvSpPr txBox="1"/>
-            <p:nvPr/>
-          </p:nvSpPr>
-          <p:spPr>
-            <a:xfrm>
-              <a:off x="11011987" y="1032830"/>
-              <a:ext cx="849086" cy="261610"/>
-            </a:xfrm>
-            <a:prstGeom prst="rect">
-              <a:avLst/>
-            </a:prstGeom>
-            <a:noFill/>
-          </p:spPr>
-          <p:txBody>
-            <a:bodyPr wrap="square" rtlCol="0">
-              <a:spAutoFit/>
-            </a:bodyPr>
-            <a:lstStyle/>
-            <a:p>
-              <a:r>
-                <a:rPr lang="en-US" altLang="ko-KR" sz="1100" dirty="0" smtClean="0"/>
-                <a:t>Slapstick</a:t>
-              </a:r>
-              <a:endParaRPr lang="ko-KR" altLang="en-US" sz="1100" dirty="0"/>
-            </a:p>
-          </p:txBody>
-        </p:sp>
-        <p:sp>
-          <p:nvSpPr>
-            <p:cNvPr id="20" name="TextBox 19"/>
-            <p:cNvSpPr txBox="1"/>
-            <p:nvPr/>
-          </p:nvSpPr>
-          <p:spPr>
-            <a:xfrm>
-              <a:off x="11011987" y="1324102"/>
-              <a:ext cx="849086" cy="261610"/>
-            </a:xfrm>
-            <a:prstGeom prst="rect">
-              <a:avLst/>
-            </a:prstGeom>
-            <a:noFill/>
-          </p:spPr>
-          <p:txBody>
-            <a:bodyPr wrap="square" rtlCol="0">
-              <a:spAutoFit/>
-            </a:bodyPr>
-            <a:lstStyle/>
-            <a:p>
-              <a:r>
-                <a:rPr lang="en-US" altLang="ko-KR" sz="1100" dirty="0" smtClean="0"/>
-                <a:t>Expert</a:t>
-              </a:r>
-              <a:endParaRPr lang="ko-KR" altLang="en-US" sz="1100" dirty="0"/>
-            </a:p>
-          </p:txBody>
-        </p:sp>
-        <p:sp>
-          <p:nvSpPr>
-            <p:cNvPr id="21" name="TextBox 20"/>
-            <p:cNvSpPr txBox="1"/>
-            <p:nvPr/>
-          </p:nvSpPr>
-          <p:spPr>
-            <a:xfrm>
-              <a:off x="11011987" y="1585712"/>
-              <a:ext cx="849086" cy="261610"/>
-            </a:xfrm>
-            <a:prstGeom prst="rect">
-              <a:avLst/>
-            </a:prstGeom>
-            <a:noFill/>
-          </p:spPr>
-          <p:txBody>
-            <a:bodyPr wrap="square" rtlCol="0">
-              <a:spAutoFit/>
-            </a:bodyPr>
-            <a:lstStyle/>
-            <a:p>
-              <a:r>
-                <a:rPr lang="en-US" altLang="ko-KR" sz="1100" dirty="0" smtClean="0"/>
-                <a:t>Circus</a:t>
-              </a:r>
-              <a:endParaRPr lang="ko-KR" altLang="en-US" sz="1100" dirty="0"/>
-            </a:p>
-          </p:txBody>
-        </p:sp>
-      </p:grpSp>
-    </p:spTree>
-    <p:extLst>
-      <p:ext uri="{BB962C8B-B14F-4D97-AF65-F5344CB8AC3E}">
-        <p14:creationId xmlns:p14="http://schemas.microsoft.com/office/powerpoint/2010/main" val="1177428769"/>
-      </p:ext>
-    </p:extLst>
-  </p:cSld>
-  <p:clrMapOvr>
-    <a:masterClrMapping/>
-  </p:clrMapOvr>
-  <p:timing>
-    <p:tnLst>
-      <p:par>
-        <p:cTn id="1" dur="indefinite" restart="never" nodeType="tmRoot"/>
-      </p:par>
-    </p:tnLst>
-  </p:timing>
-</p:sld>
-</file>
-
-<file path=ppt/slides/slide2.xml><?xml version="1.0" encoding="utf-8"?>
-<p:sld xmlns:a="http://schemas.openxmlformats.org/drawingml/2006/main" xmlns:r="http://schemas.openxmlformats.org/officeDocument/2006/relationships" xmlns:p="http://schemas.openxmlformats.org/presentationml/2006/main">
-  <p:cSld>
-    <p:bg>
-      <p:bgPr>
-        <a:solidFill>
-          <a:srgbClr val="EAEEFA"/>
-        </a:solidFill>
-        <a:effectLst/>
-      </p:bgPr>
-    </p:bg>
-    <p:spTree>
-      <p:nvGrpSpPr>
-        <p:cNvPr id="1" name=""/>
-        <p:cNvGrpSpPr/>
-        <p:nvPr/>
-      </p:nvGrpSpPr>
-      <p:grpSpPr>
-        <a:xfrm>
-          <a:off x="0" y="0"/>
-          <a:ext cx="0" cy="0"/>
-          <a:chOff x="0" y="0"/>
-          <a:chExt cx="0" cy="0"/>
-        </a:xfrm>
-      </p:grpSpPr>
-      <p:cxnSp>
-        <p:nvCxnSpPr>
-          <p:cNvPr id="8" name="직선 연결선 7"/>
-          <p:cNvCxnSpPr/>
-          <p:nvPr/>
-        </p:nvCxnSpPr>
-        <p:spPr>
-          <a:xfrm>
-            <a:off x="605680" y="6678910"/>
-            <a:ext cx="10800000" cy="0"/>
-          </a:xfrm>
-          <a:prstGeom prst="line">
-            <a:avLst/>
-          </a:prstGeom>
-          <a:ln>
-            <a:solidFill>
-              <a:srgbClr val="D02646"/>
-            </a:solidFill>
-          </a:ln>
-        </p:spPr>
-        <p:style>
-          <a:lnRef idx="1">
-            <a:schemeClr val="accent1"/>
-          </a:lnRef>
-          <a:fillRef idx="0">
-            <a:schemeClr val="accent1"/>
-          </a:fillRef>
-          <a:effectRef idx="0">
-            <a:schemeClr val="accent1"/>
-          </a:effectRef>
-          <a:fontRef idx="minor">
-            <a:schemeClr val="tx1"/>
-          </a:fontRef>
-        </p:style>
-      </p:cxnSp>
-      <p:sp>
-        <p:nvSpPr>
-          <p:cNvPr id="7" name="직사각형 6">
-            <a:extLst>
-              <a:ext uri="{FF2B5EF4-FFF2-40B4-BE49-F238E27FC236}">
-                <a16:creationId xmlns:a16="http://schemas.microsoft.com/office/drawing/2014/main" id="{3FA00699-5178-465A-9F3F-130CF1431F70}"/>
-              </a:ext>
-            </a:extLst>
-          </p:cNvPr>
-          <p:cNvSpPr/>
-          <p:nvPr/>
-        </p:nvSpPr>
-        <p:spPr>
-          <a:xfrm>
-            <a:off x="938186" y="681634"/>
-            <a:ext cx="5213232" cy="553998"/>
-          </a:xfrm>
-          <a:prstGeom prst="rect">
-            <a:avLst/>
-          </a:prstGeom>
-        </p:spPr>
-        <p:txBody>
-          <a:bodyPr wrap="square" anchor="ctr">
-            <a:spAutoFit/>
-          </a:bodyPr>
-          <a:lstStyle/>
-          <a:p>
-            <a:pPr>
-              <a:lnSpc>
-                <a:spcPct val="150000"/>
-              </a:lnSpc>
-            </a:pPr>
-            <a:r>
-              <a:rPr lang="en-US" altLang="ko-KR" sz="2000" b="1" dirty="0" smtClean="0"/>
-              <a:t>1. </a:t>
-            </a:r>
-            <a:r>
-              <a:rPr lang="ko-KR" altLang="en-US" sz="2000" b="1" dirty="0" smtClean="0"/>
-              <a:t>모멘트 체</a:t>
-            </a:r>
-            <a:r>
-              <a:rPr lang="ko-KR" altLang="en-US" sz="2000" b="1" dirty="0"/>
-              <a:t>크</a:t>
-            </a:r>
-            <a:r>
-              <a:rPr lang="ko-KR" altLang="en-US" sz="2000" b="1" dirty="0" smtClean="0"/>
-              <a:t> 시트</a:t>
-            </a:r>
-            <a:endParaRPr lang="en-US" altLang="ko-KR" sz="2000" b="1" dirty="0"/>
-          </a:p>
-        </p:txBody>
-      </p:sp>
-      <p:sp>
-        <p:nvSpPr>
-          <p:cNvPr id="13" name="직사각형 12">
-            <a:extLst>
-              <a:ext uri="{FF2B5EF4-FFF2-40B4-BE49-F238E27FC236}">
-                <a16:creationId xmlns:a16="http://schemas.microsoft.com/office/drawing/2014/main" id="{3FA00699-5178-465A-9F3F-130CF1431F70}"/>
-              </a:ext>
-            </a:extLst>
-          </p:cNvPr>
-          <p:cNvSpPr/>
-          <p:nvPr/>
-        </p:nvSpPr>
-        <p:spPr>
-          <a:xfrm>
-            <a:off x="2783609" y="2050575"/>
-            <a:ext cx="5027980" cy="553998"/>
-          </a:xfrm>
-          <a:prstGeom prst="rect">
-            <a:avLst/>
-          </a:prstGeom>
-        </p:spPr>
-        <p:txBody>
-          <a:bodyPr wrap="square" anchor="ctr">
-            <a:spAutoFit/>
-          </a:bodyPr>
-          <a:lstStyle/>
-          <a:p>
-            <a:pPr>
-              <a:lnSpc>
-                <a:spcPct val="150000"/>
-              </a:lnSpc>
-            </a:pPr>
-            <a:r>
-              <a:rPr lang="en-US" altLang="ko-KR" sz="2000" b="1" dirty="0" smtClean="0"/>
-              <a:t>2. </a:t>
-            </a:r>
-            <a:r>
-              <a:rPr lang="ko-KR" altLang="en-US" sz="2000" b="1" dirty="0" smtClean="0"/>
-              <a:t>영상 카테고리화 </a:t>
-            </a:r>
-            <a:r>
-              <a:rPr lang="en-US" altLang="ko-KR" sz="2000" b="1" dirty="0" smtClean="0"/>
-              <a:t>- DBD</a:t>
-            </a:r>
-            <a:endParaRPr lang="en-US" altLang="ko-KR" sz="2000" b="1" dirty="0"/>
-          </a:p>
-        </p:txBody>
-      </p:sp>
-      <p:sp>
-        <p:nvSpPr>
-          <p:cNvPr id="14" name="직사각형 13">
-            <a:extLst>
-              <a:ext uri="{FF2B5EF4-FFF2-40B4-BE49-F238E27FC236}">
-                <a16:creationId xmlns:a16="http://schemas.microsoft.com/office/drawing/2014/main" id="{3FA00699-5178-465A-9F3F-130CF1431F70}"/>
-              </a:ext>
-            </a:extLst>
-          </p:cNvPr>
-          <p:cNvSpPr/>
-          <p:nvPr/>
-        </p:nvSpPr>
-        <p:spPr>
-          <a:xfrm>
-            <a:off x="4845479" y="3546343"/>
-            <a:ext cx="4807972" cy="553998"/>
-          </a:xfrm>
-          <a:prstGeom prst="rect">
-            <a:avLst/>
-          </a:prstGeom>
-        </p:spPr>
-        <p:txBody>
-          <a:bodyPr wrap="square" anchor="ctr">
-            <a:spAutoFit/>
-          </a:bodyPr>
-          <a:lstStyle/>
-          <a:p>
-            <a:pPr>
-              <a:lnSpc>
-                <a:spcPct val="150000"/>
-              </a:lnSpc>
-            </a:pPr>
-            <a:r>
-              <a:rPr lang="en-US" altLang="ko-KR" sz="2000" b="1" dirty="0" smtClean="0"/>
-              <a:t>3. </a:t>
-            </a:r>
-            <a:r>
-              <a:rPr lang="ko-KR" altLang="en-US" sz="2000" b="1" dirty="0"/>
-              <a:t>영상 카테고리화 </a:t>
-            </a:r>
-            <a:r>
-              <a:rPr lang="en-US" altLang="ko-KR" sz="2000" b="1" dirty="0" smtClean="0"/>
-              <a:t>– </a:t>
-            </a:r>
-            <a:r>
-              <a:rPr lang="ko-KR" altLang="en-US" sz="2000" b="1" dirty="0" smtClean="0"/>
-              <a:t>타 장르</a:t>
-            </a:r>
-            <a:endParaRPr lang="en-US" altLang="ko-KR" sz="2000" b="1" dirty="0"/>
-          </a:p>
-        </p:txBody>
-      </p:sp>
-      <p:sp>
-        <p:nvSpPr>
-          <p:cNvPr id="15" name="직사각형 14">
-            <a:extLst>
-              <a:ext uri="{FF2B5EF4-FFF2-40B4-BE49-F238E27FC236}">
-                <a16:creationId xmlns:a16="http://schemas.microsoft.com/office/drawing/2014/main" id="{3FA00699-5178-465A-9F3F-130CF1431F70}"/>
-              </a:ext>
-            </a:extLst>
-          </p:cNvPr>
-          <p:cNvSpPr/>
-          <p:nvPr/>
-        </p:nvSpPr>
-        <p:spPr>
-          <a:xfrm>
-            <a:off x="7040880" y="5042111"/>
-            <a:ext cx="4232366" cy="553998"/>
-          </a:xfrm>
-          <a:prstGeom prst="rect">
-            <a:avLst/>
-          </a:prstGeom>
-        </p:spPr>
-        <p:txBody>
-          <a:bodyPr wrap="square" anchor="ctr">
-            <a:spAutoFit/>
-          </a:bodyPr>
-          <a:lstStyle/>
-          <a:p>
-            <a:pPr>
-              <a:lnSpc>
-                <a:spcPct val="150000"/>
-              </a:lnSpc>
-            </a:pPr>
-            <a:r>
-              <a:rPr lang="en-US" altLang="ko-KR" sz="2000" b="1" dirty="0" smtClean="0"/>
-              <a:t>4. </a:t>
-            </a:r>
-            <a:r>
-              <a:rPr lang="ko-KR" altLang="en-US" sz="2000" b="1" dirty="0"/>
-              <a:t>영상 </a:t>
-            </a:r>
-            <a:r>
-              <a:rPr lang="ko-KR" altLang="en-US" sz="2000" b="1" dirty="0" smtClean="0"/>
-              <a:t>카테고리 그래프</a:t>
-            </a:r>
-            <a:endParaRPr lang="en-US" altLang="ko-KR" sz="2000" b="1" dirty="0"/>
-          </a:p>
-        </p:txBody>
-      </p:sp>
-    </p:spTree>
-    <p:extLst>
-      <p:ext uri="{BB962C8B-B14F-4D97-AF65-F5344CB8AC3E}">
-        <p14:creationId xmlns:p14="http://schemas.microsoft.com/office/powerpoint/2010/main" val="2230190395"/>
-      </p:ext>
-    </p:extLst>
-  </p:cSld>
-  <p:clrMapOvr>
-    <a:masterClrMapping/>
-  </p:clrMapOvr>
-  <p:timing>
-    <p:tnLst>
-      <p:par>
-        <p:cTn id="1" dur="indefinite" restart="never" nodeType="tmRoot"/>
-      </p:par>
-    </p:tnLst>
-  </p:timing>
-</p:sld>
-</file>
-
-<file path=ppt/slides/slide20.xml><?xml version="1.0" encoding="utf-8"?>
-<p:sld xmlns:a="http://schemas.openxmlformats.org/drawingml/2006/main" xmlns:r="http://schemas.openxmlformats.org/officeDocument/2006/relationships" xmlns:p="http://schemas.openxmlformats.org/presentationml/2006/main">
-  <p:cSld>
-    <p:bg>
-      <p:bgPr>
-        <a:solidFill>
-          <a:srgbClr val="EAEEFA"/>
-        </a:solidFill>
-        <a:effectLst/>
-      </p:bgPr>
-    </p:bg>
-    <p:spTree>
-      <p:nvGrpSpPr>
-        <p:cNvPr id="1" name=""/>
-        <p:cNvGrpSpPr/>
-        <p:nvPr/>
-      </p:nvGrpSpPr>
-      <p:grpSpPr>
-        <a:xfrm>
-          <a:off x="0" y="0"/>
-          <a:ext cx="0" cy="0"/>
-          <a:chOff x="0" y="0"/>
-          <a:chExt cx="0" cy="0"/>
-        </a:xfrm>
-      </p:grpSpPr>
-      <p:cxnSp>
-        <p:nvCxnSpPr>
-          <p:cNvPr id="23" name="직선 연결선 22"/>
-          <p:cNvCxnSpPr/>
-          <p:nvPr/>
-        </p:nvCxnSpPr>
-        <p:spPr>
-          <a:xfrm>
-            <a:off x="589055" y="427040"/>
-            <a:ext cx="10800000" cy="0"/>
-          </a:xfrm>
-          <a:prstGeom prst="line">
-            <a:avLst/>
-          </a:prstGeom>
-          <a:ln>
-            <a:solidFill>
-              <a:srgbClr val="D02646"/>
-            </a:solidFill>
-          </a:ln>
-        </p:spPr>
-        <p:style>
-          <a:lnRef idx="1">
-            <a:schemeClr val="accent1"/>
-          </a:lnRef>
-          <a:fillRef idx="0">
-            <a:schemeClr val="accent1"/>
-          </a:fillRef>
-          <a:effectRef idx="0">
-            <a:schemeClr val="accent1"/>
-          </a:effectRef>
-          <a:fontRef idx="minor">
-            <a:schemeClr val="tx1"/>
-          </a:fontRef>
-        </p:style>
-      </p:cxnSp>
-      <p:sp>
-        <p:nvSpPr>
-          <p:cNvPr id="24" name="직사각형 23"/>
-          <p:cNvSpPr/>
-          <p:nvPr/>
-        </p:nvSpPr>
-        <p:spPr>
-          <a:xfrm>
-            <a:off x="3646530" y="0"/>
-            <a:ext cx="4971967" cy="646331"/>
-          </a:xfrm>
-          <a:prstGeom prst="rect">
-            <a:avLst/>
-          </a:prstGeom>
-          <a:solidFill>
-            <a:srgbClr val="EAEEFA"/>
-          </a:solidFill>
-        </p:spPr>
-        <p:txBody>
-          <a:bodyPr wrap="square">
-            <a:spAutoFit/>
-          </a:bodyPr>
-          <a:lstStyle/>
-          <a:p>
-            <a:pPr algn="ctr" fontAlgn="base"/>
-            <a:r>
-              <a:rPr lang="ko-KR" altLang="en-US" b="1" dirty="0"/>
-              <a:t>방송을 통한 </a:t>
-            </a:r>
-            <a:r>
-              <a:rPr lang="ko-KR" altLang="en-US" b="1" dirty="0" err="1"/>
-              <a:t>루돌로지</a:t>
-            </a:r>
-            <a:r>
-              <a:rPr lang="ko-KR" altLang="en-US" b="1" dirty="0"/>
-              <a:t> 게임의 </a:t>
-            </a:r>
-            <a:r>
-              <a:rPr lang="ko-KR" altLang="en-US" b="1" dirty="0" err="1"/>
-              <a:t>스토리텔링</a:t>
-            </a:r>
-            <a:r>
-              <a:rPr lang="ko-KR" altLang="en-US" b="1" dirty="0"/>
-              <a:t> </a:t>
-            </a:r>
-            <a:r>
-              <a:rPr lang="en-US" altLang="ko-KR" b="1" dirty="0" smtClean="0"/>
-              <a:t/>
-            </a:r>
-            <a:br>
-              <a:rPr lang="en-US" altLang="ko-KR" b="1" dirty="0" smtClean="0"/>
-            </a:br>
-            <a:r>
-              <a:rPr lang="ko-KR" altLang="en-US" b="1" dirty="0" smtClean="0"/>
-              <a:t>획득과 </a:t>
-            </a:r>
-            <a:r>
-              <a:rPr lang="ko-KR" altLang="en-US" b="1" dirty="0"/>
-              <a:t>게임 기획에의 적용 </a:t>
-            </a:r>
-            <a:r>
-              <a:rPr lang="ko-KR" altLang="en-US" b="1" dirty="0" smtClean="0"/>
-              <a:t>연구</a:t>
-            </a:r>
-            <a:endParaRPr lang="ko-KR" altLang="en-US" b="1" dirty="0"/>
-          </a:p>
-        </p:txBody>
-      </p:sp>
-      <p:cxnSp>
-        <p:nvCxnSpPr>
-          <p:cNvPr id="25" name="직선 연결선 24"/>
-          <p:cNvCxnSpPr/>
-          <p:nvPr/>
-        </p:nvCxnSpPr>
-        <p:spPr>
-          <a:xfrm>
-            <a:off x="589055" y="6637347"/>
-            <a:ext cx="10800000" cy="0"/>
-          </a:xfrm>
-          <a:prstGeom prst="line">
-            <a:avLst/>
-          </a:prstGeom>
-          <a:ln>
-            <a:solidFill>
-              <a:srgbClr val="D02646"/>
-            </a:solidFill>
-          </a:ln>
-        </p:spPr>
-        <p:style>
-          <a:lnRef idx="1">
-            <a:schemeClr val="accent1"/>
-          </a:lnRef>
-          <a:fillRef idx="0">
-            <a:schemeClr val="accent1"/>
-          </a:fillRef>
-          <a:effectRef idx="0">
-            <a:schemeClr val="accent1"/>
-          </a:effectRef>
-          <a:fontRef idx="minor">
-            <a:schemeClr val="tx1"/>
-          </a:fontRef>
-        </p:style>
-      </p:cxnSp>
-      <p:sp>
-        <p:nvSpPr>
-          <p:cNvPr id="33" name="직사각형 32">
-            <a:extLst>
-              <a:ext uri="{FF2B5EF4-FFF2-40B4-BE49-F238E27FC236}">
-                <a16:creationId xmlns:a16="http://schemas.microsoft.com/office/drawing/2014/main" id="{3FA00699-5178-465A-9F3F-130CF1431F70}"/>
-              </a:ext>
-            </a:extLst>
-          </p:cNvPr>
-          <p:cNvSpPr/>
-          <p:nvPr/>
-        </p:nvSpPr>
-        <p:spPr>
-          <a:xfrm>
-            <a:off x="589055" y="547161"/>
-            <a:ext cx="3924756" cy="646331"/>
-          </a:xfrm>
-          <a:prstGeom prst="rect">
-            <a:avLst/>
-          </a:prstGeom>
-        </p:spPr>
-        <p:txBody>
-          <a:bodyPr wrap="square" anchor="ctr">
-            <a:spAutoFit/>
-          </a:bodyPr>
-          <a:lstStyle/>
-          <a:p>
-            <a:pPr>
-              <a:lnSpc>
-                <a:spcPct val="150000"/>
-              </a:lnSpc>
-            </a:pPr>
-            <a:r>
-              <a:rPr lang="ko-KR" altLang="en-US" sz="2400" b="1" dirty="0" err="1" smtClean="0">
-                <a:solidFill>
-                  <a:srgbClr val="44546A">
-                    <a:lumMod val="75000"/>
-                  </a:srgbClr>
-                </a:solidFill>
-              </a:rPr>
-              <a:t>앰비션</a:t>
-            </a:r>
-            <a:r>
-              <a:rPr lang="ko-KR" altLang="en-US" sz="2400" b="1" dirty="0" smtClean="0">
-                <a:solidFill>
-                  <a:srgbClr val="44546A">
-                    <a:lumMod val="75000"/>
-                  </a:srgbClr>
-                </a:solidFill>
-              </a:rPr>
-              <a:t> </a:t>
-            </a:r>
-            <a:r>
-              <a:rPr lang="en-US" altLang="ko-KR" sz="2400" b="1" dirty="0" smtClean="0">
-                <a:solidFill>
-                  <a:srgbClr val="44546A">
-                    <a:lumMod val="75000"/>
-                  </a:srgbClr>
-                </a:solidFill>
-              </a:rPr>
-              <a:t>(LOL)</a:t>
-            </a:r>
-            <a:endParaRPr lang="en-US" altLang="ko-KR" sz="2400" b="1" dirty="0">
-              <a:solidFill>
-                <a:srgbClr val="44546A">
-                  <a:lumMod val="75000"/>
-                </a:srgbClr>
-              </a:solidFill>
-            </a:endParaRPr>
-          </a:p>
-        </p:txBody>
-      </p:sp>
-      <p:sp>
-        <p:nvSpPr>
-          <p:cNvPr id="14" name="직사각형 13">
-            <a:extLst>
-              <a:ext uri="{FF2B5EF4-FFF2-40B4-BE49-F238E27FC236}">
-                <a16:creationId xmlns:a16="http://schemas.microsoft.com/office/drawing/2014/main" id="{3FA00699-5178-465A-9F3F-130CF1431F70}"/>
-              </a:ext>
-            </a:extLst>
-          </p:cNvPr>
-          <p:cNvSpPr/>
-          <p:nvPr/>
-        </p:nvSpPr>
-        <p:spPr>
-          <a:xfrm>
-            <a:off x="589055" y="52290"/>
-            <a:ext cx="2889249" cy="373885"/>
-          </a:xfrm>
-          <a:prstGeom prst="rect">
-            <a:avLst/>
-          </a:prstGeom>
-        </p:spPr>
-        <p:txBody>
-          <a:bodyPr wrap="square" anchor="ctr">
-            <a:spAutoFit/>
-          </a:bodyPr>
-          <a:lstStyle/>
-          <a:p>
-            <a:pPr>
-              <a:lnSpc>
-                <a:spcPct val="150000"/>
-              </a:lnSpc>
-            </a:pPr>
-            <a:r>
-              <a:rPr lang="en-US" altLang="ko-KR" sz="1400" b="1" dirty="0"/>
-              <a:t>4. </a:t>
-            </a:r>
-            <a:r>
-              <a:rPr lang="ko-KR" altLang="en-US" sz="1400" b="1" dirty="0"/>
-              <a:t>영상 카테고리 그래프</a:t>
-            </a:r>
-            <a:endParaRPr lang="en-US" altLang="ko-KR" sz="1400" b="1" dirty="0"/>
-          </a:p>
-        </p:txBody>
-      </p:sp>
-      <p:graphicFrame>
-        <p:nvGraphicFramePr>
-          <p:cNvPr id="4" name="차트 3"/>
-          <p:cNvGraphicFramePr/>
-          <p:nvPr>
-            <p:extLst>
-              <p:ext uri="{D42A27DB-BD31-4B8C-83A1-F6EECF244321}">
-                <p14:modId xmlns:p14="http://schemas.microsoft.com/office/powerpoint/2010/main" val="2104432092"/>
-              </p:ext>
-            </p:extLst>
-          </p:nvPr>
-        </p:nvGraphicFramePr>
-        <p:xfrm>
-          <a:off x="0" y="1883229"/>
-          <a:ext cx="6363926" cy="4533962"/>
-        </p:xfrm>
-        <a:graphic>
-          <a:graphicData uri="http://schemas.openxmlformats.org/drawingml/2006/chart">
-            <c:chart xmlns:c="http://schemas.openxmlformats.org/drawingml/2006/chart" xmlns:r="http://schemas.openxmlformats.org/officeDocument/2006/relationships" r:id="rId2"/>
-          </a:graphicData>
-        </a:graphic>
-      </p:graphicFrame>
-      <p:graphicFrame>
-        <p:nvGraphicFramePr>
-          <p:cNvPr id="11" name="차트 10"/>
-          <p:cNvGraphicFramePr/>
-          <p:nvPr>
-            <p:extLst>
-              <p:ext uri="{D42A27DB-BD31-4B8C-83A1-F6EECF244321}">
-                <p14:modId xmlns:p14="http://schemas.microsoft.com/office/powerpoint/2010/main" val="395089084"/>
-              </p:ext>
-            </p:extLst>
-          </p:nvPr>
-        </p:nvGraphicFramePr>
-        <p:xfrm>
-          <a:off x="5828074" y="1883229"/>
-          <a:ext cx="6363926" cy="4533962"/>
-        </p:xfrm>
-        <a:graphic>
-          <a:graphicData uri="http://schemas.openxmlformats.org/drawingml/2006/chart">
-            <c:chart xmlns:c="http://schemas.openxmlformats.org/drawingml/2006/chart" xmlns:r="http://schemas.openxmlformats.org/officeDocument/2006/relationships" r:id="rId3"/>
-          </a:graphicData>
-        </a:graphic>
-      </p:graphicFrame>
-      <p:sp>
-        <p:nvSpPr>
-          <p:cNvPr id="9" name="TextBox 8"/>
-          <p:cNvSpPr txBox="1"/>
-          <p:nvPr/>
-        </p:nvSpPr>
-        <p:spPr>
-          <a:xfrm>
-            <a:off x="589055" y="1632857"/>
-            <a:ext cx="1782486" cy="369332"/>
-          </a:xfrm>
-          <a:prstGeom prst="rect">
-            <a:avLst/>
-          </a:prstGeom>
-          <a:noFill/>
-        </p:spPr>
-        <p:txBody>
-          <a:bodyPr wrap="square" rtlCol="0">
-            <a:spAutoFit/>
-          </a:bodyPr>
-          <a:lstStyle/>
-          <a:p>
-            <a:pPr algn="ctr"/>
-            <a:r>
-              <a:rPr lang="ko-KR" altLang="en-US" b="1" dirty="0" smtClean="0"/>
-              <a:t>영상 개수</a:t>
-            </a:r>
-            <a:endParaRPr lang="ko-KR" altLang="en-US" b="1" dirty="0"/>
-          </a:p>
-        </p:txBody>
-      </p:sp>
-      <p:sp>
-        <p:nvSpPr>
-          <p:cNvPr id="10" name="TextBox 9"/>
-          <p:cNvSpPr txBox="1"/>
-          <p:nvPr/>
-        </p:nvSpPr>
-        <p:spPr>
-          <a:xfrm>
-            <a:off x="6310587" y="1632857"/>
-            <a:ext cx="1782486" cy="369332"/>
-          </a:xfrm>
-          <a:prstGeom prst="rect">
-            <a:avLst/>
-          </a:prstGeom>
-          <a:noFill/>
-        </p:spPr>
-        <p:txBody>
-          <a:bodyPr wrap="square" rtlCol="0">
-            <a:spAutoFit/>
-          </a:bodyPr>
-          <a:lstStyle/>
-          <a:p>
-            <a:pPr algn="ctr"/>
-            <a:r>
-              <a:rPr lang="ko-KR" altLang="en-US" b="1" dirty="0" smtClean="0"/>
-              <a:t>총 조회수</a:t>
-            </a:r>
-            <a:endParaRPr lang="ko-KR" altLang="en-US" b="1" dirty="0"/>
-          </a:p>
-        </p:txBody>
-      </p:sp>
-      <p:grpSp>
-        <p:nvGrpSpPr>
-          <p:cNvPr id="12" name="그룹 11"/>
-          <p:cNvGrpSpPr/>
-          <p:nvPr/>
-        </p:nvGrpSpPr>
-        <p:grpSpPr>
-          <a:xfrm>
-            <a:off x="5696633" y="5265529"/>
-            <a:ext cx="1227907" cy="1100854"/>
-            <a:chOff x="10633166" y="758844"/>
-            <a:chExt cx="1227907" cy="1100854"/>
-          </a:xfrm>
-        </p:grpSpPr>
-        <p:sp>
-          <p:nvSpPr>
-            <p:cNvPr id="13" name="직사각형 12"/>
-            <p:cNvSpPr/>
-            <p:nvPr/>
-          </p:nvSpPr>
-          <p:spPr>
-            <a:xfrm>
-              <a:off x="10633166" y="824159"/>
-              <a:ext cx="365760" cy="226841"/>
-            </a:xfrm>
-            <a:prstGeom prst="rect">
-              <a:avLst/>
-            </a:prstGeom>
-            <a:ln>
-              <a:noFill/>
-            </a:ln>
-          </p:spPr>
-          <p:style>
-            <a:lnRef idx="2">
-              <a:schemeClr val="accent1">
-                <a:shade val="50000"/>
-              </a:schemeClr>
-            </a:lnRef>
-            <a:fillRef idx="1">
-              <a:schemeClr val="accent1"/>
-            </a:fillRef>
-            <a:effectRef idx="0">
-              <a:schemeClr val="accent1"/>
-            </a:effectRef>
-            <a:fontRef idx="minor">
-              <a:schemeClr val="lt1"/>
-            </a:fontRef>
-          </p:style>
-          <p:txBody>
-            <a:bodyPr rtlCol="0" anchor="ctr"/>
-            <a:lstStyle/>
-            <a:p>
-              <a:pPr algn="ctr"/>
-              <a:endParaRPr lang="ko-KR" altLang="en-US">
-                <a:solidFill>
-                  <a:schemeClr val="accent1"/>
-                </a:solidFill>
-              </a:endParaRPr>
-            </a:p>
-          </p:txBody>
-        </p:sp>
-        <p:sp>
-          <p:nvSpPr>
-            <p:cNvPr id="15" name="직사각형 14"/>
-            <p:cNvSpPr/>
-            <p:nvPr/>
-          </p:nvSpPr>
-          <p:spPr>
-            <a:xfrm>
-              <a:off x="10633166" y="1093725"/>
-              <a:ext cx="365760" cy="226841"/>
-            </a:xfrm>
-            <a:prstGeom prst="rect">
-              <a:avLst/>
-            </a:prstGeom>
-            <a:solidFill>
-              <a:srgbClr val="C00000"/>
-            </a:solidFill>
-            <a:ln>
-              <a:noFill/>
-            </a:ln>
-          </p:spPr>
-          <p:style>
-            <a:lnRef idx="2">
-              <a:schemeClr val="accent1">
-                <a:shade val="50000"/>
-              </a:schemeClr>
-            </a:lnRef>
-            <a:fillRef idx="1">
-              <a:schemeClr val="accent1"/>
-            </a:fillRef>
-            <a:effectRef idx="0">
-              <a:schemeClr val="accent1"/>
-            </a:effectRef>
-            <a:fontRef idx="minor">
-              <a:schemeClr val="lt1"/>
-            </a:fontRef>
-          </p:style>
-          <p:txBody>
-            <a:bodyPr rtlCol="0" anchor="ctr"/>
-            <a:lstStyle/>
-            <a:p>
-              <a:pPr algn="ctr"/>
-              <a:endParaRPr lang="ko-KR" altLang="en-US">
-                <a:solidFill>
-                  <a:schemeClr val="accent1"/>
-                </a:solidFill>
-              </a:endParaRPr>
-            </a:p>
-          </p:txBody>
-        </p:sp>
-        <p:sp>
-          <p:nvSpPr>
-            <p:cNvPr id="16" name="직사각형 15"/>
-            <p:cNvSpPr/>
-            <p:nvPr/>
-          </p:nvSpPr>
-          <p:spPr>
-            <a:xfrm>
-              <a:off x="10633166" y="1363291"/>
-              <a:ext cx="365760" cy="226841"/>
-            </a:xfrm>
-            <a:prstGeom prst="rect">
-              <a:avLst/>
-            </a:prstGeom>
-            <a:solidFill>
-              <a:srgbClr val="00B050"/>
-            </a:solidFill>
-            <a:ln>
-              <a:noFill/>
-            </a:ln>
-          </p:spPr>
-          <p:style>
-            <a:lnRef idx="2">
-              <a:schemeClr val="accent1">
-                <a:shade val="50000"/>
-              </a:schemeClr>
-            </a:lnRef>
-            <a:fillRef idx="1">
-              <a:schemeClr val="accent1"/>
-            </a:fillRef>
-            <a:effectRef idx="0">
-              <a:schemeClr val="accent1"/>
-            </a:effectRef>
-            <a:fontRef idx="minor">
-              <a:schemeClr val="lt1"/>
-            </a:fontRef>
-          </p:style>
-          <p:txBody>
-            <a:bodyPr rtlCol="0" anchor="ctr"/>
-            <a:lstStyle/>
-            <a:p>
-              <a:pPr algn="ctr"/>
-              <a:endParaRPr lang="ko-KR" altLang="en-US">
-                <a:solidFill>
-                  <a:schemeClr val="accent1"/>
-                </a:solidFill>
-              </a:endParaRPr>
-            </a:p>
-          </p:txBody>
-        </p:sp>
-        <p:sp>
-          <p:nvSpPr>
-            <p:cNvPr id="17" name="직사각형 16"/>
-            <p:cNvSpPr/>
-            <p:nvPr/>
-          </p:nvSpPr>
-          <p:spPr>
-            <a:xfrm>
-              <a:off x="10633166" y="1632857"/>
-              <a:ext cx="365760" cy="226841"/>
-            </a:xfrm>
-            <a:prstGeom prst="rect">
-              <a:avLst/>
-            </a:prstGeom>
-            <a:solidFill>
-              <a:srgbClr val="FFC000"/>
-            </a:solidFill>
-            <a:ln>
-              <a:noFill/>
-            </a:ln>
-          </p:spPr>
-          <p:style>
-            <a:lnRef idx="2">
-              <a:schemeClr val="accent1">
-                <a:shade val="50000"/>
-              </a:schemeClr>
-            </a:lnRef>
-            <a:fillRef idx="1">
-              <a:schemeClr val="accent1"/>
-            </a:fillRef>
-            <a:effectRef idx="0">
-              <a:schemeClr val="accent1"/>
-            </a:effectRef>
-            <a:fontRef idx="minor">
-              <a:schemeClr val="lt1"/>
-            </a:fontRef>
-          </p:style>
-          <p:txBody>
-            <a:bodyPr rtlCol="0" anchor="ctr"/>
-            <a:lstStyle/>
-            <a:p>
-              <a:pPr algn="ctr"/>
-              <a:endParaRPr lang="ko-KR" altLang="en-US">
-                <a:solidFill>
-                  <a:schemeClr val="accent1"/>
-                </a:solidFill>
-              </a:endParaRPr>
-            </a:p>
-          </p:txBody>
-        </p:sp>
-        <p:sp>
-          <p:nvSpPr>
-            <p:cNvPr id="18" name="TextBox 17"/>
-            <p:cNvSpPr txBox="1"/>
-            <p:nvPr/>
-          </p:nvSpPr>
-          <p:spPr>
-            <a:xfrm>
-              <a:off x="11011987" y="758844"/>
-              <a:ext cx="849086" cy="261610"/>
-            </a:xfrm>
-            <a:prstGeom prst="rect">
-              <a:avLst/>
-            </a:prstGeom>
-            <a:noFill/>
-          </p:spPr>
-          <p:txBody>
-            <a:bodyPr wrap="square" rtlCol="0">
-              <a:spAutoFit/>
-            </a:bodyPr>
-            <a:lstStyle/>
-            <a:p>
-              <a:r>
-                <a:rPr lang="en-US" altLang="ko-KR" sz="1100" dirty="0" smtClean="0"/>
-                <a:t>Novice</a:t>
-              </a:r>
-              <a:endParaRPr lang="ko-KR" altLang="en-US" sz="1100" dirty="0"/>
-            </a:p>
-          </p:txBody>
-        </p:sp>
-        <p:sp>
-          <p:nvSpPr>
-            <p:cNvPr id="19" name="TextBox 18"/>
-            <p:cNvSpPr txBox="1"/>
-            <p:nvPr/>
-          </p:nvSpPr>
-          <p:spPr>
-            <a:xfrm>
-              <a:off x="11011987" y="1032830"/>
-              <a:ext cx="849086" cy="261610"/>
-            </a:xfrm>
-            <a:prstGeom prst="rect">
-              <a:avLst/>
-            </a:prstGeom>
-            <a:noFill/>
-          </p:spPr>
-          <p:txBody>
-            <a:bodyPr wrap="square" rtlCol="0">
-              <a:spAutoFit/>
-            </a:bodyPr>
-            <a:lstStyle/>
-            <a:p>
-              <a:r>
-                <a:rPr lang="en-US" altLang="ko-KR" sz="1100" dirty="0" smtClean="0"/>
-                <a:t>Slapstick</a:t>
-              </a:r>
-              <a:endParaRPr lang="ko-KR" altLang="en-US" sz="1100" dirty="0"/>
-            </a:p>
-          </p:txBody>
-        </p:sp>
-        <p:sp>
-          <p:nvSpPr>
-            <p:cNvPr id="20" name="TextBox 19"/>
-            <p:cNvSpPr txBox="1"/>
-            <p:nvPr/>
-          </p:nvSpPr>
-          <p:spPr>
-            <a:xfrm>
-              <a:off x="11011987" y="1324102"/>
-              <a:ext cx="849086" cy="261610"/>
-            </a:xfrm>
-            <a:prstGeom prst="rect">
-              <a:avLst/>
-            </a:prstGeom>
-            <a:noFill/>
-          </p:spPr>
-          <p:txBody>
-            <a:bodyPr wrap="square" rtlCol="0">
-              <a:spAutoFit/>
-            </a:bodyPr>
-            <a:lstStyle/>
-            <a:p>
-              <a:r>
-                <a:rPr lang="en-US" altLang="ko-KR" sz="1100" dirty="0" smtClean="0"/>
-                <a:t>Expert</a:t>
-              </a:r>
-              <a:endParaRPr lang="ko-KR" altLang="en-US" sz="1100" dirty="0"/>
-            </a:p>
-          </p:txBody>
-        </p:sp>
-        <p:sp>
-          <p:nvSpPr>
-            <p:cNvPr id="21" name="TextBox 20"/>
-            <p:cNvSpPr txBox="1"/>
-            <p:nvPr/>
-          </p:nvSpPr>
-          <p:spPr>
-            <a:xfrm>
-              <a:off x="11011987" y="1585712"/>
-              <a:ext cx="849086" cy="261610"/>
-            </a:xfrm>
-            <a:prstGeom prst="rect">
-              <a:avLst/>
-            </a:prstGeom>
-            <a:noFill/>
-          </p:spPr>
-          <p:txBody>
-            <a:bodyPr wrap="square" rtlCol="0">
-              <a:spAutoFit/>
-            </a:bodyPr>
-            <a:lstStyle/>
-            <a:p>
-              <a:r>
-                <a:rPr lang="en-US" altLang="ko-KR" sz="1100" dirty="0" smtClean="0"/>
-                <a:t>Circus</a:t>
-              </a:r>
-              <a:endParaRPr lang="ko-KR" altLang="en-US" sz="1100" dirty="0"/>
-            </a:p>
-          </p:txBody>
-        </p:sp>
-      </p:grpSp>
-    </p:spTree>
-    <p:extLst>
-      <p:ext uri="{BB962C8B-B14F-4D97-AF65-F5344CB8AC3E}">
-        <p14:creationId xmlns:p14="http://schemas.microsoft.com/office/powerpoint/2010/main" val="3215289688"/>
-      </p:ext>
-    </p:extLst>
-  </p:cSld>
-  <p:clrMapOvr>
-    <a:masterClrMapping/>
-  </p:clrMapOvr>
-  <p:timing>
-    <p:tnLst>
-      <p:par>
-        <p:cTn id="1" dur="indefinite" restart="never" nodeType="tmRoot"/>
-      </p:par>
-    </p:tnLst>
-  </p:timing>
-</p:sld>
-</file>
-
-<file path=ppt/slides/slide21.xml><?xml version="1.0" encoding="utf-8"?>
-<p:sld xmlns:a="http://schemas.openxmlformats.org/drawingml/2006/main" xmlns:r="http://schemas.openxmlformats.org/officeDocument/2006/relationships" xmlns:p="http://schemas.openxmlformats.org/presentationml/2006/main">
-  <p:cSld>
-    <p:bg>
-      <p:bgPr>
-        <a:solidFill>
-          <a:srgbClr val="EAEEFA"/>
-        </a:solidFill>
-        <a:effectLst/>
-      </p:bgPr>
-    </p:bg>
-    <p:spTree>
-      <p:nvGrpSpPr>
-        <p:cNvPr id="1" name=""/>
-        <p:cNvGrpSpPr/>
-        <p:nvPr/>
-      </p:nvGrpSpPr>
-      <p:grpSpPr>
-        <a:xfrm>
-          <a:off x="0" y="0"/>
-          <a:ext cx="0" cy="0"/>
-          <a:chOff x="0" y="0"/>
-          <a:chExt cx="0" cy="0"/>
-        </a:xfrm>
-      </p:grpSpPr>
-      <p:cxnSp>
-        <p:nvCxnSpPr>
-          <p:cNvPr id="23" name="직선 연결선 22"/>
-          <p:cNvCxnSpPr/>
-          <p:nvPr/>
-        </p:nvCxnSpPr>
-        <p:spPr>
-          <a:xfrm>
-            <a:off x="589055" y="427040"/>
-            <a:ext cx="10800000" cy="0"/>
-          </a:xfrm>
-          <a:prstGeom prst="line">
-            <a:avLst/>
-          </a:prstGeom>
-          <a:ln>
-            <a:solidFill>
-              <a:srgbClr val="D02646"/>
-            </a:solidFill>
-          </a:ln>
-        </p:spPr>
-        <p:style>
-          <a:lnRef idx="1">
-            <a:schemeClr val="accent1"/>
-          </a:lnRef>
-          <a:fillRef idx="0">
-            <a:schemeClr val="accent1"/>
-          </a:fillRef>
-          <a:effectRef idx="0">
-            <a:schemeClr val="accent1"/>
-          </a:effectRef>
-          <a:fontRef idx="minor">
-            <a:schemeClr val="tx1"/>
-          </a:fontRef>
-        </p:style>
-      </p:cxnSp>
-      <p:sp>
-        <p:nvSpPr>
-          <p:cNvPr id="24" name="직사각형 23"/>
-          <p:cNvSpPr/>
-          <p:nvPr/>
-        </p:nvSpPr>
-        <p:spPr>
-          <a:xfrm>
-            <a:off x="3646530" y="0"/>
-            <a:ext cx="4971967" cy="646331"/>
-          </a:xfrm>
-          <a:prstGeom prst="rect">
-            <a:avLst/>
-          </a:prstGeom>
-          <a:solidFill>
-            <a:srgbClr val="EAEEFA"/>
-          </a:solidFill>
-        </p:spPr>
-        <p:txBody>
-          <a:bodyPr wrap="square">
-            <a:spAutoFit/>
-          </a:bodyPr>
-          <a:lstStyle/>
-          <a:p>
-            <a:pPr algn="ctr" fontAlgn="base"/>
-            <a:r>
-              <a:rPr lang="ko-KR" altLang="en-US" b="1" dirty="0"/>
-              <a:t>방송을 통한 </a:t>
-            </a:r>
-            <a:r>
-              <a:rPr lang="ko-KR" altLang="en-US" b="1" dirty="0" err="1"/>
-              <a:t>루돌로지</a:t>
-            </a:r>
-            <a:r>
-              <a:rPr lang="ko-KR" altLang="en-US" b="1" dirty="0"/>
-              <a:t> 게임의 </a:t>
-            </a:r>
-            <a:r>
-              <a:rPr lang="ko-KR" altLang="en-US" b="1" dirty="0" err="1"/>
-              <a:t>스토리텔링</a:t>
-            </a:r>
-            <a:r>
-              <a:rPr lang="ko-KR" altLang="en-US" b="1" dirty="0"/>
-              <a:t> </a:t>
-            </a:r>
-            <a:r>
-              <a:rPr lang="en-US" altLang="ko-KR" b="1" dirty="0" smtClean="0"/>
-              <a:t/>
-            </a:r>
-            <a:br>
-              <a:rPr lang="en-US" altLang="ko-KR" b="1" dirty="0" smtClean="0"/>
-            </a:br>
-            <a:r>
-              <a:rPr lang="ko-KR" altLang="en-US" b="1" dirty="0" smtClean="0"/>
-              <a:t>획득과 </a:t>
-            </a:r>
-            <a:r>
-              <a:rPr lang="ko-KR" altLang="en-US" b="1" dirty="0"/>
-              <a:t>게임 기획에의 적용 </a:t>
-            </a:r>
-            <a:r>
-              <a:rPr lang="ko-KR" altLang="en-US" b="1" dirty="0" smtClean="0"/>
-              <a:t>연구</a:t>
-            </a:r>
-            <a:endParaRPr lang="ko-KR" altLang="en-US" b="1" dirty="0"/>
-          </a:p>
-        </p:txBody>
-      </p:sp>
-      <p:cxnSp>
-        <p:nvCxnSpPr>
-          <p:cNvPr id="25" name="직선 연결선 24"/>
-          <p:cNvCxnSpPr/>
-          <p:nvPr/>
-        </p:nvCxnSpPr>
-        <p:spPr>
-          <a:xfrm>
-            <a:off x="589055" y="6637347"/>
-            <a:ext cx="10800000" cy="0"/>
-          </a:xfrm>
-          <a:prstGeom prst="line">
-            <a:avLst/>
-          </a:prstGeom>
-          <a:ln>
-            <a:solidFill>
-              <a:srgbClr val="D02646"/>
-            </a:solidFill>
-          </a:ln>
-        </p:spPr>
-        <p:style>
-          <a:lnRef idx="1">
-            <a:schemeClr val="accent1"/>
-          </a:lnRef>
-          <a:fillRef idx="0">
-            <a:schemeClr val="accent1"/>
-          </a:fillRef>
-          <a:effectRef idx="0">
-            <a:schemeClr val="accent1"/>
-          </a:effectRef>
-          <a:fontRef idx="minor">
-            <a:schemeClr val="tx1"/>
-          </a:fontRef>
-        </p:style>
-      </p:cxnSp>
-      <p:sp>
-        <p:nvSpPr>
-          <p:cNvPr id="33" name="직사각형 32">
-            <a:extLst>
-              <a:ext uri="{FF2B5EF4-FFF2-40B4-BE49-F238E27FC236}">
-                <a16:creationId xmlns:a16="http://schemas.microsoft.com/office/drawing/2014/main" id="{3FA00699-5178-465A-9F3F-130CF1431F70}"/>
-              </a:ext>
-            </a:extLst>
-          </p:cNvPr>
-          <p:cNvSpPr/>
-          <p:nvPr/>
-        </p:nvSpPr>
-        <p:spPr>
-          <a:xfrm>
-            <a:off x="589055" y="547161"/>
-            <a:ext cx="3924756" cy="646331"/>
-          </a:xfrm>
-          <a:prstGeom prst="rect">
-            <a:avLst/>
-          </a:prstGeom>
-        </p:spPr>
-        <p:txBody>
-          <a:bodyPr wrap="square" anchor="ctr">
-            <a:spAutoFit/>
-          </a:bodyPr>
-          <a:lstStyle/>
-          <a:p>
-            <a:pPr>
-              <a:lnSpc>
-                <a:spcPct val="150000"/>
-              </a:lnSpc>
-            </a:pPr>
-            <a:r>
-              <a:rPr lang="ko-KR" altLang="en-US" sz="2400" b="1" dirty="0" err="1" smtClean="0">
-                <a:solidFill>
-                  <a:srgbClr val="44546A">
-                    <a:lumMod val="75000"/>
-                  </a:srgbClr>
-                </a:solidFill>
-              </a:rPr>
-              <a:t>아빠킹</a:t>
-            </a:r>
-            <a:r>
-              <a:rPr lang="ko-KR" altLang="en-US" sz="2400" b="1" dirty="0" smtClean="0">
-                <a:solidFill>
-                  <a:srgbClr val="44546A">
-                    <a:lumMod val="75000"/>
-                  </a:srgbClr>
-                </a:solidFill>
-              </a:rPr>
-              <a:t> </a:t>
-            </a:r>
-            <a:r>
-              <a:rPr lang="en-US" altLang="ko-KR" sz="2400" b="1" dirty="0" smtClean="0">
-                <a:solidFill>
-                  <a:srgbClr val="44546A">
-                    <a:lumMod val="75000"/>
-                  </a:srgbClr>
-                </a:solidFill>
-              </a:rPr>
-              <a:t>(Tekken7)</a:t>
-            </a:r>
-            <a:endParaRPr lang="en-US" altLang="ko-KR" sz="2400" b="1" dirty="0">
-              <a:solidFill>
-                <a:srgbClr val="44546A">
-                  <a:lumMod val="75000"/>
-                </a:srgbClr>
-              </a:solidFill>
-            </a:endParaRPr>
-          </a:p>
-        </p:txBody>
-      </p:sp>
-      <p:sp>
-        <p:nvSpPr>
-          <p:cNvPr id="14" name="직사각형 13">
-            <a:extLst>
-              <a:ext uri="{FF2B5EF4-FFF2-40B4-BE49-F238E27FC236}">
-                <a16:creationId xmlns:a16="http://schemas.microsoft.com/office/drawing/2014/main" id="{3FA00699-5178-465A-9F3F-130CF1431F70}"/>
-              </a:ext>
-            </a:extLst>
-          </p:cNvPr>
-          <p:cNvSpPr/>
-          <p:nvPr/>
-        </p:nvSpPr>
-        <p:spPr>
-          <a:xfrm>
-            <a:off x="589055" y="52290"/>
-            <a:ext cx="2889249" cy="373885"/>
-          </a:xfrm>
-          <a:prstGeom prst="rect">
-            <a:avLst/>
-          </a:prstGeom>
-        </p:spPr>
-        <p:txBody>
-          <a:bodyPr wrap="square" anchor="ctr">
-            <a:spAutoFit/>
-          </a:bodyPr>
-          <a:lstStyle/>
-          <a:p>
-            <a:pPr>
-              <a:lnSpc>
-                <a:spcPct val="150000"/>
-              </a:lnSpc>
-            </a:pPr>
-            <a:r>
-              <a:rPr lang="en-US" altLang="ko-KR" sz="1400" b="1" dirty="0"/>
-              <a:t>4. </a:t>
-            </a:r>
-            <a:r>
-              <a:rPr lang="ko-KR" altLang="en-US" sz="1400" b="1" dirty="0"/>
-              <a:t>영상 카테고리 그래프</a:t>
-            </a:r>
-            <a:endParaRPr lang="en-US" altLang="ko-KR" sz="1400" b="1" dirty="0"/>
-          </a:p>
-        </p:txBody>
-      </p:sp>
-      <p:graphicFrame>
-        <p:nvGraphicFramePr>
-          <p:cNvPr id="4" name="차트 3"/>
-          <p:cNvGraphicFramePr/>
-          <p:nvPr>
-            <p:extLst>
-              <p:ext uri="{D42A27DB-BD31-4B8C-83A1-F6EECF244321}">
-                <p14:modId xmlns:p14="http://schemas.microsoft.com/office/powerpoint/2010/main" val="2205557031"/>
-              </p:ext>
-            </p:extLst>
-          </p:nvPr>
-        </p:nvGraphicFramePr>
-        <p:xfrm>
-          <a:off x="0" y="1883229"/>
-          <a:ext cx="6363926" cy="4533962"/>
-        </p:xfrm>
-        <a:graphic>
-          <a:graphicData uri="http://schemas.openxmlformats.org/drawingml/2006/chart">
-            <c:chart xmlns:c="http://schemas.openxmlformats.org/drawingml/2006/chart" xmlns:r="http://schemas.openxmlformats.org/officeDocument/2006/relationships" r:id="rId2"/>
-          </a:graphicData>
-        </a:graphic>
-      </p:graphicFrame>
-      <p:graphicFrame>
-        <p:nvGraphicFramePr>
-          <p:cNvPr id="11" name="차트 10"/>
-          <p:cNvGraphicFramePr/>
-          <p:nvPr>
-            <p:extLst>
-              <p:ext uri="{D42A27DB-BD31-4B8C-83A1-F6EECF244321}">
-                <p14:modId xmlns:p14="http://schemas.microsoft.com/office/powerpoint/2010/main" val="319540325"/>
-              </p:ext>
-            </p:extLst>
-          </p:nvPr>
-        </p:nvGraphicFramePr>
-        <p:xfrm>
-          <a:off x="5828074" y="1883229"/>
-          <a:ext cx="6363926" cy="4533962"/>
-        </p:xfrm>
-        <a:graphic>
-          <a:graphicData uri="http://schemas.openxmlformats.org/drawingml/2006/chart">
-            <c:chart xmlns:c="http://schemas.openxmlformats.org/drawingml/2006/chart" xmlns:r="http://schemas.openxmlformats.org/officeDocument/2006/relationships" r:id="rId3"/>
-          </a:graphicData>
-        </a:graphic>
-      </p:graphicFrame>
-      <p:sp>
-        <p:nvSpPr>
-          <p:cNvPr id="9" name="TextBox 8"/>
-          <p:cNvSpPr txBox="1"/>
-          <p:nvPr/>
-        </p:nvSpPr>
-        <p:spPr>
-          <a:xfrm>
-            <a:off x="589055" y="1632857"/>
-            <a:ext cx="1782486" cy="369332"/>
-          </a:xfrm>
-          <a:prstGeom prst="rect">
-            <a:avLst/>
-          </a:prstGeom>
-          <a:noFill/>
-        </p:spPr>
-        <p:txBody>
-          <a:bodyPr wrap="square" rtlCol="0">
-            <a:spAutoFit/>
-          </a:bodyPr>
-          <a:lstStyle/>
-          <a:p>
-            <a:pPr algn="ctr"/>
-            <a:r>
-              <a:rPr lang="ko-KR" altLang="en-US" b="1" dirty="0" smtClean="0"/>
-              <a:t>영상 개수</a:t>
-            </a:r>
-            <a:endParaRPr lang="ko-KR" altLang="en-US" b="1" dirty="0"/>
-          </a:p>
-        </p:txBody>
-      </p:sp>
-      <p:sp>
-        <p:nvSpPr>
-          <p:cNvPr id="10" name="TextBox 9"/>
-          <p:cNvSpPr txBox="1"/>
-          <p:nvPr/>
-        </p:nvSpPr>
-        <p:spPr>
-          <a:xfrm>
-            <a:off x="6310587" y="1632857"/>
-            <a:ext cx="1782486" cy="369332"/>
-          </a:xfrm>
-          <a:prstGeom prst="rect">
-            <a:avLst/>
-          </a:prstGeom>
-          <a:noFill/>
-        </p:spPr>
-        <p:txBody>
-          <a:bodyPr wrap="square" rtlCol="0">
-            <a:spAutoFit/>
-          </a:bodyPr>
-          <a:lstStyle/>
-          <a:p>
-            <a:pPr algn="ctr"/>
-            <a:r>
-              <a:rPr lang="ko-KR" altLang="en-US" b="1" dirty="0" smtClean="0"/>
-              <a:t>총 조회수</a:t>
-            </a:r>
-            <a:endParaRPr lang="ko-KR" altLang="en-US" b="1" dirty="0"/>
-          </a:p>
-        </p:txBody>
-      </p:sp>
-      <p:grpSp>
-        <p:nvGrpSpPr>
-          <p:cNvPr id="12" name="그룹 11"/>
-          <p:cNvGrpSpPr/>
-          <p:nvPr/>
-        </p:nvGrpSpPr>
-        <p:grpSpPr>
-          <a:xfrm>
-            <a:off x="5696633" y="5265529"/>
-            <a:ext cx="1227907" cy="1100854"/>
-            <a:chOff x="10633166" y="758844"/>
-            <a:chExt cx="1227907" cy="1100854"/>
-          </a:xfrm>
-        </p:grpSpPr>
-        <p:sp>
-          <p:nvSpPr>
-            <p:cNvPr id="13" name="직사각형 12"/>
-            <p:cNvSpPr/>
-            <p:nvPr/>
-          </p:nvSpPr>
-          <p:spPr>
-            <a:xfrm>
-              <a:off x="10633166" y="824159"/>
-              <a:ext cx="365760" cy="226841"/>
-            </a:xfrm>
-            <a:prstGeom prst="rect">
-              <a:avLst/>
-            </a:prstGeom>
-            <a:ln>
-              <a:noFill/>
-            </a:ln>
-          </p:spPr>
-          <p:style>
-            <a:lnRef idx="2">
-              <a:schemeClr val="accent1">
-                <a:shade val="50000"/>
-              </a:schemeClr>
-            </a:lnRef>
-            <a:fillRef idx="1">
-              <a:schemeClr val="accent1"/>
-            </a:fillRef>
-            <a:effectRef idx="0">
-              <a:schemeClr val="accent1"/>
-            </a:effectRef>
-            <a:fontRef idx="minor">
-              <a:schemeClr val="lt1"/>
-            </a:fontRef>
-          </p:style>
-          <p:txBody>
-            <a:bodyPr rtlCol="0" anchor="ctr"/>
-            <a:lstStyle/>
-            <a:p>
-              <a:pPr algn="ctr"/>
-              <a:endParaRPr lang="ko-KR" altLang="en-US">
-                <a:solidFill>
-                  <a:schemeClr val="accent1"/>
-                </a:solidFill>
-              </a:endParaRPr>
-            </a:p>
-          </p:txBody>
-        </p:sp>
-        <p:sp>
-          <p:nvSpPr>
-            <p:cNvPr id="15" name="직사각형 14"/>
-            <p:cNvSpPr/>
-            <p:nvPr/>
-          </p:nvSpPr>
-          <p:spPr>
-            <a:xfrm>
-              <a:off x="10633166" y="1093725"/>
-              <a:ext cx="365760" cy="226841"/>
-            </a:xfrm>
-            <a:prstGeom prst="rect">
-              <a:avLst/>
-            </a:prstGeom>
-            <a:solidFill>
-              <a:srgbClr val="C00000"/>
-            </a:solidFill>
-            <a:ln>
-              <a:noFill/>
-            </a:ln>
-          </p:spPr>
-          <p:style>
-            <a:lnRef idx="2">
-              <a:schemeClr val="accent1">
-                <a:shade val="50000"/>
-              </a:schemeClr>
-            </a:lnRef>
-            <a:fillRef idx="1">
-              <a:schemeClr val="accent1"/>
-            </a:fillRef>
-            <a:effectRef idx="0">
-              <a:schemeClr val="accent1"/>
-            </a:effectRef>
-            <a:fontRef idx="minor">
-              <a:schemeClr val="lt1"/>
-            </a:fontRef>
-          </p:style>
-          <p:txBody>
-            <a:bodyPr rtlCol="0" anchor="ctr"/>
-            <a:lstStyle/>
-            <a:p>
-              <a:pPr algn="ctr"/>
-              <a:endParaRPr lang="ko-KR" altLang="en-US">
-                <a:solidFill>
-                  <a:schemeClr val="accent1"/>
-                </a:solidFill>
-              </a:endParaRPr>
-            </a:p>
-          </p:txBody>
-        </p:sp>
-        <p:sp>
-          <p:nvSpPr>
-            <p:cNvPr id="16" name="직사각형 15"/>
-            <p:cNvSpPr/>
-            <p:nvPr/>
-          </p:nvSpPr>
-          <p:spPr>
-            <a:xfrm>
-              <a:off x="10633166" y="1363291"/>
-              <a:ext cx="365760" cy="226841"/>
-            </a:xfrm>
-            <a:prstGeom prst="rect">
-              <a:avLst/>
-            </a:prstGeom>
-            <a:solidFill>
-              <a:srgbClr val="00B050"/>
-            </a:solidFill>
-            <a:ln>
-              <a:noFill/>
-            </a:ln>
-          </p:spPr>
-          <p:style>
-            <a:lnRef idx="2">
-              <a:schemeClr val="accent1">
-                <a:shade val="50000"/>
-              </a:schemeClr>
-            </a:lnRef>
-            <a:fillRef idx="1">
-              <a:schemeClr val="accent1"/>
-            </a:fillRef>
-            <a:effectRef idx="0">
-              <a:schemeClr val="accent1"/>
-            </a:effectRef>
-            <a:fontRef idx="minor">
-              <a:schemeClr val="lt1"/>
-            </a:fontRef>
-          </p:style>
-          <p:txBody>
-            <a:bodyPr rtlCol="0" anchor="ctr"/>
-            <a:lstStyle/>
-            <a:p>
-              <a:pPr algn="ctr"/>
-              <a:endParaRPr lang="ko-KR" altLang="en-US">
-                <a:solidFill>
-                  <a:schemeClr val="accent1"/>
-                </a:solidFill>
-              </a:endParaRPr>
-            </a:p>
-          </p:txBody>
-        </p:sp>
-        <p:sp>
-          <p:nvSpPr>
-            <p:cNvPr id="17" name="직사각형 16"/>
-            <p:cNvSpPr/>
-            <p:nvPr/>
-          </p:nvSpPr>
-          <p:spPr>
-            <a:xfrm>
-              <a:off x="10633166" y="1632857"/>
-              <a:ext cx="365760" cy="226841"/>
-            </a:xfrm>
-            <a:prstGeom prst="rect">
-              <a:avLst/>
-            </a:prstGeom>
-            <a:solidFill>
-              <a:srgbClr val="FFC000"/>
-            </a:solidFill>
-            <a:ln>
-              <a:noFill/>
-            </a:ln>
-          </p:spPr>
-          <p:style>
-            <a:lnRef idx="2">
-              <a:schemeClr val="accent1">
-                <a:shade val="50000"/>
-              </a:schemeClr>
-            </a:lnRef>
-            <a:fillRef idx="1">
-              <a:schemeClr val="accent1"/>
-            </a:fillRef>
-            <a:effectRef idx="0">
-              <a:schemeClr val="accent1"/>
-            </a:effectRef>
-            <a:fontRef idx="minor">
-              <a:schemeClr val="lt1"/>
-            </a:fontRef>
-          </p:style>
-          <p:txBody>
-            <a:bodyPr rtlCol="0" anchor="ctr"/>
-            <a:lstStyle/>
-            <a:p>
-              <a:pPr algn="ctr"/>
-              <a:endParaRPr lang="ko-KR" altLang="en-US">
-                <a:solidFill>
-                  <a:schemeClr val="accent1"/>
-                </a:solidFill>
-              </a:endParaRPr>
-            </a:p>
-          </p:txBody>
-        </p:sp>
-        <p:sp>
-          <p:nvSpPr>
-            <p:cNvPr id="18" name="TextBox 17"/>
-            <p:cNvSpPr txBox="1"/>
-            <p:nvPr/>
-          </p:nvSpPr>
-          <p:spPr>
-            <a:xfrm>
-              <a:off x="11011987" y="758844"/>
-              <a:ext cx="849086" cy="261610"/>
-            </a:xfrm>
-            <a:prstGeom prst="rect">
-              <a:avLst/>
-            </a:prstGeom>
-            <a:noFill/>
-          </p:spPr>
-          <p:txBody>
-            <a:bodyPr wrap="square" rtlCol="0">
-              <a:spAutoFit/>
-            </a:bodyPr>
-            <a:lstStyle/>
-            <a:p>
-              <a:r>
-                <a:rPr lang="en-US" altLang="ko-KR" sz="1100" dirty="0" smtClean="0"/>
-                <a:t>Novice</a:t>
-              </a:r>
-              <a:endParaRPr lang="ko-KR" altLang="en-US" sz="1100" dirty="0"/>
-            </a:p>
-          </p:txBody>
-        </p:sp>
-        <p:sp>
-          <p:nvSpPr>
-            <p:cNvPr id="19" name="TextBox 18"/>
-            <p:cNvSpPr txBox="1"/>
-            <p:nvPr/>
-          </p:nvSpPr>
-          <p:spPr>
-            <a:xfrm>
-              <a:off x="11011987" y="1032830"/>
-              <a:ext cx="849086" cy="261610"/>
-            </a:xfrm>
-            <a:prstGeom prst="rect">
-              <a:avLst/>
-            </a:prstGeom>
-            <a:noFill/>
-          </p:spPr>
-          <p:txBody>
-            <a:bodyPr wrap="square" rtlCol="0">
-              <a:spAutoFit/>
-            </a:bodyPr>
-            <a:lstStyle/>
-            <a:p>
-              <a:r>
-                <a:rPr lang="en-US" altLang="ko-KR" sz="1100" dirty="0" smtClean="0"/>
-                <a:t>Slapstick</a:t>
-              </a:r>
-              <a:endParaRPr lang="ko-KR" altLang="en-US" sz="1100" dirty="0"/>
-            </a:p>
-          </p:txBody>
-        </p:sp>
-        <p:sp>
-          <p:nvSpPr>
-            <p:cNvPr id="20" name="TextBox 19"/>
-            <p:cNvSpPr txBox="1"/>
-            <p:nvPr/>
-          </p:nvSpPr>
-          <p:spPr>
-            <a:xfrm>
-              <a:off x="11011987" y="1324102"/>
-              <a:ext cx="849086" cy="261610"/>
-            </a:xfrm>
-            <a:prstGeom prst="rect">
-              <a:avLst/>
-            </a:prstGeom>
-            <a:noFill/>
-          </p:spPr>
-          <p:txBody>
-            <a:bodyPr wrap="square" rtlCol="0">
-              <a:spAutoFit/>
-            </a:bodyPr>
-            <a:lstStyle/>
-            <a:p>
-              <a:r>
-                <a:rPr lang="en-US" altLang="ko-KR" sz="1100" dirty="0" smtClean="0"/>
-                <a:t>Expert</a:t>
-              </a:r>
-              <a:endParaRPr lang="ko-KR" altLang="en-US" sz="1100" dirty="0"/>
-            </a:p>
-          </p:txBody>
-        </p:sp>
-        <p:sp>
-          <p:nvSpPr>
-            <p:cNvPr id="21" name="TextBox 20"/>
-            <p:cNvSpPr txBox="1"/>
-            <p:nvPr/>
-          </p:nvSpPr>
-          <p:spPr>
-            <a:xfrm>
-              <a:off x="11011987" y="1585712"/>
-              <a:ext cx="849086" cy="261610"/>
-            </a:xfrm>
-            <a:prstGeom prst="rect">
-              <a:avLst/>
-            </a:prstGeom>
-            <a:noFill/>
-          </p:spPr>
-          <p:txBody>
-            <a:bodyPr wrap="square" rtlCol="0">
-              <a:spAutoFit/>
-            </a:bodyPr>
-            <a:lstStyle/>
-            <a:p>
-              <a:r>
-                <a:rPr lang="en-US" altLang="ko-KR" sz="1100" dirty="0" smtClean="0"/>
-                <a:t>Circus</a:t>
-              </a:r>
-              <a:endParaRPr lang="ko-KR" altLang="en-US" sz="1100" dirty="0"/>
-            </a:p>
-          </p:txBody>
-        </p:sp>
-      </p:grpSp>
-    </p:spTree>
-    <p:extLst>
-      <p:ext uri="{BB962C8B-B14F-4D97-AF65-F5344CB8AC3E}">
-        <p14:creationId xmlns:p14="http://schemas.microsoft.com/office/powerpoint/2010/main" val="2335220133"/>
-      </p:ext>
-    </p:extLst>
-  </p:cSld>
-  <p:clrMapOvr>
-    <a:masterClrMapping/>
-  </p:clrMapOvr>
-  <p:timing>
-    <p:tnLst>
-      <p:par>
-        <p:cTn id="1" dur="indefinite" restart="never" nodeType="tmRoot"/>
-      </p:par>
-    </p:tnLst>
-  </p:timing>
-</p:sld>
-</file>
-
-<file path=ppt/slides/slide22.xml><?xml version="1.0" encoding="utf-8"?>
-<p:sld xmlns:a="http://schemas.openxmlformats.org/drawingml/2006/main" xmlns:r="http://schemas.openxmlformats.org/officeDocument/2006/relationships" xmlns:p="http://schemas.openxmlformats.org/presentationml/2006/main">
-  <p:cSld>
-    <p:bg>
-      <p:bgPr>
-        <a:solidFill>
-          <a:srgbClr val="EAEEFA"/>
-        </a:solidFill>
-        <a:effectLst/>
-      </p:bgPr>
-    </p:bg>
-    <p:spTree>
-      <p:nvGrpSpPr>
-        <p:cNvPr id="1" name=""/>
-        <p:cNvGrpSpPr/>
-        <p:nvPr/>
-      </p:nvGrpSpPr>
-      <p:grpSpPr>
-        <a:xfrm>
-          <a:off x="0" y="0"/>
-          <a:ext cx="0" cy="0"/>
-          <a:chOff x="0" y="0"/>
-          <a:chExt cx="0" cy="0"/>
-        </a:xfrm>
-      </p:grpSpPr>
-      <p:cxnSp>
-        <p:nvCxnSpPr>
-          <p:cNvPr id="23" name="직선 연결선 22"/>
-          <p:cNvCxnSpPr/>
-          <p:nvPr/>
-        </p:nvCxnSpPr>
-        <p:spPr>
-          <a:xfrm>
-            <a:off x="589055" y="427040"/>
-            <a:ext cx="10800000" cy="0"/>
-          </a:xfrm>
-          <a:prstGeom prst="line">
-            <a:avLst/>
-          </a:prstGeom>
-          <a:ln>
-            <a:solidFill>
-              <a:srgbClr val="D02646"/>
-            </a:solidFill>
-          </a:ln>
-        </p:spPr>
-        <p:style>
-          <a:lnRef idx="1">
-            <a:schemeClr val="accent1"/>
-          </a:lnRef>
-          <a:fillRef idx="0">
-            <a:schemeClr val="accent1"/>
-          </a:fillRef>
-          <a:effectRef idx="0">
-            <a:schemeClr val="accent1"/>
-          </a:effectRef>
-          <a:fontRef idx="minor">
-            <a:schemeClr val="tx1"/>
-          </a:fontRef>
-        </p:style>
-      </p:cxnSp>
-      <p:sp>
-        <p:nvSpPr>
-          <p:cNvPr id="24" name="직사각형 23"/>
-          <p:cNvSpPr/>
-          <p:nvPr/>
-        </p:nvSpPr>
-        <p:spPr>
-          <a:xfrm>
-            <a:off x="3646530" y="0"/>
-            <a:ext cx="4971967" cy="646331"/>
-          </a:xfrm>
-          <a:prstGeom prst="rect">
-            <a:avLst/>
-          </a:prstGeom>
-          <a:solidFill>
-            <a:srgbClr val="EAEEFA"/>
-          </a:solidFill>
-        </p:spPr>
-        <p:txBody>
-          <a:bodyPr wrap="square">
-            <a:spAutoFit/>
-          </a:bodyPr>
-          <a:lstStyle/>
-          <a:p>
-            <a:pPr algn="ctr" fontAlgn="base"/>
-            <a:r>
-              <a:rPr lang="ko-KR" altLang="en-US" b="1" dirty="0"/>
-              <a:t>방송을 통한 </a:t>
-            </a:r>
-            <a:r>
-              <a:rPr lang="ko-KR" altLang="en-US" b="1" dirty="0" err="1"/>
-              <a:t>루돌로지</a:t>
-            </a:r>
-            <a:r>
-              <a:rPr lang="ko-KR" altLang="en-US" b="1" dirty="0"/>
-              <a:t> 게임의 </a:t>
-            </a:r>
-            <a:r>
-              <a:rPr lang="ko-KR" altLang="en-US" b="1" dirty="0" err="1"/>
-              <a:t>스토리텔링</a:t>
-            </a:r>
-            <a:r>
-              <a:rPr lang="ko-KR" altLang="en-US" b="1" dirty="0"/>
-              <a:t> </a:t>
-            </a:r>
-            <a:r>
-              <a:rPr lang="en-US" altLang="ko-KR" b="1" dirty="0" smtClean="0"/>
-              <a:t/>
-            </a:r>
-            <a:br>
-              <a:rPr lang="en-US" altLang="ko-KR" b="1" dirty="0" smtClean="0"/>
-            </a:br>
-            <a:r>
-              <a:rPr lang="ko-KR" altLang="en-US" b="1" dirty="0" smtClean="0"/>
-              <a:t>획득과 </a:t>
-            </a:r>
-            <a:r>
-              <a:rPr lang="ko-KR" altLang="en-US" b="1" dirty="0"/>
-              <a:t>게임 기획에의 적용 </a:t>
-            </a:r>
-            <a:r>
-              <a:rPr lang="ko-KR" altLang="en-US" b="1" dirty="0" smtClean="0"/>
-              <a:t>연구</a:t>
-            </a:r>
-            <a:endParaRPr lang="ko-KR" altLang="en-US" b="1" dirty="0"/>
-          </a:p>
-        </p:txBody>
-      </p:sp>
-      <p:cxnSp>
-        <p:nvCxnSpPr>
-          <p:cNvPr id="25" name="직선 연결선 24"/>
-          <p:cNvCxnSpPr/>
-          <p:nvPr/>
-        </p:nvCxnSpPr>
-        <p:spPr>
-          <a:xfrm>
-            <a:off x="589055" y="6637347"/>
-            <a:ext cx="10800000" cy="0"/>
-          </a:xfrm>
-          <a:prstGeom prst="line">
-            <a:avLst/>
-          </a:prstGeom>
-          <a:ln>
-            <a:solidFill>
-              <a:srgbClr val="D02646"/>
-            </a:solidFill>
-          </a:ln>
-        </p:spPr>
-        <p:style>
-          <a:lnRef idx="1">
-            <a:schemeClr val="accent1"/>
-          </a:lnRef>
-          <a:fillRef idx="0">
-            <a:schemeClr val="accent1"/>
-          </a:fillRef>
-          <a:effectRef idx="0">
-            <a:schemeClr val="accent1"/>
-          </a:effectRef>
-          <a:fontRef idx="minor">
-            <a:schemeClr val="tx1"/>
-          </a:fontRef>
-        </p:style>
-      </p:cxnSp>
-      <p:sp>
-        <p:nvSpPr>
-          <p:cNvPr id="33" name="직사각형 32">
-            <a:extLst>
-              <a:ext uri="{FF2B5EF4-FFF2-40B4-BE49-F238E27FC236}">
-                <a16:creationId xmlns:a16="http://schemas.microsoft.com/office/drawing/2014/main" id="{3FA00699-5178-465A-9F3F-130CF1431F70}"/>
-              </a:ext>
-            </a:extLst>
-          </p:cNvPr>
-          <p:cNvSpPr/>
-          <p:nvPr/>
-        </p:nvSpPr>
-        <p:spPr>
-          <a:xfrm>
-            <a:off x="589055" y="547161"/>
-            <a:ext cx="3924756" cy="646331"/>
-          </a:xfrm>
-          <a:prstGeom prst="rect">
-            <a:avLst/>
-          </a:prstGeom>
-        </p:spPr>
-        <p:txBody>
-          <a:bodyPr wrap="square" anchor="ctr">
-            <a:spAutoFit/>
-          </a:bodyPr>
-          <a:lstStyle/>
-          <a:p>
-            <a:pPr>
-              <a:lnSpc>
-                <a:spcPct val="150000"/>
-              </a:lnSpc>
-            </a:pPr>
-            <a:r>
-              <a:rPr lang="ko-KR" altLang="en-US" sz="2400" b="1" dirty="0" err="1" smtClean="0">
-                <a:solidFill>
-                  <a:srgbClr val="44546A">
-                    <a:lumMod val="75000"/>
-                  </a:srgbClr>
-                </a:solidFill>
-              </a:rPr>
-              <a:t>옥냥이</a:t>
-            </a:r>
-            <a:r>
-              <a:rPr lang="en-US" altLang="ko-KR" sz="2400" b="1" dirty="0">
-                <a:solidFill>
-                  <a:srgbClr val="44546A">
-                    <a:lumMod val="75000"/>
-                  </a:srgbClr>
-                </a:solidFill>
-              </a:rPr>
-              <a:t> </a:t>
-            </a:r>
-            <a:r>
-              <a:rPr lang="en-US" altLang="ko-KR" sz="2400" b="1" dirty="0" smtClean="0">
-                <a:solidFill>
-                  <a:srgbClr val="44546A">
-                    <a:lumMod val="75000"/>
-                  </a:srgbClr>
-                </a:solidFill>
-              </a:rPr>
-              <a:t>(Hearthstone)</a:t>
-            </a:r>
-            <a:endParaRPr lang="en-US" altLang="ko-KR" sz="2400" b="1" dirty="0">
-              <a:solidFill>
-                <a:srgbClr val="44546A">
-                  <a:lumMod val="75000"/>
-                </a:srgbClr>
-              </a:solidFill>
-            </a:endParaRPr>
-          </a:p>
-        </p:txBody>
-      </p:sp>
-      <p:sp>
-        <p:nvSpPr>
-          <p:cNvPr id="14" name="직사각형 13">
-            <a:extLst>
-              <a:ext uri="{FF2B5EF4-FFF2-40B4-BE49-F238E27FC236}">
-                <a16:creationId xmlns:a16="http://schemas.microsoft.com/office/drawing/2014/main" id="{3FA00699-5178-465A-9F3F-130CF1431F70}"/>
-              </a:ext>
-            </a:extLst>
-          </p:cNvPr>
-          <p:cNvSpPr/>
-          <p:nvPr/>
-        </p:nvSpPr>
-        <p:spPr>
-          <a:xfrm>
-            <a:off x="589055" y="52290"/>
-            <a:ext cx="2889249" cy="373885"/>
-          </a:xfrm>
-          <a:prstGeom prst="rect">
-            <a:avLst/>
-          </a:prstGeom>
-        </p:spPr>
-        <p:txBody>
-          <a:bodyPr wrap="square" anchor="ctr">
-            <a:spAutoFit/>
-          </a:bodyPr>
-          <a:lstStyle/>
-          <a:p>
-            <a:pPr>
-              <a:lnSpc>
-                <a:spcPct val="150000"/>
-              </a:lnSpc>
-            </a:pPr>
-            <a:r>
-              <a:rPr lang="en-US" altLang="ko-KR" sz="1400" b="1" dirty="0"/>
-              <a:t>4. </a:t>
-            </a:r>
-            <a:r>
-              <a:rPr lang="ko-KR" altLang="en-US" sz="1400" b="1" dirty="0"/>
-              <a:t>영상 카테고리 그래프</a:t>
-            </a:r>
-            <a:endParaRPr lang="en-US" altLang="ko-KR" sz="1400" b="1" dirty="0"/>
-          </a:p>
-        </p:txBody>
-      </p:sp>
-      <p:graphicFrame>
-        <p:nvGraphicFramePr>
-          <p:cNvPr id="4" name="차트 3"/>
-          <p:cNvGraphicFramePr/>
-          <p:nvPr>
-            <p:extLst>
-              <p:ext uri="{D42A27DB-BD31-4B8C-83A1-F6EECF244321}">
-                <p14:modId xmlns:p14="http://schemas.microsoft.com/office/powerpoint/2010/main" val="2609115837"/>
-              </p:ext>
-            </p:extLst>
-          </p:nvPr>
-        </p:nvGraphicFramePr>
-        <p:xfrm>
-          <a:off x="0" y="1883229"/>
-          <a:ext cx="6363926" cy="4533962"/>
-        </p:xfrm>
-        <a:graphic>
-          <a:graphicData uri="http://schemas.openxmlformats.org/drawingml/2006/chart">
-            <c:chart xmlns:c="http://schemas.openxmlformats.org/drawingml/2006/chart" xmlns:r="http://schemas.openxmlformats.org/officeDocument/2006/relationships" r:id="rId2"/>
-          </a:graphicData>
-        </a:graphic>
-      </p:graphicFrame>
-      <p:graphicFrame>
-        <p:nvGraphicFramePr>
-          <p:cNvPr id="11" name="차트 10"/>
-          <p:cNvGraphicFramePr/>
-          <p:nvPr>
-            <p:extLst>
-              <p:ext uri="{D42A27DB-BD31-4B8C-83A1-F6EECF244321}">
-                <p14:modId xmlns:p14="http://schemas.microsoft.com/office/powerpoint/2010/main" val="2938985291"/>
-              </p:ext>
-            </p:extLst>
-          </p:nvPr>
-        </p:nvGraphicFramePr>
-        <p:xfrm>
-          <a:off x="5828074" y="1883229"/>
-          <a:ext cx="6363926" cy="4533962"/>
-        </p:xfrm>
-        <a:graphic>
-          <a:graphicData uri="http://schemas.openxmlformats.org/drawingml/2006/chart">
-            <c:chart xmlns:c="http://schemas.openxmlformats.org/drawingml/2006/chart" xmlns:r="http://schemas.openxmlformats.org/officeDocument/2006/relationships" r:id="rId3"/>
-          </a:graphicData>
-        </a:graphic>
-      </p:graphicFrame>
-      <p:sp>
-        <p:nvSpPr>
-          <p:cNvPr id="9" name="TextBox 8"/>
-          <p:cNvSpPr txBox="1"/>
-          <p:nvPr/>
-        </p:nvSpPr>
-        <p:spPr>
-          <a:xfrm>
-            <a:off x="589055" y="1632857"/>
-            <a:ext cx="1782486" cy="369332"/>
-          </a:xfrm>
-          <a:prstGeom prst="rect">
-            <a:avLst/>
-          </a:prstGeom>
-          <a:noFill/>
-        </p:spPr>
-        <p:txBody>
-          <a:bodyPr wrap="square" rtlCol="0">
-            <a:spAutoFit/>
-          </a:bodyPr>
-          <a:lstStyle/>
-          <a:p>
-            <a:pPr algn="ctr"/>
-            <a:r>
-              <a:rPr lang="ko-KR" altLang="en-US" b="1" dirty="0" smtClean="0"/>
-              <a:t>영상 개수</a:t>
-            </a:r>
-            <a:endParaRPr lang="ko-KR" altLang="en-US" b="1" dirty="0"/>
-          </a:p>
-        </p:txBody>
-      </p:sp>
-      <p:sp>
-        <p:nvSpPr>
-          <p:cNvPr id="10" name="TextBox 9"/>
-          <p:cNvSpPr txBox="1"/>
-          <p:nvPr/>
-        </p:nvSpPr>
-        <p:spPr>
-          <a:xfrm>
-            <a:off x="6310587" y="1632857"/>
-            <a:ext cx="1782486" cy="369332"/>
-          </a:xfrm>
-          <a:prstGeom prst="rect">
-            <a:avLst/>
-          </a:prstGeom>
-          <a:noFill/>
-        </p:spPr>
-        <p:txBody>
-          <a:bodyPr wrap="square" rtlCol="0">
-            <a:spAutoFit/>
-          </a:bodyPr>
-          <a:lstStyle/>
-          <a:p>
-            <a:pPr algn="ctr"/>
-            <a:r>
-              <a:rPr lang="ko-KR" altLang="en-US" b="1" dirty="0" smtClean="0"/>
-              <a:t>총 조회수</a:t>
-            </a:r>
-            <a:endParaRPr lang="ko-KR" altLang="en-US" b="1" dirty="0"/>
-          </a:p>
-        </p:txBody>
-      </p:sp>
-      <p:grpSp>
-        <p:nvGrpSpPr>
-          <p:cNvPr id="12" name="그룹 11"/>
-          <p:cNvGrpSpPr/>
-          <p:nvPr/>
-        </p:nvGrpSpPr>
-        <p:grpSpPr>
-          <a:xfrm>
-            <a:off x="5696633" y="5265529"/>
-            <a:ext cx="1227907" cy="1100854"/>
-            <a:chOff x="10633166" y="758844"/>
-            <a:chExt cx="1227907" cy="1100854"/>
-          </a:xfrm>
-        </p:grpSpPr>
-        <p:sp>
-          <p:nvSpPr>
-            <p:cNvPr id="13" name="직사각형 12"/>
-            <p:cNvSpPr/>
-            <p:nvPr/>
-          </p:nvSpPr>
-          <p:spPr>
-            <a:xfrm>
-              <a:off x="10633166" y="824159"/>
-              <a:ext cx="365760" cy="226841"/>
-            </a:xfrm>
-            <a:prstGeom prst="rect">
-              <a:avLst/>
-            </a:prstGeom>
-            <a:ln>
-              <a:noFill/>
-            </a:ln>
-          </p:spPr>
-          <p:style>
-            <a:lnRef idx="2">
-              <a:schemeClr val="accent1">
-                <a:shade val="50000"/>
-              </a:schemeClr>
-            </a:lnRef>
-            <a:fillRef idx="1">
-              <a:schemeClr val="accent1"/>
-            </a:fillRef>
-            <a:effectRef idx="0">
-              <a:schemeClr val="accent1"/>
-            </a:effectRef>
-            <a:fontRef idx="minor">
-              <a:schemeClr val="lt1"/>
-            </a:fontRef>
-          </p:style>
-          <p:txBody>
-            <a:bodyPr rtlCol="0" anchor="ctr"/>
-            <a:lstStyle/>
-            <a:p>
-              <a:pPr algn="ctr"/>
-              <a:endParaRPr lang="ko-KR" altLang="en-US">
-                <a:solidFill>
-                  <a:schemeClr val="accent1"/>
-                </a:solidFill>
-              </a:endParaRPr>
-            </a:p>
-          </p:txBody>
-        </p:sp>
-        <p:sp>
-          <p:nvSpPr>
-            <p:cNvPr id="15" name="직사각형 14"/>
-            <p:cNvSpPr/>
-            <p:nvPr/>
-          </p:nvSpPr>
-          <p:spPr>
-            <a:xfrm>
-              <a:off x="10633166" y="1093725"/>
-              <a:ext cx="365760" cy="226841"/>
-            </a:xfrm>
-            <a:prstGeom prst="rect">
-              <a:avLst/>
-            </a:prstGeom>
-            <a:solidFill>
-              <a:srgbClr val="C00000"/>
-            </a:solidFill>
-            <a:ln>
-              <a:noFill/>
-            </a:ln>
-          </p:spPr>
-          <p:style>
-            <a:lnRef idx="2">
-              <a:schemeClr val="accent1">
-                <a:shade val="50000"/>
-              </a:schemeClr>
-            </a:lnRef>
-            <a:fillRef idx="1">
-              <a:schemeClr val="accent1"/>
-            </a:fillRef>
-            <a:effectRef idx="0">
-              <a:schemeClr val="accent1"/>
-            </a:effectRef>
-            <a:fontRef idx="minor">
-              <a:schemeClr val="lt1"/>
-            </a:fontRef>
-          </p:style>
-          <p:txBody>
-            <a:bodyPr rtlCol="0" anchor="ctr"/>
-            <a:lstStyle/>
-            <a:p>
-              <a:pPr algn="ctr"/>
-              <a:endParaRPr lang="ko-KR" altLang="en-US">
-                <a:solidFill>
-                  <a:schemeClr val="accent1"/>
-                </a:solidFill>
-              </a:endParaRPr>
-            </a:p>
-          </p:txBody>
-        </p:sp>
-        <p:sp>
-          <p:nvSpPr>
-            <p:cNvPr id="16" name="직사각형 15"/>
-            <p:cNvSpPr/>
-            <p:nvPr/>
-          </p:nvSpPr>
-          <p:spPr>
-            <a:xfrm>
-              <a:off x="10633166" y="1363291"/>
-              <a:ext cx="365760" cy="226841"/>
-            </a:xfrm>
-            <a:prstGeom prst="rect">
-              <a:avLst/>
-            </a:prstGeom>
-            <a:solidFill>
-              <a:srgbClr val="00B050"/>
-            </a:solidFill>
-            <a:ln>
-              <a:noFill/>
-            </a:ln>
-          </p:spPr>
-          <p:style>
-            <a:lnRef idx="2">
-              <a:schemeClr val="accent1">
-                <a:shade val="50000"/>
-              </a:schemeClr>
-            </a:lnRef>
-            <a:fillRef idx="1">
-              <a:schemeClr val="accent1"/>
-            </a:fillRef>
-            <a:effectRef idx="0">
-              <a:schemeClr val="accent1"/>
-            </a:effectRef>
-            <a:fontRef idx="minor">
-              <a:schemeClr val="lt1"/>
-            </a:fontRef>
-          </p:style>
-          <p:txBody>
-            <a:bodyPr rtlCol="0" anchor="ctr"/>
-            <a:lstStyle/>
-            <a:p>
-              <a:pPr algn="ctr"/>
-              <a:endParaRPr lang="ko-KR" altLang="en-US">
-                <a:solidFill>
-                  <a:schemeClr val="accent1"/>
-                </a:solidFill>
-              </a:endParaRPr>
-            </a:p>
-          </p:txBody>
-        </p:sp>
-        <p:sp>
-          <p:nvSpPr>
-            <p:cNvPr id="17" name="직사각형 16"/>
-            <p:cNvSpPr/>
-            <p:nvPr/>
-          </p:nvSpPr>
-          <p:spPr>
-            <a:xfrm>
-              <a:off x="10633166" y="1632857"/>
-              <a:ext cx="365760" cy="226841"/>
-            </a:xfrm>
-            <a:prstGeom prst="rect">
-              <a:avLst/>
-            </a:prstGeom>
-            <a:solidFill>
-              <a:srgbClr val="FFC000"/>
-            </a:solidFill>
-            <a:ln>
-              <a:noFill/>
-            </a:ln>
-          </p:spPr>
-          <p:style>
-            <a:lnRef idx="2">
-              <a:schemeClr val="accent1">
-                <a:shade val="50000"/>
-              </a:schemeClr>
-            </a:lnRef>
-            <a:fillRef idx="1">
-              <a:schemeClr val="accent1"/>
-            </a:fillRef>
-            <a:effectRef idx="0">
-              <a:schemeClr val="accent1"/>
-            </a:effectRef>
-            <a:fontRef idx="minor">
-              <a:schemeClr val="lt1"/>
-            </a:fontRef>
-          </p:style>
-          <p:txBody>
-            <a:bodyPr rtlCol="0" anchor="ctr"/>
-            <a:lstStyle/>
-            <a:p>
-              <a:pPr algn="ctr"/>
-              <a:endParaRPr lang="ko-KR" altLang="en-US">
-                <a:solidFill>
-                  <a:schemeClr val="accent1"/>
-                </a:solidFill>
-              </a:endParaRPr>
-            </a:p>
-          </p:txBody>
-        </p:sp>
-        <p:sp>
-          <p:nvSpPr>
-            <p:cNvPr id="18" name="TextBox 17"/>
-            <p:cNvSpPr txBox="1"/>
-            <p:nvPr/>
-          </p:nvSpPr>
-          <p:spPr>
-            <a:xfrm>
-              <a:off x="11011987" y="758844"/>
-              <a:ext cx="849086" cy="261610"/>
-            </a:xfrm>
-            <a:prstGeom prst="rect">
-              <a:avLst/>
-            </a:prstGeom>
-            <a:noFill/>
-          </p:spPr>
-          <p:txBody>
-            <a:bodyPr wrap="square" rtlCol="0">
-              <a:spAutoFit/>
-            </a:bodyPr>
-            <a:lstStyle/>
-            <a:p>
-              <a:r>
-                <a:rPr lang="en-US" altLang="ko-KR" sz="1100" dirty="0" smtClean="0"/>
-                <a:t>Novice</a:t>
-              </a:r>
-              <a:endParaRPr lang="ko-KR" altLang="en-US" sz="1100" dirty="0"/>
-            </a:p>
-          </p:txBody>
-        </p:sp>
-        <p:sp>
-          <p:nvSpPr>
-            <p:cNvPr id="19" name="TextBox 18"/>
-            <p:cNvSpPr txBox="1"/>
-            <p:nvPr/>
-          </p:nvSpPr>
-          <p:spPr>
-            <a:xfrm>
-              <a:off x="11011987" y="1032830"/>
-              <a:ext cx="849086" cy="261610"/>
-            </a:xfrm>
-            <a:prstGeom prst="rect">
-              <a:avLst/>
-            </a:prstGeom>
-            <a:noFill/>
-          </p:spPr>
-          <p:txBody>
-            <a:bodyPr wrap="square" rtlCol="0">
-              <a:spAutoFit/>
-            </a:bodyPr>
-            <a:lstStyle/>
-            <a:p>
-              <a:r>
-                <a:rPr lang="en-US" altLang="ko-KR" sz="1100" dirty="0" smtClean="0"/>
-                <a:t>Slapstick</a:t>
-              </a:r>
-              <a:endParaRPr lang="ko-KR" altLang="en-US" sz="1100" dirty="0"/>
-            </a:p>
-          </p:txBody>
-        </p:sp>
-        <p:sp>
-          <p:nvSpPr>
-            <p:cNvPr id="20" name="TextBox 19"/>
-            <p:cNvSpPr txBox="1"/>
-            <p:nvPr/>
-          </p:nvSpPr>
-          <p:spPr>
-            <a:xfrm>
-              <a:off x="11011987" y="1324102"/>
-              <a:ext cx="849086" cy="261610"/>
-            </a:xfrm>
-            <a:prstGeom prst="rect">
-              <a:avLst/>
-            </a:prstGeom>
-            <a:noFill/>
-          </p:spPr>
-          <p:txBody>
-            <a:bodyPr wrap="square" rtlCol="0">
-              <a:spAutoFit/>
-            </a:bodyPr>
-            <a:lstStyle/>
-            <a:p>
-              <a:r>
-                <a:rPr lang="en-US" altLang="ko-KR" sz="1100" dirty="0" smtClean="0"/>
-                <a:t>Expert</a:t>
-              </a:r>
-              <a:endParaRPr lang="ko-KR" altLang="en-US" sz="1100" dirty="0"/>
-            </a:p>
-          </p:txBody>
-        </p:sp>
-        <p:sp>
-          <p:nvSpPr>
-            <p:cNvPr id="21" name="TextBox 20"/>
-            <p:cNvSpPr txBox="1"/>
-            <p:nvPr/>
-          </p:nvSpPr>
-          <p:spPr>
-            <a:xfrm>
-              <a:off x="11011987" y="1585712"/>
-              <a:ext cx="849086" cy="261610"/>
-            </a:xfrm>
-            <a:prstGeom prst="rect">
-              <a:avLst/>
-            </a:prstGeom>
-            <a:noFill/>
-          </p:spPr>
-          <p:txBody>
-            <a:bodyPr wrap="square" rtlCol="0">
-              <a:spAutoFit/>
-            </a:bodyPr>
-            <a:lstStyle/>
-            <a:p>
-              <a:r>
-                <a:rPr lang="en-US" altLang="ko-KR" sz="1100" dirty="0" smtClean="0"/>
-                <a:t>Circus</a:t>
-              </a:r>
-              <a:endParaRPr lang="ko-KR" altLang="en-US" sz="1100" dirty="0"/>
-            </a:p>
-          </p:txBody>
-        </p:sp>
-      </p:grpSp>
-    </p:spTree>
-    <p:extLst>
-      <p:ext uri="{BB962C8B-B14F-4D97-AF65-F5344CB8AC3E}">
-        <p14:creationId xmlns:p14="http://schemas.microsoft.com/office/powerpoint/2010/main" val="728041313"/>
-      </p:ext>
-    </p:extLst>
-  </p:cSld>
-  <p:clrMapOvr>
-    <a:masterClrMapping/>
-  </p:clrMapOvr>
-  <p:timing>
-    <p:tnLst>
-      <p:par>
-        <p:cTn id="1" dur="indefinite" restart="never" nodeType="tmRoot"/>
-      </p:par>
-    </p:tnLst>
-  </p:timing>
-</p:sld>
-</file>
-
-<file path=ppt/slides/slide23.xml><?xml version="1.0" encoding="utf-8"?>
-<p:sld xmlns:a="http://schemas.openxmlformats.org/drawingml/2006/main" xmlns:r="http://schemas.openxmlformats.org/officeDocument/2006/relationships" xmlns:p="http://schemas.openxmlformats.org/presentationml/2006/main">
-  <p:cSld>
-    <p:bg>
-      <p:bgPr>
-        <a:solidFill>
-          <a:srgbClr val="EAEEFA"/>
-        </a:solidFill>
-        <a:effectLst/>
-      </p:bgPr>
-    </p:bg>
-    <p:spTree>
-      <p:nvGrpSpPr>
-        <p:cNvPr id="1" name=""/>
-        <p:cNvGrpSpPr/>
-        <p:nvPr/>
-      </p:nvGrpSpPr>
-      <p:grpSpPr>
-        <a:xfrm>
-          <a:off x="0" y="0"/>
-          <a:ext cx="0" cy="0"/>
-          <a:chOff x="0" y="0"/>
-          <a:chExt cx="0" cy="0"/>
-        </a:xfrm>
-      </p:grpSpPr>
-      <p:cxnSp>
-        <p:nvCxnSpPr>
-          <p:cNvPr id="23" name="직선 연결선 22"/>
-          <p:cNvCxnSpPr/>
-          <p:nvPr/>
-        </p:nvCxnSpPr>
-        <p:spPr>
-          <a:xfrm>
-            <a:off x="589055" y="427040"/>
-            <a:ext cx="10800000" cy="0"/>
-          </a:xfrm>
-          <a:prstGeom prst="line">
-            <a:avLst/>
-          </a:prstGeom>
-          <a:ln>
-            <a:solidFill>
-              <a:srgbClr val="D02646"/>
-            </a:solidFill>
-          </a:ln>
-        </p:spPr>
-        <p:style>
-          <a:lnRef idx="1">
-            <a:schemeClr val="accent1"/>
-          </a:lnRef>
-          <a:fillRef idx="0">
-            <a:schemeClr val="accent1"/>
-          </a:fillRef>
-          <a:effectRef idx="0">
-            <a:schemeClr val="accent1"/>
-          </a:effectRef>
-          <a:fontRef idx="minor">
-            <a:schemeClr val="tx1"/>
-          </a:fontRef>
-        </p:style>
-      </p:cxnSp>
-      <p:sp>
-        <p:nvSpPr>
-          <p:cNvPr id="24" name="직사각형 23"/>
-          <p:cNvSpPr/>
-          <p:nvPr/>
-        </p:nvSpPr>
-        <p:spPr>
-          <a:xfrm>
-            <a:off x="3646530" y="0"/>
-            <a:ext cx="4971967" cy="646331"/>
-          </a:xfrm>
-          <a:prstGeom prst="rect">
-            <a:avLst/>
-          </a:prstGeom>
-          <a:solidFill>
-            <a:srgbClr val="EAEEFA"/>
-          </a:solidFill>
-        </p:spPr>
-        <p:txBody>
-          <a:bodyPr wrap="square">
-            <a:spAutoFit/>
-          </a:bodyPr>
-          <a:lstStyle/>
-          <a:p>
-            <a:pPr algn="ctr" fontAlgn="base"/>
-            <a:r>
-              <a:rPr lang="ko-KR" altLang="en-US" b="1" dirty="0"/>
-              <a:t>방송을 통한 </a:t>
-            </a:r>
-            <a:r>
-              <a:rPr lang="ko-KR" altLang="en-US" b="1" dirty="0" err="1"/>
-              <a:t>루돌로지</a:t>
-            </a:r>
-            <a:r>
-              <a:rPr lang="ko-KR" altLang="en-US" b="1" dirty="0"/>
-              <a:t> 게임의 </a:t>
-            </a:r>
-            <a:r>
-              <a:rPr lang="ko-KR" altLang="en-US" b="1" dirty="0" err="1"/>
-              <a:t>스토리텔링</a:t>
-            </a:r>
-            <a:r>
-              <a:rPr lang="ko-KR" altLang="en-US" b="1" dirty="0"/>
-              <a:t> </a:t>
-            </a:r>
-            <a:r>
-              <a:rPr lang="en-US" altLang="ko-KR" b="1" dirty="0" smtClean="0"/>
-              <a:t/>
-            </a:r>
-            <a:br>
-              <a:rPr lang="en-US" altLang="ko-KR" b="1" dirty="0" smtClean="0"/>
-            </a:br>
-            <a:r>
-              <a:rPr lang="ko-KR" altLang="en-US" b="1" dirty="0" smtClean="0"/>
-              <a:t>획득과 </a:t>
-            </a:r>
-            <a:r>
-              <a:rPr lang="ko-KR" altLang="en-US" b="1" dirty="0"/>
-              <a:t>게임 기획에의 적용 </a:t>
-            </a:r>
-            <a:r>
-              <a:rPr lang="ko-KR" altLang="en-US" b="1" dirty="0" smtClean="0"/>
-              <a:t>연구</a:t>
-            </a:r>
-            <a:endParaRPr lang="ko-KR" altLang="en-US" b="1" dirty="0"/>
-          </a:p>
-        </p:txBody>
-      </p:sp>
-      <p:cxnSp>
-        <p:nvCxnSpPr>
-          <p:cNvPr id="25" name="직선 연결선 24"/>
-          <p:cNvCxnSpPr/>
-          <p:nvPr/>
-        </p:nvCxnSpPr>
-        <p:spPr>
-          <a:xfrm>
-            <a:off x="589055" y="6637347"/>
-            <a:ext cx="10800000" cy="0"/>
-          </a:xfrm>
-          <a:prstGeom prst="line">
-            <a:avLst/>
-          </a:prstGeom>
-          <a:ln>
-            <a:solidFill>
-              <a:srgbClr val="D02646"/>
-            </a:solidFill>
-          </a:ln>
-        </p:spPr>
-        <p:style>
-          <a:lnRef idx="1">
-            <a:schemeClr val="accent1"/>
-          </a:lnRef>
-          <a:fillRef idx="0">
-            <a:schemeClr val="accent1"/>
-          </a:fillRef>
-          <a:effectRef idx="0">
-            <a:schemeClr val="accent1"/>
-          </a:effectRef>
-          <a:fontRef idx="minor">
-            <a:schemeClr val="tx1"/>
-          </a:fontRef>
-        </p:style>
-      </p:cxnSp>
-      <p:sp>
-        <p:nvSpPr>
-          <p:cNvPr id="33" name="직사각형 32">
-            <a:extLst>
-              <a:ext uri="{FF2B5EF4-FFF2-40B4-BE49-F238E27FC236}">
-                <a16:creationId xmlns:a16="http://schemas.microsoft.com/office/drawing/2014/main" id="{3FA00699-5178-465A-9F3F-130CF1431F70}"/>
-              </a:ext>
-            </a:extLst>
-          </p:cNvPr>
-          <p:cNvSpPr/>
-          <p:nvPr/>
-        </p:nvSpPr>
-        <p:spPr>
-          <a:xfrm>
-            <a:off x="589055" y="547161"/>
-            <a:ext cx="3924756" cy="646331"/>
-          </a:xfrm>
-          <a:prstGeom prst="rect">
-            <a:avLst/>
-          </a:prstGeom>
-        </p:spPr>
-        <p:txBody>
-          <a:bodyPr wrap="square" anchor="ctr">
-            <a:spAutoFit/>
-          </a:bodyPr>
-          <a:lstStyle/>
-          <a:p>
-            <a:pPr>
-              <a:lnSpc>
-                <a:spcPct val="150000"/>
-              </a:lnSpc>
-            </a:pPr>
-            <a:r>
-              <a:rPr lang="ko-KR" altLang="en-US" sz="2400" b="1" dirty="0" err="1" smtClean="0">
-                <a:solidFill>
-                  <a:srgbClr val="44546A">
-                    <a:lumMod val="75000"/>
-                  </a:srgbClr>
-                </a:solidFill>
-              </a:rPr>
-              <a:t>각폭</a:t>
-            </a:r>
-            <a:r>
-              <a:rPr lang="ko-KR" altLang="en-US" sz="2400" b="1" dirty="0" smtClean="0">
-                <a:solidFill>
-                  <a:srgbClr val="44546A">
-                    <a:lumMod val="75000"/>
-                  </a:srgbClr>
-                </a:solidFill>
-              </a:rPr>
-              <a:t> </a:t>
-            </a:r>
-            <a:r>
-              <a:rPr lang="en-US" altLang="ko-KR" sz="2400" b="1" dirty="0" smtClean="0">
-                <a:solidFill>
-                  <a:srgbClr val="44546A">
-                    <a:lumMod val="75000"/>
-                  </a:srgbClr>
-                </a:solidFill>
-              </a:rPr>
-              <a:t>(</a:t>
-            </a:r>
-            <a:r>
-              <a:rPr lang="en-US" altLang="ko-KR" sz="2400" b="1" dirty="0" err="1" smtClean="0">
-                <a:solidFill>
-                  <a:srgbClr val="44546A">
-                    <a:lumMod val="75000"/>
-                  </a:srgbClr>
-                </a:solidFill>
-              </a:rPr>
-              <a:t>Overwatch</a:t>
-            </a:r>
-            <a:r>
-              <a:rPr lang="en-US" altLang="ko-KR" sz="2400" b="1" dirty="0" smtClean="0">
-                <a:solidFill>
-                  <a:srgbClr val="44546A">
-                    <a:lumMod val="75000"/>
-                  </a:srgbClr>
-                </a:solidFill>
-              </a:rPr>
-              <a:t>)</a:t>
-            </a:r>
-          </a:p>
-        </p:txBody>
-      </p:sp>
-      <p:sp>
-        <p:nvSpPr>
-          <p:cNvPr id="14" name="직사각형 13">
-            <a:extLst>
-              <a:ext uri="{FF2B5EF4-FFF2-40B4-BE49-F238E27FC236}">
-                <a16:creationId xmlns:a16="http://schemas.microsoft.com/office/drawing/2014/main" id="{3FA00699-5178-465A-9F3F-130CF1431F70}"/>
-              </a:ext>
-            </a:extLst>
-          </p:cNvPr>
-          <p:cNvSpPr/>
-          <p:nvPr/>
-        </p:nvSpPr>
-        <p:spPr>
-          <a:xfrm>
-            <a:off x="589055" y="52290"/>
-            <a:ext cx="2889249" cy="373885"/>
-          </a:xfrm>
-          <a:prstGeom prst="rect">
-            <a:avLst/>
-          </a:prstGeom>
-        </p:spPr>
-        <p:txBody>
-          <a:bodyPr wrap="square" anchor="ctr">
-            <a:spAutoFit/>
-          </a:bodyPr>
-          <a:lstStyle/>
-          <a:p>
-            <a:pPr>
-              <a:lnSpc>
-                <a:spcPct val="150000"/>
-              </a:lnSpc>
-            </a:pPr>
-            <a:r>
-              <a:rPr lang="en-US" altLang="ko-KR" sz="1400" b="1" dirty="0"/>
-              <a:t>4. </a:t>
-            </a:r>
-            <a:r>
-              <a:rPr lang="ko-KR" altLang="en-US" sz="1400" b="1" dirty="0"/>
-              <a:t>영상 카테고리 그래프</a:t>
-            </a:r>
-            <a:endParaRPr lang="en-US" altLang="ko-KR" sz="1400" b="1" dirty="0"/>
-          </a:p>
-        </p:txBody>
-      </p:sp>
-      <p:graphicFrame>
-        <p:nvGraphicFramePr>
-          <p:cNvPr id="4" name="차트 3"/>
-          <p:cNvGraphicFramePr/>
-          <p:nvPr>
-            <p:extLst>
-              <p:ext uri="{D42A27DB-BD31-4B8C-83A1-F6EECF244321}">
-                <p14:modId xmlns:p14="http://schemas.microsoft.com/office/powerpoint/2010/main" val="1091322751"/>
-              </p:ext>
-            </p:extLst>
-          </p:nvPr>
-        </p:nvGraphicFramePr>
-        <p:xfrm>
-          <a:off x="0" y="1883229"/>
-          <a:ext cx="6363926" cy="4533962"/>
-        </p:xfrm>
-        <a:graphic>
-          <a:graphicData uri="http://schemas.openxmlformats.org/drawingml/2006/chart">
-            <c:chart xmlns:c="http://schemas.openxmlformats.org/drawingml/2006/chart" xmlns:r="http://schemas.openxmlformats.org/officeDocument/2006/relationships" r:id="rId2"/>
-          </a:graphicData>
-        </a:graphic>
-      </p:graphicFrame>
-      <p:graphicFrame>
-        <p:nvGraphicFramePr>
-          <p:cNvPr id="11" name="차트 10"/>
-          <p:cNvGraphicFramePr/>
-          <p:nvPr>
-            <p:extLst>
-              <p:ext uri="{D42A27DB-BD31-4B8C-83A1-F6EECF244321}">
-                <p14:modId xmlns:p14="http://schemas.microsoft.com/office/powerpoint/2010/main" val="770521804"/>
-              </p:ext>
-            </p:extLst>
-          </p:nvPr>
-        </p:nvGraphicFramePr>
-        <p:xfrm>
-          <a:off x="5828074" y="1883229"/>
-          <a:ext cx="6363926" cy="4533962"/>
-        </p:xfrm>
-        <a:graphic>
-          <a:graphicData uri="http://schemas.openxmlformats.org/drawingml/2006/chart">
-            <c:chart xmlns:c="http://schemas.openxmlformats.org/drawingml/2006/chart" xmlns:r="http://schemas.openxmlformats.org/officeDocument/2006/relationships" r:id="rId3"/>
-          </a:graphicData>
-        </a:graphic>
-      </p:graphicFrame>
-      <p:sp>
-        <p:nvSpPr>
-          <p:cNvPr id="9" name="TextBox 8"/>
-          <p:cNvSpPr txBox="1"/>
-          <p:nvPr/>
-        </p:nvSpPr>
-        <p:spPr>
-          <a:xfrm>
-            <a:off x="589055" y="1632857"/>
-            <a:ext cx="1782486" cy="369332"/>
-          </a:xfrm>
-          <a:prstGeom prst="rect">
-            <a:avLst/>
-          </a:prstGeom>
-          <a:noFill/>
-        </p:spPr>
-        <p:txBody>
-          <a:bodyPr wrap="square" rtlCol="0">
-            <a:spAutoFit/>
-          </a:bodyPr>
-          <a:lstStyle/>
-          <a:p>
-            <a:pPr algn="ctr"/>
-            <a:r>
-              <a:rPr lang="ko-KR" altLang="en-US" b="1" dirty="0" smtClean="0"/>
-              <a:t>영상 개수</a:t>
-            </a:r>
-            <a:endParaRPr lang="ko-KR" altLang="en-US" b="1" dirty="0"/>
-          </a:p>
-        </p:txBody>
-      </p:sp>
-      <p:sp>
-        <p:nvSpPr>
-          <p:cNvPr id="10" name="TextBox 9"/>
-          <p:cNvSpPr txBox="1"/>
-          <p:nvPr/>
-        </p:nvSpPr>
-        <p:spPr>
-          <a:xfrm>
-            <a:off x="6310587" y="1632857"/>
-            <a:ext cx="1782486" cy="369332"/>
-          </a:xfrm>
-          <a:prstGeom prst="rect">
-            <a:avLst/>
-          </a:prstGeom>
-          <a:noFill/>
-        </p:spPr>
-        <p:txBody>
-          <a:bodyPr wrap="square" rtlCol="0">
-            <a:spAutoFit/>
-          </a:bodyPr>
-          <a:lstStyle/>
-          <a:p>
-            <a:pPr algn="ctr"/>
-            <a:r>
-              <a:rPr lang="ko-KR" altLang="en-US" b="1" dirty="0" smtClean="0"/>
-              <a:t>총 조회수</a:t>
-            </a:r>
-            <a:endParaRPr lang="ko-KR" altLang="en-US" b="1" dirty="0"/>
-          </a:p>
-        </p:txBody>
-      </p:sp>
-      <p:grpSp>
-        <p:nvGrpSpPr>
           <p:cNvPr id="22" name="그룹 21"/>
           <p:cNvGrpSpPr/>
           <p:nvPr/>
@@ -31102,6 +27882,9 @@
             <a:prstGeom prst="rect">
               <a:avLst/>
             </a:prstGeom>
+            <a:solidFill>
+              <a:srgbClr val="00B050"/>
+            </a:solidFill>
             <a:ln>
               <a:noFill/>
             </a:ln>
@@ -31200,7 +27983,7 @@
               <a:avLst/>
             </a:prstGeom>
             <a:solidFill>
-              <a:srgbClr val="00B050"/>
+              <a:srgbClr val="0070C0"/>
             </a:solidFill>
             <a:ln>
               <a:noFill/>
@@ -31250,7 +28033,7 @@
               <a:avLst/>
             </a:prstGeom>
             <a:solidFill>
-              <a:srgbClr val="FFC000"/>
+              <a:srgbClr val="7030A0"/>
             </a:solidFill>
             <a:ln>
               <a:noFill/>
@@ -31409,7 +28192,7 @@
     </p:spTree>
     <p:extLst>
       <p:ext uri="{BB962C8B-B14F-4D97-AF65-F5344CB8AC3E}">
-        <p14:creationId xmlns:p14="http://schemas.microsoft.com/office/powerpoint/2010/main" val="1323849150"/>
+        <p14:creationId xmlns:p14="http://schemas.microsoft.com/office/powerpoint/2010/main" val="1177428769"/>
       </p:ext>
     </p:extLst>
   </p:cSld>
@@ -31426,7 +28209,287 @@
 </p:sld>
 </file>
 
-<file path=ppt/slides/slide24.xml><?xml version="1.0" encoding="utf-8"?>
+<file path=ppt/slides/slide2.xml><?xml version="1.0" encoding="utf-8"?>
+<p:sld xmlns:a="http://schemas.openxmlformats.org/drawingml/2006/main" xmlns:r="http://schemas.openxmlformats.org/officeDocument/2006/relationships" xmlns:p="http://schemas.openxmlformats.org/presentationml/2006/main">
+  <p:cSld>
+    <p:bg>
+      <p:bgPr>
+        <a:solidFill>
+          <a:srgbClr val="EAEEFA"/>
+        </a:solidFill>
+        <a:effectLst/>
+      </p:bgPr>
+    </p:bg>
+    <p:spTree>
+      <p:nvGrpSpPr>
+        <p:cNvPr id="1" name=""/>
+        <p:cNvGrpSpPr/>
+        <p:nvPr/>
+      </p:nvGrpSpPr>
+      <p:grpSpPr>
+        <a:xfrm>
+          <a:off x="0" y="0"/>
+          <a:ext cx="0" cy="0"/>
+          <a:chOff x="0" y="0"/>
+          <a:chExt cx="0" cy="0"/>
+        </a:xfrm>
+      </p:grpSpPr>
+      <p:cxnSp>
+        <p:nvCxnSpPr>
+          <p:cNvPr id="8" name="직선 연결선 7"/>
+          <p:cNvCxnSpPr/>
+          <p:nvPr/>
+        </p:nvCxnSpPr>
+        <p:spPr>
+          <a:xfrm>
+            <a:off x="605680" y="6678910"/>
+            <a:ext cx="10800000" cy="0"/>
+          </a:xfrm>
+          <a:prstGeom prst="line">
+            <a:avLst/>
+          </a:prstGeom>
+          <a:ln>
+            <a:solidFill>
+              <a:srgbClr val="D02646"/>
+            </a:solidFill>
+          </a:ln>
+        </p:spPr>
+        <p:style>
+          <a:lnRef idx="1">
+            <a:schemeClr val="accent1"/>
+          </a:lnRef>
+          <a:fillRef idx="0">
+            <a:schemeClr val="accent1"/>
+          </a:fillRef>
+          <a:effectRef idx="0">
+            <a:schemeClr val="accent1"/>
+          </a:effectRef>
+          <a:fontRef idx="minor">
+            <a:schemeClr val="tx1"/>
+          </a:fontRef>
+        </p:style>
+      </p:cxnSp>
+      <p:sp>
+        <p:nvSpPr>
+          <p:cNvPr id="7" name="직사각형 6">
+            <a:extLst>
+              <a:ext uri="{FF2B5EF4-FFF2-40B4-BE49-F238E27FC236}">
+                <a16:creationId xmlns:a16="http://schemas.microsoft.com/office/drawing/2014/main" id="{3FA00699-5178-465A-9F3F-130CF1431F70}"/>
+              </a:ext>
+            </a:extLst>
+          </p:cNvPr>
+          <p:cNvSpPr/>
+          <p:nvPr/>
+        </p:nvSpPr>
+        <p:spPr>
+          <a:xfrm>
+            <a:off x="938186" y="681634"/>
+            <a:ext cx="5213232" cy="553998"/>
+          </a:xfrm>
+          <a:prstGeom prst="rect">
+            <a:avLst/>
+          </a:prstGeom>
+        </p:spPr>
+        <p:txBody>
+          <a:bodyPr wrap="square" anchor="ctr">
+            <a:spAutoFit/>
+          </a:bodyPr>
+          <a:lstStyle/>
+          <a:p>
+            <a:pPr>
+              <a:lnSpc>
+                <a:spcPct val="150000"/>
+              </a:lnSpc>
+            </a:pPr>
+            <a:r>
+              <a:rPr lang="en-US" altLang="ko-KR" sz="2000" b="1" dirty="0" smtClean="0"/>
+              <a:t>1. </a:t>
+            </a:r>
+            <a:r>
+              <a:rPr lang="ko-KR" altLang="en-US" sz="2000" b="1" dirty="0" smtClean="0"/>
+              <a:t>모멘트 체</a:t>
+            </a:r>
+            <a:r>
+              <a:rPr lang="ko-KR" altLang="en-US" sz="2000" b="1" dirty="0"/>
+              <a:t>크</a:t>
+            </a:r>
+            <a:r>
+              <a:rPr lang="ko-KR" altLang="en-US" sz="2000" b="1" dirty="0" smtClean="0"/>
+              <a:t> 시트</a:t>
+            </a:r>
+            <a:endParaRPr lang="en-US" altLang="ko-KR" sz="2000" b="1" dirty="0"/>
+          </a:p>
+        </p:txBody>
+      </p:sp>
+      <p:sp>
+        <p:nvSpPr>
+          <p:cNvPr id="13" name="직사각형 12">
+            <a:extLst>
+              <a:ext uri="{FF2B5EF4-FFF2-40B4-BE49-F238E27FC236}">
+                <a16:creationId xmlns:a16="http://schemas.microsoft.com/office/drawing/2014/main" id="{3FA00699-5178-465A-9F3F-130CF1431F70}"/>
+              </a:ext>
+            </a:extLst>
+          </p:cNvPr>
+          <p:cNvSpPr/>
+          <p:nvPr/>
+        </p:nvSpPr>
+        <p:spPr>
+          <a:xfrm>
+            <a:off x="2783609" y="2050575"/>
+            <a:ext cx="5027980" cy="553998"/>
+          </a:xfrm>
+          <a:prstGeom prst="rect">
+            <a:avLst/>
+          </a:prstGeom>
+        </p:spPr>
+        <p:txBody>
+          <a:bodyPr wrap="square" anchor="ctr">
+            <a:spAutoFit/>
+          </a:bodyPr>
+          <a:lstStyle/>
+          <a:p>
+            <a:pPr>
+              <a:lnSpc>
+                <a:spcPct val="150000"/>
+              </a:lnSpc>
+            </a:pPr>
+            <a:r>
+              <a:rPr lang="en-US" altLang="ko-KR" sz="2000" b="1" dirty="0" smtClean="0"/>
+              <a:t>2. </a:t>
+            </a:r>
+            <a:r>
+              <a:rPr lang="ko-KR" altLang="en-US" sz="2000" b="1" dirty="0" smtClean="0"/>
+              <a:t>영상 카테고리화 </a:t>
+            </a:r>
+            <a:r>
+              <a:rPr lang="en-US" altLang="ko-KR" sz="2000" b="1" dirty="0" smtClean="0"/>
+              <a:t>- DBD</a:t>
+            </a:r>
+            <a:endParaRPr lang="en-US" altLang="ko-KR" sz="2000" b="1" dirty="0"/>
+          </a:p>
+        </p:txBody>
+      </p:sp>
+      <p:sp>
+        <p:nvSpPr>
+          <p:cNvPr id="14" name="직사각형 13">
+            <a:extLst>
+              <a:ext uri="{FF2B5EF4-FFF2-40B4-BE49-F238E27FC236}">
+                <a16:creationId xmlns:a16="http://schemas.microsoft.com/office/drawing/2014/main" id="{3FA00699-5178-465A-9F3F-130CF1431F70}"/>
+              </a:ext>
+            </a:extLst>
+          </p:cNvPr>
+          <p:cNvSpPr/>
+          <p:nvPr/>
+        </p:nvSpPr>
+        <p:spPr>
+          <a:xfrm>
+            <a:off x="4845479" y="3546343"/>
+            <a:ext cx="4807972" cy="553998"/>
+          </a:xfrm>
+          <a:prstGeom prst="rect">
+            <a:avLst/>
+          </a:prstGeom>
+        </p:spPr>
+        <p:txBody>
+          <a:bodyPr wrap="square" anchor="ctr">
+            <a:spAutoFit/>
+          </a:bodyPr>
+          <a:lstStyle/>
+          <a:p>
+            <a:pPr>
+              <a:lnSpc>
+                <a:spcPct val="150000"/>
+              </a:lnSpc>
+            </a:pPr>
+            <a:r>
+              <a:rPr lang="en-US" altLang="ko-KR" sz="2000" b="1" dirty="0" smtClean="0"/>
+              <a:t>3. </a:t>
+            </a:r>
+            <a:r>
+              <a:rPr lang="ko-KR" altLang="en-US" sz="2000" b="1" dirty="0"/>
+              <a:t>영상 카테고리화 </a:t>
+            </a:r>
+            <a:r>
+              <a:rPr lang="en-US" altLang="ko-KR" sz="2000" b="1" dirty="0" smtClean="0"/>
+              <a:t>– </a:t>
+            </a:r>
+            <a:r>
+              <a:rPr lang="ko-KR" altLang="en-US" sz="2000" b="1" dirty="0" smtClean="0"/>
+              <a:t>타 장르</a:t>
+            </a:r>
+            <a:endParaRPr lang="en-US" altLang="ko-KR" sz="2000" b="1" dirty="0"/>
+          </a:p>
+        </p:txBody>
+      </p:sp>
+      <p:sp>
+        <p:nvSpPr>
+          <p:cNvPr id="15" name="직사각형 14">
+            <a:extLst>
+              <a:ext uri="{FF2B5EF4-FFF2-40B4-BE49-F238E27FC236}">
+                <a16:creationId xmlns:a16="http://schemas.microsoft.com/office/drawing/2014/main" id="{3FA00699-5178-465A-9F3F-130CF1431F70}"/>
+              </a:ext>
+            </a:extLst>
+          </p:cNvPr>
+          <p:cNvSpPr/>
+          <p:nvPr/>
+        </p:nvSpPr>
+        <p:spPr>
+          <a:xfrm>
+            <a:off x="7040880" y="5042111"/>
+            <a:ext cx="4232366" cy="553998"/>
+          </a:xfrm>
+          <a:prstGeom prst="rect">
+            <a:avLst/>
+          </a:prstGeom>
+        </p:spPr>
+        <p:txBody>
+          <a:bodyPr wrap="square" anchor="ctr">
+            <a:spAutoFit/>
+          </a:bodyPr>
+          <a:lstStyle/>
+          <a:p>
+            <a:pPr>
+              <a:lnSpc>
+                <a:spcPct val="150000"/>
+              </a:lnSpc>
+            </a:pPr>
+            <a:r>
+              <a:rPr lang="en-US" altLang="ko-KR" sz="2000" b="1" dirty="0" smtClean="0"/>
+              <a:t>4. </a:t>
+            </a:r>
+            <a:r>
+              <a:rPr lang="ko-KR" altLang="en-US" sz="2000" b="1" dirty="0"/>
+              <a:t>영상 </a:t>
+            </a:r>
+            <a:r>
+              <a:rPr lang="ko-KR" altLang="en-US" sz="2000" b="1" dirty="0" smtClean="0"/>
+              <a:t>카테고리 그래프</a:t>
+            </a:r>
+            <a:endParaRPr lang="en-US" altLang="ko-KR" sz="2000" b="1" dirty="0"/>
+          </a:p>
+        </p:txBody>
+      </p:sp>
+    </p:spTree>
+    <p:extLst>
+      <p:ext uri="{BB962C8B-B14F-4D97-AF65-F5344CB8AC3E}">
+        <p14:creationId xmlns:p14="http://schemas.microsoft.com/office/powerpoint/2010/main" val="2230190395"/>
+      </p:ext>
+    </p:extLst>
+  </p:cSld>
+  <p:clrMapOvr>
+    <a:masterClrMapping/>
+  </p:clrMapOvr>
+  <p:timing>
+    <p:tnLst>
+      <p:par>
+        <p:cTn id="1" dur="indefinite" restart="never" nodeType="tmRoot"/>
+      </p:par>
+    </p:tnLst>
+  </p:timing>
+</p:sld>
+</file>
+
+<file path=ppt/slides/slide20.xml><?xml version="1.0" encoding="utf-8"?>
 <p:sld xmlns:a="http://schemas.openxmlformats.org/drawingml/2006/main" xmlns:r="http://schemas.openxmlformats.org/officeDocument/2006/relationships" xmlns:p="http://schemas.openxmlformats.org/presentationml/2006/main">
   <p:cSld>
     <p:bg>
@@ -31629,7 +28692,7 @@
                   </a:srgbClr>
                 </a:solidFill>
               </a:rPr>
-              <a:t>닥터준</a:t>
+              <a:t>앰비션</a:t>
             </a:r>
             <a:r>
               <a:rPr lang="ko-KR" altLang="en-US" sz="2400" b="1" dirty="0" smtClean="0">
@@ -31649,28 +28712,15 @@
                   </a:srgbClr>
                 </a:solidFill>
               </a:rPr>
-              <a:t>(</a:t>
-            </a:r>
-            <a:r>
-              <a:rPr lang="en-US" altLang="ko-KR" sz="2400" b="1" dirty="0" err="1" smtClean="0">
-                <a:solidFill>
-                  <a:srgbClr val="44546A">
-                    <a:lumMod val="75000"/>
-                  </a:srgbClr>
-                </a:solidFill>
-              </a:rPr>
-              <a:t>Overwatch</a:t>
-            </a:r>
-            <a:r>
-              <a:rPr lang="en-US" altLang="ko-KR" sz="2400" b="1" dirty="0" smtClean="0">
-                <a:solidFill>
-                  <a:srgbClr val="44546A">
-                    <a:lumMod val="75000"/>
-                  </a:srgbClr>
-                </a:solidFill>
-              </a:rPr>
-              <a:t>)</a:t>
-            </a:r>
+              <a:t>(LOL)</a:t>
+            </a:r>
+            <a:endParaRPr lang="en-US" altLang="ko-KR" sz="2400" b="1" dirty="0">
+              <a:solidFill>
+                <a:srgbClr val="44546A">
+                  <a:lumMod val="75000"/>
+                </a:srgbClr>
+              </a:solidFill>
+            </a:endParaRPr>
           </a:p>
         </p:txBody>
       </p:sp>
@@ -31725,7 +28775,7 @@
           <p:nvPr>
             <p:extLst>
               <p:ext uri="{D42A27DB-BD31-4B8C-83A1-F6EECF244321}">
-                <p14:modId xmlns:p14="http://schemas.microsoft.com/office/powerpoint/2010/main" val="2441145425"/>
+                <p14:modId xmlns:p14="http://schemas.microsoft.com/office/powerpoint/2010/main" val="1593330001"/>
               </p:ext>
             </p:extLst>
           </p:nvPr>
@@ -31747,7 +28797,7 @@
           <p:nvPr>
             <p:extLst>
               <p:ext uri="{D42A27DB-BD31-4B8C-83A1-F6EECF244321}">
-                <p14:modId xmlns:p14="http://schemas.microsoft.com/office/powerpoint/2010/main" val="1566618700"/>
+                <p14:modId xmlns:p14="http://schemas.microsoft.com/office/powerpoint/2010/main" val="1772856821"/>
               </p:ext>
             </p:extLst>
           </p:nvPr>
@@ -31852,6 +28902,9 @@
             <a:prstGeom prst="rect">
               <a:avLst/>
             </a:prstGeom>
+            <a:solidFill>
+              <a:srgbClr val="00B050"/>
+            </a:solidFill>
             <a:ln>
               <a:noFill/>
             </a:ln>
@@ -31950,7 +29003,7 @@
               <a:avLst/>
             </a:prstGeom>
             <a:solidFill>
-              <a:srgbClr val="00B050"/>
+              <a:srgbClr val="0070C0"/>
             </a:solidFill>
             <a:ln>
               <a:noFill/>
@@ -32000,7 +29053,7 @@
               <a:avLst/>
             </a:prstGeom>
             <a:solidFill>
-              <a:srgbClr val="FFC000"/>
+              <a:srgbClr val="7030A0"/>
             </a:solidFill>
             <a:ln>
               <a:noFill/>
@@ -32159,7 +29212,7 @@
     </p:spTree>
     <p:extLst>
       <p:ext uri="{BB962C8B-B14F-4D97-AF65-F5344CB8AC3E}">
-        <p14:creationId xmlns:p14="http://schemas.microsoft.com/office/powerpoint/2010/main" val="4230739297"/>
+        <p14:creationId xmlns:p14="http://schemas.microsoft.com/office/powerpoint/2010/main" val="3215289688"/>
       </p:ext>
     </p:extLst>
   </p:cSld>
@@ -32176,7 +29229,7 @@
 </p:sld>
 </file>
 
-<file path=ppt/slides/slide25.xml><?xml version="1.0" encoding="utf-8"?>
+<file path=ppt/slides/slide21.xml><?xml version="1.0" encoding="utf-8"?>
 <p:sld xmlns:a="http://schemas.openxmlformats.org/drawingml/2006/main" xmlns:r="http://schemas.openxmlformats.org/officeDocument/2006/relationships" xmlns:p="http://schemas.openxmlformats.org/presentationml/2006/main">
   <p:cSld>
     <p:bg>
@@ -32353,8 +29406,8 @@
         </p:nvSpPr>
         <p:spPr>
           <a:xfrm>
-            <a:off x="589055" y="582843"/>
-            <a:ext cx="3924756" cy="574966"/>
+            <a:off x="589055" y="547161"/>
+            <a:ext cx="3924756" cy="646331"/>
           </a:xfrm>
           <a:prstGeom prst="rect">
             <a:avLst/>
@@ -32372,6 +29425,16 @@
               </a:lnSpc>
             </a:pPr>
             <a:r>
+              <a:rPr lang="ko-KR" altLang="en-US" sz="2400" b="1" dirty="0" err="1" smtClean="0">
+                <a:solidFill>
+                  <a:srgbClr val="44546A">
+                    <a:lumMod val="75000"/>
+                  </a:srgbClr>
+                </a:solidFill>
+              </a:rPr>
+              <a:t>아빠킹</a:t>
+            </a:r>
+            <a:r>
               <a:rPr lang="ko-KR" altLang="en-US" sz="2400" b="1" dirty="0" smtClean="0">
                 <a:solidFill>
                   <a:srgbClr val="44546A">
@@ -32379,7 +29442,7 @@
                   </a:srgbClr>
                 </a:solidFill>
               </a:rPr>
-              <a:t>무자비 </a:t>
+              <a:t> </a:t>
             </a:r>
             <a:r>
               <a:rPr lang="en-US" altLang="ko-KR" sz="2400" b="1" dirty="0" smtClean="0">
@@ -32389,28 +29452,15 @@
                   </a:srgbClr>
                 </a:solidFill>
               </a:rPr>
-              <a:t>(</a:t>
-            </a:r>
-            <a:r>
-              <a:rPr lang="en-US" altLang="ko-KR" sz="2400" b="1" dirty="0" err="1" smtClean="0">
-                <a:solidFill>
-                  <a:srgbClr val="44546A">
-                    <a:lumMod val="75000"/>
-                  </a:srgbClr>
-                </a:solidFill>
-              </a:rPr>
-              <a:t>SuddenAttack</a:t>
-            </a:r>
-            <a:r>
-              <a:rPr lang="en-US" altLang="ko-KR" sz="2400" b="1" dirty="0" smtClean="0">
-                <a:solidFill>
-                  <a:srgbClr val="44546A">
-                    <a:lumMod val="75000"/>
-                  </a:srgbClr>
-                </a:solidFill>
-              </a:rPr>
-              <a:t>)</a:t>
-            </a:r>
+              <a:t>(Tekken7)</a:t>
+            </a:r>
+            <a:endParaRPr lang="en-US" altLang="ko-KR" sz="2400" b="1" dirty="0">
+              <a:solidFill>
+                <a:srgbClr val="44546A">
+                  <a:lumMod val="75000"/>
+                </a:srgbClr>
+              </a:solidFill>
+            </a:endParaRPr>
           </a:p>
         </p:txBody>
       </p:sp>
@@ -32465,7 +29515,7 @@
           <p:nvPr>
             <p:extLst>
               <p:ext uri="{D42A27DB-BD31-4B8C-83A1-F6EECF244321}">
-                <p14:modId xmlns:p14="http://schemas.microsoft.com/office/powerpoint/2010/main" val="380313449"/>
+                <p14:modId xmlns:p14="http://schemas.microsoft.com/office/powerpoint/2010/main" val="3734093890"/>
               </p:ext>
             </p:extLst>
           </p:nvPr>
@@ -32487,7 +29537,7 @@
           <p:nvPr>
             <p:extLst>
               <p:ext uri="{D42A27DB-BD31-4B8C-83A1-F6EECF244321}">
-                <p14:modId xmlns:p14="http://schemas.microsoft.com/office/powerpoint/2010/main" val="1235222446"/>
+                <p14:modId xmlns:p14="http://schemas.microsoft.com/office/powerpoint/2010/main" val="2962311842"/>
               </p:ext>
             </p:extLst>
           </p:nvPr>
@@ -32592,6 +29642,9 @@
             <a:prstGeom prst="rect">
               <a:avLst/>
             </a:prstGeom>
+            <a:solidFill>
+              <a:srgbClr val="00B050"/>
+            </a:solidFill>
             <a:ln>
               <a:noFill/>
             </a:ln>
@@ -32690,7 +29743,7 @@
               <a:avLst/>
             </a:prstGeom>
             <a:solidFill>
-              <a:srgbClr val="00B050"/>
+              <a:srgbClr val="0070C0"/>
             </a:solidFill>
             <a:ln>
               <a:noFill/>
@@ -32740,7 +29793,7 @@
               <a:avLst/>
             </a:prstGeom>
             <a:solidFill>
-              <a:srgbClr val="FFC000"/>
+              <a:srgbClr val="7030A0"/>
             </a:solidFill>
             <a:ln>
               <a:noFill/>
@@ -32899,7 +29952,7 @@
     </p:spTree>
     <p:extLst>
       <p:ext uri="{BB962C8B-B14F-4D97-AF65-F5344CB8AC3E}">
-        <p14:creationId xmlns:p14="http://schemas.microsoft.com/office/powerpoint/2010/main" val="854804514"/>
+        <p14:creationId xmlns:p14="http://schemas.microsoft.com/office/powerpoint/2010/main" val="2335220133"/>
       </p:ext>
     </p:extLst>
   </p:cSld>
@@ -32916,7 +29969,7 @@
 </p:sld>
 </file>
 
-<file path=ppt/slides/slide26.xml><?xml version="1.0" encoding="utf-8"?>
+<file path=ppt/slides/slide22.xml><?xml version="1.0" encoding="utf-8"?>
 <p:sld xmlns:a="http://schemas.openxmlformats.org/drawingml/2006/main" xmlns:r="http://schemas.openxmlformats.org/officeDocument/2006/relationships" xmlns:p="http://schemas.openxmlformats.org/presentationml/2006/main">
   <p:cSld>
     <p:bg>
@@ -33119,10 +30172,10 @@
                   </a:srgbClr>
                 </a:solidFill>
               </a:rPr>
-              <a:t>우주하마</a:t>
-            </a:r>
-            <a:r>
-              <a:rPr lang="ko-KR" altLang="en-US" sz="2400" b="1" dirty="0">
+              <a:t>옥냥이</a:t>
+            </a:r>
+            <a:r>
+              <a:rPr lang="en-US" altLang="ko-KR" sz="2400" b="1" dirty="0">
                 <a:solidFill>
                   <a:srgbClr val="44546A">
                     <a:lumMod val="75000"/>
@@ -33139,8 +30192,15 @@
                   </a:srgbClr>
                 </a:solidFill>
               </a:rPr>
-              <a:t>(PUBG)</a:t>
-            </a:r>
+              <a:t>(Hearthstone)</a:t>
+            </a:r>
+            <a:endParaRPr lang="en-US" altLang="ko-KR" sz="2400" b="1" dirty="0">
+              <a:solidFill>
+                <a:srgbClr val="44546A">
+                  <a:lumMod val="75000"/>
+                </a:srgbClr>
+              </a:solidFill>
+            </a:endParaRPr>
           </a:p>
         </p:txBody>
       </p:sp>
@@ -33195,7 +30255,7 @@
           <p:nvPr>
             <p:extLst>
               <p:ext uri="{D42A27DB-BD31-4B8C-83A1-F6EECF244321}">
-                <p14:modId xmlns:p14="http://schemas.microsoft.com/office/powerpoint/2010/main" val="2399064135"/>
+                <p14:modId xmlns:p14="http://schemas.microsoft.com/office/powerpoint/2010/main" val="883867103"/>
               </p:ext>
             </p:extLst>
           </p:nvPr>
@@ -33217,7 +30277,7 @@
           <p:nvPr>
             <p:extLst>
               <p:ext uri="{D42A27DB-BD31-4B8C-83A1-F6EECF244321}">
-                <p14:modId xmlns:p14="http://schemas.microsoft.com/office/powerpoint/2010/main" val="1887834016"/>
+                <p14:modId xmlns:p14="http://schemas.microsoft.com/office/powerpoint/2010/main" val="748804906"/>
               </p:ext>
             </p:extLst>
           </p:nvPr>
@@ -33322,6 +30382,9 @@
             <a:prstGeom prst="rect">
               <a:avLst/>
             </a:prstGeom>
+            <a:solidFill>
+              <a:srgbClr val="00B050"/>
+            </a:solidFill>
             <a:ln>
               <a:noFill/>
             </a:ln>
@@ -33420,7 +30483,7 @@
               <a:avLst/>
             </a:prstGeom>
             <a:solidFill>
-              <a:srgbClr val="00B050"/>
+              <a:srgbClr val="0070C0"/>
             </a:solidFill>
             <a:ln>
               <a:noFill/>
@@ -33470,7 +30533,7 @@
               <a:avLst/>
             </a:prstGeom>
             <a:solidFill>
-              <a:srgbClr val="FFC000"/>
+              <a:srgbClr val="7030A0"/>
             </a:solidFill>
             <a:ln>
               <a:noFill/>
@@ -33598,6 +30661,2988 @@
         <p:sp>
           <p:nvSpPr>
             <p:cNvPr id="34" name="TextBox 33"/>
+            <p:cNvSpPr txBox="1"/>
+            <p:nvPr/>
+          </p:nvSpPr>
+          <p:spPr>
+            <a:xfrm>
+              <a:off x="11011987" y="1585712"/>
+              <a:ext cx="849086" cy="261610"/>
+            </a:xfrm>
+            <a:prstGeom prst="rect">
+              <a:avLst/>
+            </a:prstGeom>
+            <a:noFill/>
+          </p:spPr>
+          <p:txBody>
+            <a:bodyPr wrap="square" rtlCol="0">
+              <a:spAutoFit/>
+            </a:bodyPr>
+            <a:lstStyle/>
+            <a:p>
+              <a:r>
+                <a:rPr lang="en-US" altLang="ko-KR" sz="1100" dirty="0" smtClean="0"/>
+                <a:t>Circus</a:t>
+              </a:r>
+              <a:endParaRPr lang="ko-KR" altLang="en-US" sz="1100" dirty="0"/>
+            </a:p>
+          </p:txBody>
+        </p:sp>
+      </p:grpSp>
+    </p:spTree>
+    <p:extLst>
+      <p:ext uri="{BB962C8B-B14F-4D97-AF65-F5344CB8AC3E}">
+        <p14:creationId xmlns:p14="http://schemas.microsoft.com/office/powerpoint/2010/main" val="728041313"/>
+      </p:ext>
+    </p:extLst>
+  </p:cSld>
+  <p:clrMapOvr>
+    <a:masterClrMapping/>
+  </p:clrMapOvr>
+  <p:timing>
+    <p:tnLst>
+      <p:par>
+        <p:cTn id="1" dur="indefinite" restart="never" nodeType="tmRoot"/>
+      </p:par>
+    </p:tnLst>
+  </p:timing>
+</p:sld>
+</file>
+
+<file path=ppt/slides/slide23.xml><?xml version="1.0" encoding="utf-8"?>
+<p:sld xmlns:a="http://schemas.openxmlformats.org/drawingml/2006/main" xmlns:r="http://schemas.openxmlformats.org/officeDocument/2006/relationships" xmlns:p="http://schemas.openxmlformats.org/presentationml/2006/main">
+  <p:cSld>
+    <p:bg>
+      <p:bgPr>
+        <a:solidFill>
+          <a:srgbClr val="EAEEFA"/>
+        </a:solidFill>
+        <a:effectLst/>
+      </p:bgPr>
+    </p:bg>
+    <p:spTree>
+      <p:nvGrpSpPr>
+        <p:cNvPr id="1" name=""/>
+        <p:cNvGrpSpPr/>
+        <p:nvPr/>
+      </p:nvGrpSpPr>
+      <p:grpSpPr>
+        <a:xfrm>
+          <a:off x="0" y="0"/>
+          <a:ext cx="0" cy="0"/>
+          <a:chOff x="0" y="0"/>
+          <a:chExt cx="0" cy="0"/>
+        </a:xfrm>
+      </p:grpSpPr>
+      <p:cxnSp>
+        <p:nvCxnSpPr>
+          <p:cNvPr id="23" name="직선 연결선 22"/>
+          <p:cNvCxnSpPr/>
+          <p:nvPr/>
+        </p:nvCxnSpPr>
+        <p:spPr>
+          <a:xfrm>
+            <a:off x="589055" y="427040"/>
+            <a:ext cx="10800000" cy="0"/>
+          </a:xfrm>
+          <a:prstGeom prst="line">
+            <a:avLst/>
+          </a:prstGeom>
+          <a:ln>
+            <a:solidFill>
+              <a:srgbClr val="D02646"/>
+            </a:solidFill>
+          </a:ln>
+        </p:spPr>
+        <p:style>
+          <a:lnRef idx="1">
+            <a:schemeClr val="accent1"/>
+          </a:lnRef>
+          <a:fillRef idx="0">
+            <a:schemeClr val="accent1"/>
+          </a:fillRef>
+          <a:effectRef idx="0">
+            <a:schemeClr val="accent1"/>
+          </a:effectRef>
+          <a:fontRef idx="minor">
+            <a:schemeClr val="tx1"/>
+          </a:fontRef>
+        </p:style>
+      </p:cxnSp>
+      <p:sp>
+        <p:nvSpPr>
+          <p:cNvPr id="24" name="직사각형 23"/>
+          <p:cNvSpPr/>
+          <p:nvPr/>
+        </p:nvSpPr>
+        <p:spPr>
+          <a:xfrm>
+            <a:off x="3646530" y="0"/>
+            <a:ext cx="4971967" cy="646331"/>
+          </a:xfrm>
+          <a:prstGeom prst="rect">
+            <a:avLst/>
+          </a:prstGeom>
+          <a:solidFill>
+            <a:srgbClr val="EAEEFA"/>
+          </a:solidFill>
+        </p:spPr>
+        <p:txBody>
+          <a:bodyPr wrap="square">
+            <a:spAutoFit/>
+          </a:bodyPr>
+          <a:lstStyle/>
+          <a:p>
+            <a:pPr algn="ctr" fontAlgn="base"/>
+            <a:r>
+              <a:rPr lang="ko-KR" altLang="en-US" b="1" dirty="0"/>
+              <a:t>방송을 통한 </a:t>
+            </a:r>
+            <a:r>
+              <a:rPr lang="ko-KR" altLang="en-US" b="1" dirty="0" err="1"/>
+              <a:t>루돌로지</a:t>
+            </a:r>
+            <a:r>
+              <a:rPr lang="ko-KR" altLang="en-US" b="1" dirty="0"/>
+              <a:t> 게임의 </a:t>
+            </a:r>
+            <a:r>
+              <a:rPr lang="ko-KR" altLang="en-US" b="1" dirty="0" err="1"/>
+              <a:t>스토리텔링</a:t>
+            </a:r>
+            <a:r>
+              <a:rPr lang="ko-KR" altLang="en-US" b="1" dirty="0"/>
+              <a:t> </a:t>
+            </a:r>
+            <a:r>
+              <a:rPr lang="en-US" altLang="ko-KR" b="1" dirty="0" smtClean="0"/>
+              <a:t/>
+            </a:r>
+            <a:br>
+              <a:rPr lang="en-US" altLang="ko-KR" b="1" dirty="0" smtClean="0"/>
+            </a:br>
+            <a:r>
+              <a:rPr lang="ko-KR" altLang="en-US" b="1" dirty="0" smtClean="0"/>
+              <a:t>획득과 </a:t>
+            </a:r>
+            <a:r>
+              <a:rPr lang="ko-KR" altLang="en-US" b="1" dirty="0"/>
+              <a:t>게임 기획에의 적용 </a:t>
+            </a:r>
+            <a:r>
+              <a:rPr lang="ko-KR" altLang="en-US" b="1" dirty="0" smtClean="0"/>
+              <a:t>연구</a:t>
+            </a:r>
+            <a:endParaRPr lang="ko-KR" altLang="en-US" b="1" dirty="0"/>
+          </a:p>
+        </p:txBody>
+      </p:sp>
+      <p:cxnSp>
+        <p:nvCxnSpPr>
+          <p:cNvPr id="25" name="직선 연결선 24"/>
+          <p:cNvCxnSpPr/>
+          <p:nvPr/>
+        </p:nvCxnSpPr>
+        <p:spPr>
+          <a:xfrm>
+            <a:off x="589055" y="6637347"/>
+            <a:ext cx="10800000" cy="0"/>
+          </a:xfrm>
+          <a:prstGeom prst="line">
+            <a:avLst/>
+          </a:prstGeom>
+          <a:ln>
+            <a:solidFill>
+              <a:srgbClr val="D02646"/>
+            </a:solidFill>
+          </a:ln>
+        </p:spPr>
+        <p:style>
+          <a:lnRef idx="1">
+            <a:schemeClr val="accent1"/>
+          </a:lnRef>
+          <a:fillRef idx="0">
+            <a:schemeClr val="accent1"/>
+          </a:fillRef>
+          <a:effectRef idx="0">
+            <a:schemeClr val="accent1"/>
+          </a:effectRef>
+          <a:fontRef idx="minor">
+            <a:schemeClr val="tx1"/>
+          </a:fontRef>
+        </p:style>
+      </p:cxnSp>
+      <p:sp>
+        <p:nvSpPr>
+          <p:cNvPr id="33" name="직사각형 32">
+            <a:extLst>
+              <a:ext uri="{FF2B5EF4-FFF2-40B4-BE49-F238E27FC236}">
+                <a16:creationId xmlns:a16="http://schemas.microsoft.com/office/drawing/2014/main" id="{3FA00699-5178-465A-9F3F-130CF1431F70}"/>
+              </a:ext>
+            </a:extLst>
+          </p:cNvPr>
+          <p:cNvSpPr/>
+          <p:nvPr/>
+        </p:nvSpPr>
+        <p:spPr>
+          <a:xfrm>
+            <a:off x="589055" y="547161"/>
+            <a:ext cx="3924756" cy="646331"/>
+          </a:xfrm>
+          <a:prstGeom prst="rect">
+            <a:avLst/>
+          </a:prstGeom>
+        </p:spPr>
+        <p:txBody>
+          <a:bodyPr wrap="square" anchor="ctr">
+            <a:spAutoFit/>
+          </a:bodyPr>
+          <a:lstStyle/>
+          <a:p>
+            <a:pPr>
+              <a:lnSpc>
+                <a:spcPct val="150000"/>
+              </a:lnSpc>
+            </a:pPr>
+            <a:r>
+              <a:rPr lang="ko-KR" altLang="en-US" sz="2400" b="1" dirty="0" err="1" smtClean="0">
+                <a:solidFill>
+                  <a:srgbClr val="44546A">
+                    <a:lumMod val="75000"/>
+                  </a:srgbClr>
+                </a:solidFill>
+              </a:rPr>
+              <a:t>각폭</a:t>
+            </a:r>
+            <a:r>
+              <a:rPr lang="ko-KR" altLang="en-US" sz="2400" b="1" dirty="0" smtClean="0">
+                <a:solidFill>
+                  <a:srgbClr val="44546A">
+                    <a:lumMod val="75000"/>
+                  </a:srgbClr>
+                </a:solidFill>
+              </a:rPr>
+              <a:t> </a:t>
+            </a:r>
+            <a:r>
+              <a:rPr lang="en-US" altLang="ko-KR" sz="2400" b="1" dirty="0" smtClean="0">
+                <a:solidFill>
+                  <a:srgbClr val="44546A">
+                    <a:lumMod val="75000"/>
+                  </a:srgbClr>
+                </a:solidFill>
+              </a:rPr>
+              <a:t>(</a:t>
+            </a:r>
+            <a:r>
+              <a:rPr lang="en-US" altLang="ko-KR" sz="2400" b="1" dirty="0" err="1" smtClean="0">
+                <a:solidFill>
+                  <a:srgbClr val="44546A">
+                    <a:lumMod val="75000"/>
+                  </a:srgbClr>
+                </a:solidFill>
+              </a:rPr>
+              <a:t>Overwatch</a:t>
+            </a:r>
+            <a:r>
+              <a:rPr lang="en-US" altLang="ko-KR" sz="2400" b="1" dirty="0" smtClean="0">
+                <a:solidFill>
+                  <a:srgbClr val="44546A">
+                    <a:lumMod val="75000"/>
+                  </a:srgbClr>
+                </a:solidFill>
+              </a:rPr>
+              <a:t>)</a:t>
+            </a:r>
+          </a:p>
+        </p:txBody>
+      </p:sp>
+      <p:sp>
+        <p:nvSpPr>
+          <p:cNvPr id="14" name="직사각형 13">
+            <a:extLst>
+              <a:ext uri="{FF2B5EF4-FFF2-40B4-BE49-F238E27FC236}">
+                <a16:creationId xmlns:a16="http://schemas.microsoft.com/office/drawing/2014/main" id="{3FA00699-5178-465A-9F3F-130CF1431F70}"/>
+              </a:ext>
+            </a:extLst>
+          </p:cNvPr>
+          <p:cNvSpPr/>
+          <p:nvPr/>
+        </p:nvSpPr>
+        <p:spPr>
+          <a:xfrm>
+            <a:off x="589055" y="52290"/>
+            <a:ext cx="2889249" cy="373885"/>
+          </a:xfrm>
+          <a:prstGeom prst="rect">
+            <a:avLst/>
+          </a:prstGeom>
+        </p:spPr>
+        <p:txBody>
+          <a:bodyPr wrap="square" anchor="ctr">
+            <a:spAutoFit/>
+          </a:bodyPr>
+          <a:lstStyle/>
+          <a:p>
+            <a:pPr>
+              <a:lnSpc>
+                <a:spcPct val="150000"/>
+              </a:lnSpc>
+            </a:pPr>
+            <a:r>
+              <a:rPr lang="en-US" altLang="ko-KR" sz="1400" b="1" dirty="0"/>
+              <a:t>4. </a:t>
+            </a:r>
+            <a:r>
+              <a:rPr lang="ko-KR" altLang="en-US" sz="1400" b="1" dirty="0"/>
+              <a:t>영상 카테고리 그래프</a:t>
+            </a:r>
+            <a:endParaRPr lang="en-US" altLang="ko-KR" sz="1400" b="1" dirty="0"/>
+          </a:p>
+        </p:txBody>
+      </p:sp>
+      <p:graphicFrame>
+        <p:nvGraphicFramePr>
+          <p:cNvPr id="4" name="차트 3"/>
+          <p:cNvGraphicFramePr/>
+          <p:nvPr>
+            <p:extLst>
+              <p:ext uri="{D42A27DB-BD31-4B8C-83A1-F6EECF244321}">
+                <p14:modId xmlns:p14="http://schemas.microsoft.com/office/powerpoint/2010/main" val="3849250931"/>
+              </p:ext>
+            </p:extLst>
+          </p:nvPr>
+        </p:nvGraphicFramePr>
+        <p:xfrm>
+          <a:off x="0" y="1883229"/>
+          <a:ext cx="6363926" cy="4533962"/>
+        </p:xfrm>
+        <a:graphic>
+          <a:graphicData uri="http://schemas.openxmlformats.org/drawingml/2006/chart">
+            <c:chart xmlns:c="http://schemas.openxmlformats.org/drawingml/2006/chart" xmlns:r="http://schemas.openxmlformats.org/officeDocument/2006/relationships" r:id="rId2"/>
+          </a:graphicData>
+        </a:graphic>
+      </p:graphicFrame>
+      <p:graphicFrame>
+        <p:nvGraphicFramePr>
+          <p:cNvPr id="11" name="차트 10"/>
+          <p:cNvGraphicFramePr/>
+          <p:nvPr>
+            <p:extLst>
+              <p:ext uri="{D42A27DB-BD31-4B8C-83A1-F6EECF244321}">
+                <p14:modId xmlns:p14="http://schemas.microsoft.com/office/powerpoint/2010/main" val="1171935212"/>
+              </p:ext>
+            </p:extLst>
+          </p:nvPr>
+        </p:nvGraphicFramePr>
+        <p:xfrm>
+          <a:off x="5828074" y="1883229"/>
+          <a:ext cx="6363926" cy="4533962"/>
+        </p:xfrm>
+        <a:graphic>
+          <a:graphicData uri="http://schemas.openxmlformats.org/drawingml/2006/chart">
+            <c:chart xmlns:c="http://schemas.openxmlformats.org/drawingml/2006/chart" xmlns:r="http://schemas.openxmlformats.org/officeDocument/2006/relationships" r:id="rId3"/>
+          </a:graphicData>
+        </a:graphic>
+      </p:graphicFrame>
+      <p:sp>
+        <p:nvSpPr>
+          <p:cNvPr id="9" name="TextBox 8"/>
+          <p:cNvSpPr txBox="1"/>
+          <p:nvPr/>
+        </p:nvSpPr>
+        <p:spPr>
+          <a:xfrm>
+            <a:off x="589055" y="1632857"/>
+            <a:ext cx="1782486" cy="369332"/>
+          </a:xfrm>
+          <a:prstGeom prst="rect">
+            <a:avLst/>
+          </a:prstGeom>
+          <a:noFill/>
+        </p:spPr>
+        <p:txBody>
+          <a:bodyPr wrap="square" rtlCol="0">
+            <a:spAutoFit/>
+          </a:bodyPr>
+          <a:lstStyle/>
+          <a:p>
+            <a:pPr algn="ctr"/>
+            <a:r>
+              <a:rPr lang="ko-KR" altLang="en-US" b="1" dirty="0" smtClean="0"/>
+              <a:t>영상 개수</a:t>
+            </a:r>
+            <a:endParaRPr lang="ko-KR" altLang="en-US" b="1" dirty="0"/>
+          </a:p>
+        </p:txBody>
+      </p:sp>
+      <p:sp>
+        <p:nvSpPr>
+          <p:cNvPr id="10" name="TextBox 9"/>
+          <p:cNvSpPr txBox="1"/>
+          <p:nvPr/>
+        </p:nvSpPr>
+        <p:spPr>
+          <a:xfrm>
+            <a:off x="6310587" y="1632857"/>
+            <a:ext cx="1782486" cy="369332"/>
+          </a:xfrm>
+          <a:prstGeom prst="rect">
+            <a:avLst/>
+          </a:prstGeom>
+          <a:noFill/>
+        </p:spPr>
+        <p:txBody>
+          <a:bodyPr wrap="square" rtlCol="0">
+            <a:spAutoFit/>
+          </a:bodyPr>
+          <a:lstStyle/>
+          <a:p>
+            <a:pPr algn="ctr"/>
+            <a:r>
+              <a:rPr lang="ko-KR" altLang="en-US" b="1" dirty="0" smtClean="0"/>
+              <a:t>총 조회수</a:t>
+            </a:r>
+            <a:endParaRPr lang="ko-KR" altLang="en-US" b="1" dirty="0"/>
+          </a:p>
+        </p:txBody>
+      </p:sp>
+      <p:grpSp>
+        <p:nvGrpSpPr>
+          <p:cNvPr id="20" name="그룹 19"/>
+          <p:cNvGrpSpPr/>
+          <p:nvPr/>
+        </p:nvGrpSpPr>
+        <p:grpSpPr>
+          <a:xfrm>
+            <a:off x="5696633" y="5265529"/>
+            <a:ext cx="1227907" cy="1100854"/>
+            <a:chOff x="10633166" y="758844"/>
+            <a:chExt cx="1227907" cy="1100854"/>
+          </a:xfrm>
+        </p:grpSpPr>
+        <p:sp>
+          <p:nvSpPr>
+            <p:cNvPr id="21" name="직사각형 20"/>
+            <p:cNvSpPr/>
+            <p:nvPr/>
+          </p:nvSpPr>
+          <p:spPr>
+            <a:xfrm>
+              <a:off x="10633166" y="824159"/>
+              <a:ext cx="365760" cy="226841"/>
+            </a:xfrm>
+            <a:prstGeom prst="rect">
+              <a:avLst/>
+            </a:prstGeom>
+            <a:solidFill>
+              <a:srgbClr val="00B050"/>
+            </a:solidFill>
+            <a:ln>
+              <a:noFill/>
+            </a:ln>
+          </p:spPr>
+          <p:style>
+            <a:lnRef idx="2">
+              <a:schemeClr val="accent1">
+                <a:shade val="50000"/>
+              </a:schemeClr>
+            </a:lnRef>
+            <a:fillRef idx="1">
+              <a:schemeClr val="accent1"/>
+            </a:fillRef>
+            <a:effectRef idx="0">
+              <a:schemeClr val="accent1"/>
+            </a:effectRef>
+            <a:fontRef idx="minor">
+              <a:schemeClr val="lt1"/>
+            </a:fontRef>
+          </p:style>
+          <p:txBody>
+            <a:bodyPr rtlCol="0" anchor="ctr"/>
+            <a:lstStyle/>
+            <a:p>
+              <a:pPr algn="ctr"/>
+              <a:endParaRPr lang="ko-KR" altLang="en-US">
+                <a:solidFill>
+                  <a:schemeClr val="accent1"/>
+                </a:solidFill>
+              </a:endParaRPr>
+            </a:p>
+          </p:txBody>
+        </p:sp>
+        <p:sp>
+          <p:nvSpPr>
+            <p:cNvPr id="35" name="직사각형 34"/>
+            <p:cNvSpPr/>
+            <p:nvPr/>
+          </p:nvSpPr>
+          <p:spPr>
+            <a:xfrm>
+              <a:off x="10633166" y="1093725"/>
+              <a:ext cx="365760" cy="226841"/>
+            </a:xfrm>
+            <a:prstGeom prst="rect">
+              <a:avLst/>
+            </a:prstGeom>
+            <a:solidFill>
+              <a:srgbClr val="C00000"/>
+            </a:solidFill>
+            <a:ln>
+              <a:noFill/>
+            </a:ln>
+          </p:spPr>
+          <p:style>
+            <a:lnRef idx="2">
+              <a:schemeClr val="accent1">
+                <a:shade val="50000"/>
+              </a:schemeClr>
+            </a:lnRef>
+            <a:fillRef idx="1">
+              <a:schemeClr val="accent1"/>
+            </a:fillRef>
+            <a:effectRef idx="0">
+              <a:schemeClr val="accent1"/>
+            </a:effectRef>
+            <a:fontRef idx="minor">
+              <a:schemeClr val="lt1"/>
+            </a:fontRef>
+          </p:style>
+          <p:txBody>
+            <a:bodyPr rtlCol="0" anchor="ctr"/>
+            <a:lstStyle/>
+            <a:p>
+              <a:pPr algn="ctr"/>
+              <a:endParaRPr lang="ko-KR" altLang="en-US">
+                <a:solidFill>
+                  <a:schemeClr val="accent1"/>
+                </a:solidFill>
+              </a:endParaRPr>
+            </a:p>
+          </p:txBody>
+        </p:sp>
+        <p:sp>
+          <p:nvSpPr>
+            <p:cNvPr id="36" name="직사각형 35"/>
+            <p:cNvSpPr/>
+            <p:nvPr/>
+          </p:nvSpPr>
+          <p:spPr>
+            <a:xfrm>
+              <a:off x="10633166" y="1363291"/>
+              <a:ext cx="365760" cy="226841"/>
+            </a:xfrm>
+            <a:prstGeom prst="rect">
+              <a:avLst/>
+            </a:prstGeom>
+            <a:solidFill>
+              <a:srgbClr val="0070C0"/>
+            </a:solidFill>
+            <a:ln>
+              <a:noFill/>
+            </a:ln>
+          </p:spPr>
+          <p:style>
+            <a:lnRef idx="2">
+              <a:schemeClr val="accent1">
+                <a:shade val="50000"/>
+              </a:schemeClr>
+            </a:lnRef>
+            <a:fillRef idx="1">
+              <a:schemeClr val="accent1"/>
+            </a:fillRef>
+            <a:effectRef idx="0">
+              <a:schemeClr val="accent1"/>
+            </a:effectRef>
+            <a:fontRef idx="minor">
+              <a:schemeClr val="lt1"/>
+            </a:fontRef>
+          </p:style>
+          <p:txBody>
+            <a:bodyPr rtlCol="0" anchor="ctr"/>
+            <a:lstStyle/>
+            <a:p>
+              <a:pPr algn="ctr"/>
+              <a:endParaRPr lang="ko-KR" altLang="en-US">
+                <a:solidFill>
+                  <a:schemeClr val="accent1"/>
+                </a:solidFill>
+              </a:endParaRPr>
+            </a:p>
+          </p:txBody>
+        </p:sp>
+        <p:sp>
+          <p:nvSpPr>
+            <p:cNvPr id="37" name="직사각형 36"/>
+            <p:cNvSpPr/>
+            <p:nvPr/>
+          </p:nvSpPr>
+          <p:spPr>
+            <a:xfrm>
+              <a:off x="10633166" y="1632857"/>
+              <a:ext cx="365760" cy="226841"/>
+            </a:xfrm>
+            <a:prstGeom prst="rect">
+              <a:avLst/>
+            </a:prstGeom>
+            <a:solidFill>
+              <a:srgbClr val="7030A0"/>
+            </a:solidFill>
+            <a:ln>
+              <a:noFill/>
+            </a:ln>
+          </p:spPr>
+          <p:style>
+            <a:lnRef idx="2">
+              <a:schemeClr val="accent1">
+                <a:shade val="50000"/>
+              </a:schemeClr>
+            </a:lnRef>
+            <a:fillRef idx="1">
+              <a:schemeClr val="accent1"/>
+            </a:fillRef>
+            <a:effectRef idx="0">
+              <a:schemeClr val="accent1"/>
+            </a:effectRef>
+            <a:fontRef idx="minor">
+              <a:schemeClr val="lt1"/>
+            </a:fontRef>
+          </p:style>
+          <p:txBody>
+            <a:bodyPr rtlCol="0" anchor="ctr"/>
+            <a:lstStyle/>
+            <a:p>
+              <a:pPr algn="ctr"/>
+              <a:endParaRPr lang="ko-KR" altLang="en-US">
+                <a:solidFill>
+                  <a:schemeClr val="accent1"/>
+                </a:solidFill>
+              </a:endParaRPr>
+            </a:p>
+          </p:txBody>
+        </p:sp>
+        <p:sp>
+          <p:nvSpPr>
+            <p:cNvPr id="38" name="TextBox 37"/>
+            <p:cNvSpPr txBox="1"/>
+            <p:nvPr/>
+          </p:nvSpPr>
+          <p:spPr>
+            <a:xfrm>
+              <a:off x="11011987" y="758844"/>
+              <a:ext cx="849086" cy="261610"/>
+            </a:xfrm>
+            <a:prstGeom prst="rect">
+              <a:avLst/>
+            </a:prstGeom>
+            <a:noFill/>
+          </p:spPr>
+          <p:txBody>
+            <a:bodyPr wrap="square" rtlCol="0">
+              <a:spAutoFit/>
+            </a:bodyPr>
+            <a:lstStyle/>
+            <a:p>
+              <a:r>
+                <a:rPr lang="en-US" altLang="ko-KR" sz="1100" dirty="0" smtClean="0"/>
+                <a:t>Novice</a:t>
+              </a:r>
+              <a:endParaRPr lang="ko-KR" altLang="en-US" sz="1100" dirty="0"/>
+            </a:p>
+          </p:txBody>
+        </p:sp>
+        <p:sp>
+          <p:nvSpPr>
+            <p:cNvPr id="39" name="TextBox 38"/>
+            <p:cNvSpPr txBox="1"/>
+            <p:nvPr/>
+          </p:nvSpPr>
+          <p:spPr>
+            <a:xfrm>
+              <a:off x="11011987" y="1032830"/>
+              <a:ext cx="849086" cy="261610"/>
+            </a:xfrm>
+            <a:prstGeom prst="rect">
+              <a:avLst/>
+            </a:prstGeom>
+            <a:noFill/>
+          </p:spPr>
+          <p:txBody>
+            <a:bodyPr wrap="square" rtlCol="0">
+              <a:spAutoFit/>
+            </a:bodyPr>
+            <a:lstStyle/>
+            <a:p>
+              <a:r>
+                <a:rPr lang="en-US" altLang="ko-KR" sz="1100" dirty="0" smtClean="0"/>
+                <a:t>Slapstick</a:t>
+              </a:r>
+              <a:endParaRPr lang="ko-KR" altLang="en-US" sz="1100" dirty="0"/>
+            </a:p>
+          </p:txBody>
+        </p:sp>
+        <p:sp>
+          <p:nvSpPr>
+            <p:cNvPr id="40" name="TextBox 39"/>
+            <p:cNvSpPr txBox="1"/>
+            <p:nvPr/>
+          </p:nvSpPr>
+          <p:spPr>
+            <a:xfrm>
+              <a:off x="11011987" y="1324102"/>
+              <a:ext cx="849086" cy="261610"/>
+            </a:xfrm>
+            <a:prstGeom prst="rect">
+              <a:avLst/>
+            </a:prstGeom>
+            <a:noFill/>
+          </p:spPr>
+          <p:txBody>
+            <a:bodyPr wrap="square" rtlCol="0">
+              <a:spAutoFit/>
+            </a:bodyPr>
+            <a:lstStyle/>
+            <a:p>
+              <a:r>
+                <a:rPr lang="en-US" altLang="ko-KR" sz="1100" dirty="0" smtClean="0"/>
+                <a:t>Expert</a:t>
+              </a:r>
+              <a:endParaRPr lang="ko-KR" altLang="en-US" sz="1100" dirty="0"/>
+            </a:p>
+          </p:txBody>
+        </p:sp>
+        <p:sp>
+          <p:nvSpPr>
+            <p:cNvPr id="41" name="TextBox 40"/>
+            <p:cNvSpPr txBox="1"/>
+            <p:nvPr/>
+          </p:nvSpPr>
+          <p:spPr>
+            <a:xfrm>
+              <a:off x="11011987" y="1585712"/>
+              <a:ext cx="849086" cy="261610"/>
+            </a:xfrm>
+            <a:prstGeom prst="rect">
+              <a:avLst/>
+            </a:prstGeom>
+            <a:noFill/>
+          </p:spPr>
+          <p:txBody>
+            <a:bodyPr wrap="square" rtlCol="0">
+              <a:spAutoFit/>
+            </a:bodyPr>
+            <a:lstStyle/>
+            <a:p>
+              <a:r>
+                <a:rPr lang="en-US" altLang="ko-KR" sz="1100" dirty="0" smtClean="0"/>
+                <a:t>Circus</a:t>
+              </a:r>
+              <a:endParaRPr lang="ko-KR" altLang="en-US" sz="1100" dirty="0"/>
+            </a:p>
+          </p:txBody>
+        </p:sp>
+      </p:grpSp>
+    </p:spTree>
+    <p:extLst>
+      <p:ext uri="{BB962C8B-B14F-4D97-AF65-F5344CB8AC3E}">
+        <p14:creationId xmlns:p14="http://schemas.microsoft.com/office/powerpoint/2010/main" val="1323849150"/>
+      </p:ext>
+    </p:extLst>
+  </p:cSld>
+  <p:clrMapOvr>
+    <a:masterClrMapping/>
+  </p:clrMapOvr>
+  <p:timing>
+    <p:tnLst>
+      <p:par>
+        <p:cTn id="1" dur="indefinite" restart="never" nodeType="tmRoot"/>
+      </p:par>
+    </p:tnLst>
+  </p:timing>
+</p:sld>
+</file>
+
+<file path=ppt/slides/slide24.xml><?xml version="1.0" encoding="utf-8"?>
+<p:sld xmlns:a="http://schemas.openxmlformats.org/drawingml/2006/main" xmlns:r="http://schemas.openxmlformats.org/officeDocument/2006/relationships" xmlns:p="http://schemas.openxmlformats.org/presentationml/2006/main">
+  <p:cSld>
+    <p:bg>
+      <p:bgPr>
+        <a:solidFill>
+          <a:srgbClr val="EAEEFA"/>
+        </a:solidFill>
+        <a:effectLst/>
+      </p:bgPr>
+    </p:bg>
+    <p:spTree>
+      <p:nvGrpSpPr>
+        <p:cNvPr id="1" name=""/>
+        <p:cNvGrpSpPr/>
+        <p:nvPr/>
+      </p:nvGrpSpPr>
+      <p:grpSpPr>
+        <a:xfrm>
+          <a:off x="0" y="0"/>
+          <a:ext cx="0" cy="0"/>
+          <a:chOff x="0" y="0"/>
+          <a:chExt cx="0" cy="0"/>
+        </a:xfrm>
+      </p:grpSpPr>
+      <p:cxnSp>
+        <p:nvCxnSpPr>
+          <p:cNvPr id="23" name="직선 연결선 22"/>
+          <p:cNvCxnSpPr/>
+          <p:nvPr/>
+        </p:nvCxnSpPr>
+        <p:spPr>
+          <a:xfrm>
+            <a:off x="589055" y="427040"/>
+            <a:ext cx="10800000" cy="0"/>
+          </a:xfrm>
+          <a:prstGeom prst="line">
+            <a:avLst/>
+          </a:prstGeom>
+          <a:ln>
+            <a:solidFill>
+              <a:srgbClr val="D02646"/>
+            </a:solidFill>
+          </a:ln>
+        </p:spPr>
+        <p:style>
+          <a:lnRef idx="1">
+            <a:schemeClr val="accent1"/>
+          </a:lnRef>
+          <a:fillRef idx="0">
+            <a:schemeClr val="accent1"/>
+          </a:fillRef>
+          <a:effectRef idx="0">
+            <a:schemeClr val="accent1"/>
+          </a:effectRef>
+          <a:fontRef idx="minor">
+            <a:schemeClr val="tx1"/>
+          </a:fontRef>
+        </p:style>
+      </p:cxnSp>
+      <p:sp>
+        <p:nvSpPr>
+          <p:cNvPr id="24" name="직사각형 23"/>
+          <p:cNvSpPr/>
+          <p:nvPr/>
+        </p:nvSpPr>
+        <p:spPr>
+          <a:xfrm>
+            <a:off x="3646530" y="0"/>
+            <a:ext cx="4971967" cy="646331"/>
+          </a:xfrm>
+          <a:prstGeom prst="rect">
+            <a:avLst/>
+          </a:prstGeom>
+          <a:solidFill>
+            <a:srgbClr val="EAEEFA"/>
+          </a:solidFill>
+        </p:spPr>
+        <p:txBody>
+          <a:bodyPr wrap="square">
+            <a:spAutoFit/>
+          </a:bodyPr>
+          <a:lstStyle/>
+          <a:p>
+            <a:pPr algn="ctr" fontAlgn="base"/>
+            <a:r>
+              <a:rPr lang="ko-KR" altLang="en-US" b="1" dirty="0"/>
+              <a:t>방송을 통한 </a:t>
+            </a:r>
+            <a:r>
+              <a:rPr lang="ko-KR" altLang="en-US" b="1" dirty="0" err="1"/>
+              <a:t>루돌로지</a:t>
+            </a:r>
+            <a:r>
+              <a:rPr lang="ko-KR" altLang="en-US" b="1" dirty="0"/>
+              <a:t> 게임의 </a:t>
+            </a:r>
+            <a:r>
+              <a:rPr lang="ko-KR" altLang="en-US" b="1" dirty="0" err="1"/>
+              <a:t>스토리텔링</a:t>
+            </a:r>
+            <a:r>
+              <a:rPr lang="ko-KR" altLang="en-US" b="1" dirty="0"/>
+              <a:t> </a:t>
+            </a:r>
+            <a:r>
+              <a:rPr lang="en-US" altLang="ko-KR" b="1" dirty="0" smtClean="0"/>
+              <a:t/>
+            </a:r>
+            <a:br>
+              <a:rPr lang="en-US" altLang="ko-KR" b="1" dirty="0" smtClean="0"/>
+            </a:br>
+            <a:r>
+              <a:rPr lang="ko-KR" altLang="en-US" b="1" dirty="0" smtClean="0"/>
+              <a:t>획득과 </a:t>
+            </a:r>
+            <a:r>
+              <a:rPr lang="ko-KR" altLang="en-US" b="1" dirty="0"/>
+              <a:t>게임 기획에의 적용 </a:t>
+            </a:r>
+            <a:r>
+              <a:rPr lang="ko-KR" altLang="en-US" b="1" dirty="0" smtClean="0"/>
+              <a:t>연구</a:t>
+            </a:r>
+            <a:endParaRPr lang="ko-KR" altLang="en-US" b="1" dirty="0"/>
+          </a:p>
+        </p:txBody>
+      </p:sp>
+      <p:cxnSp>
+        <p:nvCxnSpPr>
+          <p:cNvPr id="25" name="직선 연결선 24"/>
+          <p:cNvCxnSpPr/>
+          <p:nvPr/>
+        </p:nvCxnSpPr>
+        <p:spPr>
+          <a:xfrm>
+            <a:off x="589055" y="6637347"/>
+            <a:ext cx="10800000" cy="0"/>
+          </a:xfrm>
+          <a:prstGeom prst="line">
+            <a:avLst/>
+          </a:prstGeom>
+          <a:ln>
+            <a:solidFill>
+              <a:srgbClr val="D02646"/>
+            </a:solidFill>
+          </a:ln>
+        </p:spPr>
+        <p:style>
+          <a:lnRef idx="1">
+            <a:schemeClr val="accent1"/>
+          </a:lnRef>
+          <a:fillRef idx="0">
+            <a:schemeClr val="accent1"/>
+          </a:fillRef>
+          <a:effectRef idx="0">
+            <a:schemeClr val="accent1"/>
+          </a:effectRef>
+          <a:fontRef idx="minor">
+            <a:schemeClr val="tx1"/>
+          </a:fontRef>
+        </p:style>
+      </p:cxnSp>
+      <p:sp>
+        <p:nvSpPr>
+          <p:cNvPr id="33" name="직사각형 32">
+            <a:extLst>
+              <a:ext uri="{FF2B5EF4-FFF2-40B4-BE49-F238E27FC236}">
+                <a16:creationId xmlns:a16="http://schemas.microsoft.com/office/drawing/2014/main" id="{3FA00699-5178-465A-9F3F-130CF1431F70}"/>
+              </a:ext>
+            </a:extLst>
+          </p:cNvPr>
+          <p:cNvSpPr/>
+          <p:nvPr/>
+        </p:nvSpPr>
+        <p:spPr>
+          <a:xfrm>
+            <a:off x="589055" y="547161"/>
+            <a:ext cx="3924756" cy="646331"/>
+          </a:xfrm>
+          <a:prstGeom prst="rect">
+            <a:avLst/>
+          </a:prstGeom>
+        </p:spPr>
+        <p:txBody>
+          <a:bodyPr wrap="square" anchor="ctr">
+            <a:spAutoFit/>
+          </a:bodyPr>
+          <a:lstStyle/>
+          <a:p>
+            <a:pPr>
+              <a:lnSpc>
+                <a:spcPct val="150000"/>
+              </a:lnSpc>
+            </a:pPr>
+            <a:r>
+              <a:rPr lang="ko-KR" altLang="en-US" sz="2400" b="1" dirty="0" err="1" smtClean="0">
+                <a:solidFill>
+                  <a:srgbClr val="44546A">
+                    <a:lumMod val="75000"/>
+                  </a:srgbClr>
+                </a:solidFill>
+              </a:rPr>
+              <a:t>닥터준</a:t>
+            </a:r>
+            <a:r>
+              <a:rPr lang="ko-KR" altLang="en-US" sz="2400" b="1" dirty="0" smtClean="0">
+                <a:solidFill>
+                  <a:srgbClr val="44546A">
+                    <a:lumMod val="75000"/>
+                  </a:srgbClr>
+                </a:solidFill>
+              </a:rPr>
+              <a:t> </a:t>
+            </a:r>
+            <a:r>
+              <a:rPr lang="en-US" altLang="ko-KR" sz="2400" b="1" dirty="0" smtClean="0">
+                <a:solidFill>
+                  <a:srgbClr val="44546A">
+                    <a:lumMod val="75000"/>
+                  </a:srgbClr>
+                </a:solidFill>
+              </a:rPr>
+              <a:t>(</a:t>
+            </a:r>
+            <a:r>
+              <a:rPr lang="en-US" altLang="ko-KR" sz="2400" b="1" dirty="0" err="1" smtClean="0">
+                <a:solidFill>
+                  <a:srgbClr val="44546A">
+                    <a:lumMod val="75000"/>
+                  </a:srgbClr>
+                </a:solidFill>
+              </a:rPr>
+              <a:t>Overwatch</a:t>
+            </a:r>
+            <a:r>
+              <a:rPr lang="en-US" altLang="ko-KR" sz="2400" b="1" dirty="0" smtClean="0">
+                <a:solidFill>
+                  <a:srgbClr val="44546A">
+                    <a:lumMod val="75000"/>
+                  </a:srgbClr>
+                </a:solidFill>
+              </a:rPr>
+              <a:t>)</a:t>
+            </a:r>
+          </a:p>
+        </p:txBody>
+      </p:sp>
+      <p:sp>
+        <p:nvSpPr>
+          <p:cNvPr id="14" name="직사각형 13">
+            <a:extLst>
+              <a:ext uri="{FF2B5EF4-FFF2-40B4-BE49-F238E27FC236}">
+                <a16:creationId xmlns:a16="http://schemas.microsoft.com/office/drawing/2014/main" id="{3FA00699-5178-465A-9F3F-130CF1431F70}"/>
+              </a:ext>
+            </a:extLst>
+          </p:cNvPr>
+          <p:cNvSpPr/>
+          <p:nvPr/>
+        </p:nvSpPr>
+        <p:spPr>
+          <a:xfrm>
+            <a:off x="589055" y="52290"/>
+            <a:ext cx="2889249" cy="373885"/>
+          </a:xfrm>
+          <a:prstGeom prst="rect">
+            <a:avLst/>
+          </a:prstGeom>
+        </p:spPr>
+        <p:txBody>
+          <a:bodyPr wrap="square" anchor="ctr">
+            <a:spAutoFit/>
+          </a:bodyPr>
+          <a:lstStyle/>
+          <a:p>
+            <a:pPr>
+              <a:lnSpc>
+                <a:spcPct val="150000"/>
+              </a:lnSpc>
+            </a:pPr>
+            <a:r>
+              <a:rPr lang="en-US" altLang="ko-KR" sz="1400" b="1" dirty="0"/>
+              <a:t>4. </a:t>
+            </a:r>
+            <a:r>
+              <a:rPr lang="ko-KR" altLang="en-US" sz="1400" b="1" dirty="0"/>
+              <a:t>영상 카테고리 그래프</a:t>
+            </a:r>
+            <a:endParaRPr lang="en-US" altLang="ko-KR" sz="1400" b="1" dirty="0"/>
+          </a:p>
+        </p:txBody>
+      </p:sp>
+      <p:graphicFrame>
+        <p:nvGraphicFramePr>
+          <p:cNvPr id="4" name="차트 3"/>
+          <p:cNvGraphicFramePr/>
+          <p:nvPr>
+            <p:extLst>
+              <p:ext uri="{D42A27DB-BD31-4B8C-83A1-F6EECF244321}">
+                <p14:modId xmlns:p14="http://schemas.microsoft.com/office/powerpoint/2010/main" val="2124819575"/>
+              </p:ext>
+            </p:extLst>
+          </p:nvPr>
+        </p:nvGraphicFramePr>
+        <p:xfrm>
+          <a:off x="0" y="1883229"/>
+          <a:ext cx="6363926" cy="4533962"/>
+        </p:xfrm>
+        <a:graphic>
+          <a:graphicData uri="http://schemas.openxmlformats.org/drawingml/2006/chart">
+            <c:chart xmlns:c="http://schemas.openxmlformats.org/drawingml/2006/chart" xmlns:r="http://schemas.openxmlformats.org/officeDocument/2006/relationships" r:id="rId2"/>
+          </a:graphicData>
+        </a:graphic>
+      </p:graphicFrame>
+      <p:graphicFrame>
+        <p:nvGraphicFramePr>
+          <p:cNvPr id="11" name="차트 10"/>
+          <p:cNvGraphicFramePr/>
+          <p:nvPr>
+            <p:extLst>
+              <p:ext uri="{D42A27DB-BD31-4B8C-83A1-F6EECF244321}">
+                <p14:modId xmlns:p14="http://schemas.microsoft.com/office/powerpoint/2010/main" val="1601210640"/>
+              </p:ext>
+            </p:extLst>
+          </p:nvPr>
+        </p:nvGraphicFramePr>
+        <p:xfrm>
+          <a:off x="5828074" y="1883229"/>
+          <a:ext cx="6363926" cy="4533962"/>
+        </p:xfrm>
+        <a:graphic>
+          <a:graphicData uri="http://schemas.openxmlformats.org/drawingml/2006/chart">
+            <c:chart xmlns:c="http://schemas.openxmlformats.org/drawingml/2006/chart" xmlns:r="http://schemas.openxmlformats.org/officeDocument/2006/relationships" r:id="rId3"/>
+          </a:graphicData>
+        </a:graphic>
+      </p:graphicFrame>
+      <p:sp>
+        <p:nvSpPr>
+          <p:cNvPr id="9" name="TextBox 8"/>
+          <p:cNvSpPr txBox="1"/>
+          <p:nvPr/>
+        </p:nvSpPr>
+        <p:spPr>
+          <a:xfrm>
+            <a:off x="589055" y="1632857"/>
+            <a:ext cx="1782486" cy="369332"/>
+          </a:xfrm>
+          <a:prstGeom prst="rect">
+            <a:avLst/>
+          </a:prstGeom>
+          <a:noFill/>
+        </p:spPr>
+        <p:txBody>
+          <a:bodyPr wrap="square" rtlCol="0">
+            <a:spAutoFit/>
+          </a:bodyPr>
+          <a:lstStyle/>
+          <a:p>
+            <a:pPr algn="ctr"/>
+            <a:r>
+              <a:rPr lang="ko-KR" altLang="en-US" b="1" dirty="0" smtClean="0"/>
+              <a:t>영상 개수</a:t>
+            </a:r>
+            <a:endParaRPr lang="ko-KR" altLang="en-US" b="1" dirty="0"/>
+          </a:p>
+        </p:txBody>
+      </p:sp>
+      <p:sp>
+        <p:nvSpPr>
+          <p:cNvPr id="10" name="TextBox 9"/>
+          <p:cNvSpPr txBox="1"/>
+          <p:nvPr/>
+        </p:nvSpPr>
+        <p:spPr>
+          <a:xfrm>
+            <a:off x="6310587" y="1632857"/>
+            <a:ext cx="1782486" cy="369332"/>
+          </a:xfrm>
+          <a:prstGeom prst="rect">
+            <a:avLst/>
+          </a:prstGeom>
+          <a:noFill/>
+        </p:spPr>
+        <p:txBody>
+          <a:bodyPr wrap="square" rtlCol="0">
+            <a:spAutoFit/>
+          </a:bodyPr>
+          <a:lstStyle/>
+          <a:p>
+            <a:pPr algn="ctr"/>
+            <a:r>
+              <a:rPr lang="ko-KR" altLang="en-US" b="1" dirty="0" smtClean="0"/>
+              <a:t>총 조회수</a:t>
+            </a:r>
+            <a:endParaRPr lang="ko-KR" altLang="en-US" b="1" dirty="0"/>
+          </a:p>
+        </p:txBody>
+      </p:sp>
+      <p:grpSp>
+        <p:nvGrpSpPr>
+          <p:cNvPr id="20" name="그룹 19"/>
+          <p:cNvGrpSpPr/>
+          <p:nvPr/>
+        </p:nvGrpSpPr>
+        <p:grpSpPr>
+          <a:xfrm>
+            <a:off x="5696633" y="5265529"/>
+            <a:ext cx="1227907" cy="1100854"/>
+            <a:chOff x="10633166" y="758844"/>
+            <a:chExt cx="1227907" cy="1100854"/>
+          </a:xfrm>
+        </p:grpSpPr>
+        <p:sp>
+          <p:nvSpPr>
+            <p:cNvPr id="21" name="직사각형 20"/>
+            <p:cNvSpPr/>
+            <p:nvPr/>
+          </p:nvSpPr>
+          <p:spPr>
+            <a:xfrm>
+              <a:off x="10633166" y="824159"/>
+              <a:ext cx="365760" cy="226841"/>
+            </a:xfrm>
+            <a:prstGeom prst="rect">
+              <a:avLst/>
+            </a:prstGeom>
+            <a:solidFill>
+              <a:srgbClr val="00B050"/>
+            </a:solidFill>
+            <a:ln>
+              <a:noFill/>
+            </a:ln>
+          </p:spPr>
+          <p:style>
+            <a:lnRef idx="2">
+              <a:schemeClr val="accent1">
+                <a:shade val="50000"/>
+              </a:schemeClr>
+            </a:lnRef>
+            <a:fillRef idx="1">
+              <a:schemeClr val="accent1"/>
+            </a:fillRef>
+            <a:effectRef idx="0">
+              <a:schemeClr val="accent1"/>
+            </a:effectRef>
+            <a:fontRef idx="minor">
+              <a:schemeClr val="lt1"/>
+            </a:fontRef>
+          </p:style>
+          <p:txBody>
+            <a:bodyPr rtlCol="0" anchor="ctr"/>
+            <a:lstStyle/>
+            <a:p>
+              <a:pPr algn="ctr"/>
+              <a:endParaRPr lang="ko-KR" altLang="en-US">
+                <a:solidFill>
+                  <a:schemeClr val="accent1"/>
+                </a:solidFill>
+              </a:endParaRPr>
+            </a:p>
+          </p:txBody>
+        </p:sp>
+        <p:sp>
+          <p:nvSpPr>
+            <p:cNvPr id="35" name="직사각형 34"/>
+            <p:cNvSpPr/>
+            <p:nvPr/>
+          </p:nvSpPr>
+          <p:spPr>
+            <a:xfrm>
+              <a:off x="10633166" y="1093725"/>
+              <a:ext cx="365760" cy="226841"/>
+            </a:xfrm>
+            <a:prstGeom prst="rect">
+              <a:avLst/>
+            </a:prstGeom>
+            <a:solidFill>
+              <a:srgbClr val="C00000"/>
+            </a:solidFill>
+            <a:ln>
+              <a:noFill/>
+            </a:ln>
+          </p:spPr>
+          <p:style>
+            <a:lnRef idx="2">
+              <a:schemeClr val="accent1">
+                <a:shade val="50000"/>
+              </a:schemeClr>
+            </a:lnRef>
+            <a:fillRef idx="1">
+              <a:schemeClr val="accent1"/>
+            </a:fillRef>
+            <a:effectRef idx="0">
+              <a:schemeClr val="accent1"/>
+            </a:effectRef>
+            <a:fontRef idx="minor">
+              <a:schemeClr val="lt1"/>
+            </a:fontRef>
+          </p:style>
+          <p:txBody>
+            <a:bodyPr rtlCol="0" anchor="ctr"/>
+            <a:lstStyle/>
+            <a:p>
+              <a:pPr algn="ctr"/>
+              <a:endParaRPr lang="ko-KR" altLang="en-US">
+                <a:solidFill>
+                  <a:schemeClr val="accent1"/>
+                </a:solidFill>
+              </a:endParaRPr>
+            </a:p>
+          </p:txBody>
+        </p:sp>
+        <p:sp>
+          <p:nvSpPr>
+            <p:cNvPr id="36" name="직사각형 35"/>
+            <p:cNvSpPr/>
+            <p:nvPr/>
+          </p:nvSpPr>
+          <p:spPr>
+            <a:xfrm>
+              <a:off x="10633166" y="1363291"/>
+              <a:ext cx="365760" cy="226841"/>
+            </a:xfrm>
+            <a:prstGeom prst="rect">
+              <a:avLst/>
+            </a:prstGeom>
+            <a:solidFill>
+              <a:srgbClr val="0070C0"/>
+            </a:solidFill>
+            <a:ln>
+              <a:noFill/>
+            </a:ln>
+          </p:spPr>
+          <p:style>
+            <a:lnRef idx="2">
+              <a:schemeClr val="accent1">
+                <a:shade val="50000"/>
+              </a:schemeClr>
+            </a:lnRef>
+            <a:fillRef idx="1">
+              <a:schemeClr val="accent1"/>
+            </a:fillRef>
+            <a:effectRef idx="0">
+              <a:schemeClr val="accent1"/>
+            </a:effectRef>
+            <a:fontRef idx="minor">
+              <a:schemeClr val="lt1"/>
+            </a:fontRef>
+          </p:style>
+          <p:txBody>
+            <a:bodyPr rtlCol="0" anchor="ctr"/>
+            <a:lstStyle/>
+            <a:p>
+              <a:pPr algn="ctr"/>
+              <a:endParaRPr lang="ko-KR" altLang="en-US">
+                <a:solidFill>
+                  <a:schemeClr val="accent1"/>
+                </a:solidFill>
+              </a:endParaRPr>
+            </a:p>
+          </p:txBody>
+        </p:sp>
+        <p:sp>
+          <p:nvSpPr>
+            <p:cNvPr id="37" name="직사각형 36"/>
+            <p:cNvSpPr/>
+            <p:nvPr/>
+          </p:nvSpPr>
+          <p:spPr>
+            <a:xfrm>
+              <a:off x="10633166" y="1632857"/>
+              <a:ext cx="365760" cy="226841"/>
+            </a:xfrm>
+            <a:prstGeom prst="rect">
+              <a:avLst/>
+            </a:prstGeom>
+            <a:solidFill>
+              <a:srgbClr val="7030A0"/>
+            </a:solidFill>
+            <a:ln>
+              <a:noFill/>
+            </a:ln>
+          </p:spPr>
+          <p:style>
+            <a:lnRef idx="2">
+              <a:schemeClr val="accent1">
+                <a:shade val="50000"/>
+              </a:schemeClr>
+            </a:lnRef>
+            <a:fillRef idx="1">
+              <a:schemeClr val="accent1"/>
+            </a:fillRef>
+            <a:effectRef idx="0">
+              <a:schemeClr val="accent1"/>
+            </a:effectRef>
+            <a:fontRef idx="minor">
+              <a:schemeClr val="lt1"/>
+            </a:fontRef>
+          </p:style>
+          <p:txBody>
+            <a:bodyPr rtlCol="0" anchor="ctr"/>
+            <a:lstStyle/>
+            <a:p>
+              <a:pPr algn="ctr"/>
+              <a:endParaRPr lang="ko-KR" altLang="en-US">
+                <a:solidFill>
+                  <a:schemeClr val="accent1"/>
+                </a:solidFill>
+              </a:endParaRPr>
+            </a:p>
+          </p:txBody>
+        </p:sp>
+        <p:sp>
+          <p:nvSpPr>
+            <p:cNvPr id="38" name="TextBox 37"/>
+            <p:cNvSpPr txBox="1"/>
+            <p:nvPr/>
+          </p:nvSpPr>
+          <p:spPr>
+            <a:xfrm>
+              <a:off x="11011987" y="758844"/>
+              <a:ext cx="849086" cy="261610"/>
+            </a:xfrm>
+            <a:prstGeom prst="rect">
+              <a:avLst/>
+            </a:prstGeom>
+            <a:noFill/>
+          </p:spPr>
+          <p:txBody>
+            <a:bodyPr wrap="square" rtlCol="0">
+              <a:spAutoFit/>
+            </a:bodyPr>
+            <a:lstStyle/>
+            <a:p>
+              <a:r>
+                <a:rPr lang="en-US" altLang="ko-KR" sz="1100" dirty="0" smtClean="0"/>
+                <a:t>Novice</a:t>
+              </a:r>
+              <a:endParaRPr lang="ko-KR" altLang="en-US" sz="1100" dirty="0"/>
+            </a:p>
+          </p:txBody>
+        </p:sp>
+        <p:sp>
+          <p:nvSpPr>
+            <p:cNvPr id="39" name="TextBox 38"/>
+            <p:cNvSpPr txBox="1"/>
+            <p:nvPr/>
+          </p:nvSpPr>
+          <p:spPr>
+            <a:xfrm>
+              <a:off x="11011987" y="1032830"/>
+              <a:ext cx="849086" cy="261610"/>
+            </a:xfrm>
+            <a:prstGeom prst="rect">
+              <a:avLst/>
+            </a:prstGeom>
+            <a:noFill/>
+          </p:spPr>
+          <p:txBody>
+            <a:bodyPr wrap="square" rtlCol="0">
+              <a:spAutoFit/>
+            </a:bodyPr>
+            <a:lstStyle/>
+            <a:p>
+              <a:r>
+                <a:rPr lang="en-US" altLang="ko-KR" sz="1100" dirty="0" smtClean="0"/>
+                <a:t>Slapstick</a:t>
+              </a:r>
+              <a:endParaRPr lang="ko-KR" altLang="en-US" sz="1100" dirty="0"/>
+            </a:p>
+          </p:txBody>
+        </p:sp>
+        <p:sp>
+          <p:nvSpPr>
+            <p:cNvPr id="40" name="TextBox 39"/>
+            <p:cNvSpPr txBox="1"/>
+            <p:nvPr/>
+          </p:nvSpPr>
+          <p:spPr>
+            <a:xfrm>
+              <a:off x="11011987" y="1324102"/>
+              <a:ext cx="849086" cy="261610"/>
+            </a:xfrm>
+            <a:prstGeom prst="rect">
+              <a:avLst/>
+            </a:prstGeom>
+            <a:noFill/>
+          </p:spPr>
+          <p:txBody>
+            <a:bodyPr wrap="square" rtlCol="0">
+              <a:spAutoFit/>
+            </a:bodyPr>
+            <a:lstStyle/>
+            <a:p>
+              <a:r>
+                <a:rPr lang="en-US" altLang="ko-KR" sz="1100" dirty="0" smtClean="0"/>
+                <a:t>Expert</a:t>
+              </a:r>
+              <a:endParaRPr lang="ko-KR" altLang="en-US" sz="1100" dirty="0"/>
+            </a:p>
+          </p:txBody>
+        </p:sp>
+        <p:sp>
+          <p:nvSpPr>
+            <p:cNvPr id="41" name="TextBox 40"/>
+            <p:cNvSpPr txBox="1"/>
+            <p:nvPr/>
+          </p:nvSpPr>
+          <p:spPr>
+            <a:xfrm>
+              <a:off x="11011987" y="1585712"/>
+              <a:ext cx="849086" cy="261610"/>
+            </a:xfrm>
+            <a:prstGeom prst="rect">
+              <a:avLst/>
+            </a:prstGeom>
+            <a:noFill/>
+          </p:spPr>
+          <p:txBody>
+            <a:bodyPr wrap="square" rtlCol="0">
+              <a:spAutoFit/>
+            </a:bodyPr>
+            <a:lstStyle/>
+            <a:p>
+              <a:r>
+                <a:rPr lang="en-US" altLang="ko-KR" sz="1100" dirty="0" smtClean="0"/>
+                <a:t>Circus</a:t>
+              </a:r>
+              <a:endParaRPr lang="ko-KR" altLang="en-US" sz="1100" dirty="0"/>
+            </a:p>
+          </p:txBody>
+        </p:sp>
+      </p:grpSp>
+    </p:spTree>
+    <p:extLst>
+      <p:ext uri="{BB962C8B-B14F-4D97-AF65-F5344CB8AC3E}">
+        <p14:creationId xmlns:p14="http://schemas.microsoft.com/office/powerpoint/2010/main" val="4230739297"/>
+      </p:ext>
+    </p:extLst>
+  </p:cSld>
+  <p:clrMapOvr>
+    <a:masterClrMapping/>
+  </p:clrMapOvr>
+  <p:timing>
+    <p:tnLst>
+      <p:par>
+        <p:cTn id="1" dur="indefinite" restart="never" nodeType="tmRoot"/>
+      </p:par>
+    </p:tnLst>
+  </p:timing>
+</p:sld>
+</file>
+
+<file path=ppt/slides/slide25.xml><?xml version="1.0" encoding="utf-8"?>
+<p:sld xmlns:a="http://schemas.openxmlformats.org/drawingml/2006/main" xmlns:r="http://schemas.openxmlformats.org/officeDocument/2006/relationships" xmlns:p="http://schemas.openxmlformats.org/presentationml/2006/main">
+  <p:cSld>
+    <p:bg>
+      <p:bgPr>
+        <a:solidFill>
+          <a:srgbClr val="EAEEFA"/>
+        </a:solidFill>
+        <a:effectLst/>
+      </p:bgPr>
+    </p:bg>
+    <p:spTree>
+      <p:nvGrpSpPr>
+        <p:cNvPr id="1" name=""/>
+        <p:cNvGrpSpPr/>
+        <p:nvPr/>
+      </p:nvGrpSpPr>
+      <p:grpSpPr>
+        <a:xfrm>
+          <a:off x="0" y="0"/>
+          <a:ext cx="0" cy="0"/>
+          <a:chOff x="0" y="0"/>
+          <a:chExt cx="0" cy="0"/>
+        </a:xfrm>
+      </p:grpSpPr>
+      <p:cxnSp>
+        <p:nvCxnSpPr>
+          <p:cNvPr id="23" name="직선 연결선 22"/>
+          <p:cNvCxnSpPr/>
+          <p:nvPr/>
+        </p:nvCxnSpPr>
+        <p:spPr>
+          <a:xfrm>
+            <a:off x="589055" y="427040"/>
+            <a:ext cx="10800000" cy="0"/>
+          </a:xfrm>
+          <a:prstGeom prst="line">
+            <a:avLst/>
+          </a:prstGeom>
+          <a:ln>
+            <a:solidFill>
+              <a:srgbClr val="D02646"/>
+            </a:solidFill>
+          </a:ln>
+        </p:spPr>
+        <p:style>
+          <a:lnRef idx="1">
+            <a:schemeClr val="accent1"/>
+          </a:lnRef>
+          <a:fillRef idx="0">
+            <a:schemeClr val="accent1"/>
+          </a:fillRef>
+          <a:effectRef idx="0">
+            <a:schemeClr val="accent1"/>
+          </a:effectRef>
+          <a:fontRef idx="minor">
+            <a:schemeClr val="tx1"/>
+          </a:fontRef>
+        </p:style>
+      </p:cxnSp>
+      <p:sp>
+        <p:nvSpPr>
+          <p:cNvPr id="24" name="직사각형 23"/>
+          <p:cNvSpPr/>
+          <p:nvPr/>
+        </p:nvSpPr>
+        <p:spPr>
+          <a:xfrm>
+            <a:off x="3646530" y="0"/>
+            <a:ext cx="4971967" cy="646331"/>
+          </a:xfrm>
+          <a:prstGeom prst="rect">
+            <a:avLst/>
+          </a:prstGeom>
+          <a:solidFill>
+            <a:srgbClr val="EAEEFA"/>
+          </a:solidFill>
+        </p:spPr>
+        <p:txBody>
+          <a:bodyPr wrap="square">
+            <a:spAutoFit/>
+          </a:bodyPr>
+          <a:lstStyle/>
+          <a:p>
+            <a:pPr algn="ctr" fontAlgn="base"/>
+            <a:r>
+              <a:rPr lang="ko-KR" altLang="en-US" b="1" dirty="0"/>
+              <a:t>방송을 통한 </a:t>
+            </a:r>
+            <a:r>
+              <a:rPr lang="ko-KR" altLang="en-US" b="1" dirty="0" err="1"/>
+              <a:t>루돌로지</a:t>
+            </a:r>
+            <a:r>
+              <a:rPr lang="ko-KR" altLang="en-US" b="1" dirty="0"/>
+              <a:t> 게임의 </a:t>
+            </a:r>
+            <a:r>
+              <a:rPr lang="ko-KR" altLang="en-US" b="1" dirty="0" err="1"/>
+              <a:t>스토리텔링</a:t>
+            </a:r>
+            <a:r>
+              <a:rPr lang="ko-KR" altLang="en-US" b="1" dirty="0"/>
+              <a:t> </a:t>
+            </a:r>
+            <a:r>
+              <a:rPr lang="en-US" altLang="ko-KR" b="1" dirty="0" smtClean="0"/>
+              <a:t/>
+            </a:r>
+            <a:br>
+              <a:rPr lang="en-US" altLang="ko-KR" b="1" dirty="0" smtClean="0"/>
+            </a:br>
+            <a:r>
+              <a:rPr lang="ko-KR" altLang="en-US" b="1" dirty="0" smtClean="0"/>
+              <a:t>획득과 </a:t>
+            </a:r>
+            <a:r>
+              <a:rPr lang="ko-KR" altLang="en-US" b="1" dirty="0"/>
+              <a:t>게임 기획에의 적용 </a:t>
+            </a:r>
+            <a:r>
+              <a:rPr lang="ko-KR" altLang="en-US" b="1" dirty="0" smtClean="0"/>
+              <a:t>연구</a:t>
+            </a:r>
+            <a:endParaRPr lang="ko-KR" altLang="en-US" b="1" dirty="0"/>
+          </a:p>
+        </p:txBody>
+      </p:sp>
+      <p:cxnSp>
+        <p:nvCxnSpPr>
+          <p:cNvPr id="25" name="직선 연결선 24"/>
+          <p:cNvCxnSpPr/>
+          <p:nvPr/>
+        </p:nvCxnSpPr>
+        <p:spPr>
+          <a:xfrm>
+            <a:off x="589055" y="6637347"/>
+            <a:ext cx="10800000" cy="0"/>
+          </a:xfrm>
+          <a:prstGeom prst="line">
+            <a:avLst/>
+          </a:prstGeom>
+          <a:ln>
+            <a:solidFill>
+              <a:srgbClr val="D02646"/>
+            </a:solidFill>
+          </a:ln>
+        </p:spPr>
+        <p:style>
+          <a:lnRef idx="1">
+            <a:schemeClr val="accent1"/>
+          </a:lnRef>
+          <a:fillRef idx="0">
+            <a:schemeClr val="accent1"/>
+          </a:fillRef>
+          <a:effectRef idx="0">
+            <a:schemeClr val="accent1"/>
+          </a:effectRef>
+          <a:fontRef idx="minor">
+            <a:schemeClr val="tx1"/>
+          </a:fontRef>
+        </p:style>
+      </p:cxnSp>
+      <p:sp>
+        <p:nvSpPr>
+          <p:cNvPr id="33" name="직사각형 32">
+            <a:extLst>
+              <a:ext uri="{FF2B5EF4-FFF2-40B4-BE49-F238E27FC236}">
+                <a16:creationId xmlns:a16="http://schemas.microsoft.com/office/drawing/2014/main" id="{3FA00699-5178-465A-9F3F-130CF1431F70}"/>
+              </a:ext>
+            </a:extLst>
+          </p:cNvPr>
+          <p:cNvSpPr/>
+          <p:nvPr/>
+        </p:nvSpPr>
+        <p:spPr>
+          <a:xfrm>
+            <a:off x="589055" y="582843"/>
+            <a:ext cx="3924756" cy="574966"/>
+          </a:xfrm>
+          <a:prstGeom prst="rect">
+            <a:avLst/>
+          </a:prstGeom>
+        </p:spPr>
+        <p:txBody>
+          <a:bodyPr wrap="square" anchor="ctr">
+            <a:spAutoFit/>
+          </a:bodyPr>
+          <a:lstStyle/>
+          <a:p>
+            <a:pPr>
+              <a:lnSpc>
+                <a:spcPct val="150000"/>
+              </a:lnSpc>
+            </a:pPr>
+            <a:r>
+              <a:rPr lang="ko-KR" altLang="en-US" sz="2400" b="1" dirty="0" smtClean="0">
+                <a:solidFill>
+                  <a:srgbClr val="44546A">
+                    <a:lumMod val="75000"/>
+                  </a:srgbClr>
+                </a:solidFill>
+              </a:rPr>
+              <a:t>무자비 </a:t>
+            </a:r>
+            <a:r>
+              <a:rPr lang="en-US" altLang="ko-KR" sz="2400" b="1" dirty="0" smtClean="0">
+                <a:solidFill>
+                  <a:srgbClr val="44546A">
+                    <a:lumMod val="75000"/>
+                  </a:srgbClr>
+                </a:solidFill>
+              </a:rPr>
+              <a:t>(</a:t>
+            </a:r>
+            <a:r>
+              <a:rPr lang="en-US" altLang="ko-KR" sz="2400" b="1" dirty="0" err="1" smtClean="0">
+                <a:solidFill>
+                  <a:srgbClr val="44546A">
+                    <a:lumMod val="75000"/>
+                  </a:srgbClr>
+                </a:solidFill>
+              </a:rPr>
+              <a:t>SuddenAttack</a:t>
+            </a:r>
+            <a:r>
+              <a:rPr lang="en-US" altLang="ko-KR" sz="2400" b="1" dirty="0" smtClean="0">
+                <a:solidFill>
+                  <a:srgbClr val="44546A">
+                    <a:lumMod val="75000"/>
+                  </a:srgbClr>
+                </a:solidFill>
+              </a:rPr>
+              <a:t>)</a:t>
+            </a:r>
+          </a:p>
+        </p:txBody>
+      </p:sp>
+      <p:sp>
+        <p:nvSpPr>
+          <p:cNvPr id="14" name="직사각형 13">
+            <a:extLst>
+              <a:ext uri="{FF2B5EF4-FFF2-40B4-BE49-F238E27FC236}">
+                <a16:creationId xmlns:a16="http://schemas.microsoft.com/office/drawing/2014/main" id="{3FA00699-5178-465A-9F3F-130CF1431F70}"/>
+              </a:ext>
+            </a:extLst>
+          </p:cNvPr>
+          <p:cNvSpPr/>
+          <p:nvPr/>
+        </p:nvSpPr>
+        <p:spPr>
+          <a:xfrm>
+            <a:off x="589055" y="52290"/>
+            <a:ext cx="2889249" cy="373885"/>
+          </a:xfrm>
+          <a:prstGeom prst="rect">
+            <a:avLst/>
+          </a:prstGeom>
+        </p:spPr>
+        <p:txBody>
+          <a:bodyPr wrap="square" anchor="ctr">
+            <a:spAutoFit/>
+          </a:bodyPr>
+          <a:lstStyle/>
+          <a:p>
+            <a:pPr>
+              <a:lnSpc>
+                <a:spcPct val="150000"/>
+              </a:lnSpc>
+            </a:pPr>
+            <a:r>
+              <a:rPr lang="en-US" altLang="ko-KR" sz="1400" b="1" dirty="0"/>
+              <a:t>4. </a:t>
+            </a:r>
+            <a:r>
+              <a:rPr lang="ko-KR" altLang="en-US" sz="1400" b="1" dirty="0"/>
+              <a:t>영상 카테고리 그래프</a:t>
+            </a:r>
+            <a:endParaRPr lang="en-US" altLang="ko-KR" sz="1400" b="1" dirty="0"/>
+          </a:p>
+        </p:txBody>
+      </p:sp>
+      <p:graphicFrame>
+        <p:nvGraphicFramePr>
+          <p:cNvPr id="4" name="차트 3"/>
+          <p:cNvGraphicFramePr/>
+          <p:nvPr>
+            <p:extLst>
+              <p:ext uri="{D42A27DB-BD31-4B8C-83A1-F6EECF244321}">
+                <p14:modId xmlns:p14="http://schemas.microsoft.com/office/powerpoint/2010/main" val="2181488996"/>
+              </p:ext>
+            </p:extLst>
+          </p:nvPr>
+        </p:nvGraphicFramePr>
+        <p:xfrm>
+          <a:off x="0" y="1883229"/>
+          <a:ext cx="6363926" cy="4533962"/>
+        </p:xfrm>
+        <a:graphic>
+          <a:graphicData uri="http://schemas.openxmlformats.org/drawingml/2006/chart">
+            <c:chart xmlns:c="http://schemas.openxmlformats.org/drawingml/2006/chart" xmlns:r="http://schemas.openxmlformats.org/officeDocument/2006/relationships" r:id="rId2"/>
+          </a:graphicData>
+        </a:graphic>
+      </p:graphicFrame>
+      <p:graphicFrame>
+        <p:nvGraphicFramePr>
+          <p:cNvPr id="11" name="차트 10"/>
+          <p:cNvGraphicFramePr/>
+          <p:nvPr>
+            <p:extLst>
+              <p:ext uri="{D42A27DB-BD31-4B8C-83A1-F6EECF244321}">
+                <p14:modId xmlns:p14="http://schemas.microsoft.com/office/powerpoint/2010/main" val="58482327"/>
+              </p:ext>
+            </p:extLst>
+          </p:nvPr>
+        </p:nvGraphicFramePr>
+        <p:xfrm>
+          <a:off x="5828074" y="1883229"/>
+          <a:ext cx="6363926" cy="4533962"/>
+        </p:xfrm>
+        <a:graphic>
+          <a:graphicData uri="http://schemas.openxmlformats.org/drawingml/2006/chart">
+            <c:chart xmlns:c="http://schemas.openxmlformats.org/drawingml/2006/chart" xmlns:r="http://schemas.openxmlformats.org/officeDocument/2006/relationships" r:id="rId3"/>
+          </a:graphicData>
+        </a:graphic>
+      </p:graphicFrame>
+      <p:sp>
+        <p:nvSpPr>
+          <p:cNvPr id="9" name="TextBox 8"/>
+          <p:cNvSpPr txBox="1"/>
+          <p:nvPr/>
+        </p:nvSpPr>
+        <p:spPr>
+          <a:xfrm>
+            <a:off x="589055" y="1632857"/>
+            <a:ext cx="1782486" cy="369332"/>
+          </a:xfrm>
+          <a:prstGeom prst="rect">
+            <a:avLst/>
+          </a:prstGeom>
+          <a:noFill/>
+        </p:spPr>
+        <p:txBody>
+          <a:bodyPr wrap="square" rtlCol="0">
+            <a:spAutoFit/>
+          </a:bodyPr>
+          <a:lstStyle/>
+          <a:p>
+            <a:pPr algn="ctr"/>
+            <a:r>
+              <a:rPr lang="ko-KR" altLang="en-US" b="1" dirty="0" smtClean="0"/>
+              <a:t>영상 개수</a:t>
+            </a:r>
+            <a:endParaRPr lang="ko-KR" altLang="en-US" b="1" dirty="0"/>
+          </a:p>
+        </p:txBody>
+      </p:sp>
+      <p:sp>
+        <p:nvSpPr>
+          <p:cNvPr id="10" name="TextBox 9"/>
+          <p:cNvSpPr txBox="1"/>
+          <p:nvPr/>
+        </p:nvSpPr>
+        <p:spPr>
+          <a:xfrm>
+            <a:off x="6310587" y="1632857"/>
+            <a:ext cx="1782486" cy="369332"/>
+          </a:xfrm>
+          <a:prstGeom prst="rect">
+            <a:avLst/>
+          </a:prstGeom>
+          <a:noFill/>
+        </p:spPr>
+        <p:txBody>
+          <a:bodyPr wrap="square" rtlCol="0">
+            <a:spAutoFit/>
+          </a:bodyPr>
+          <a:lstStyle/>
+          <a:p>
+            <a:pPr algn="ctr"/>
+            <a:r>
+              <a:rPr lang="ko-KR" altLang="en-US" b="1" dirty="0" smtClean="0"/>
+              <a:t>총 조회수</a:t>
+            </a:r>
+            <a:endParaRPr lang="ko-KR" altLang="en-US" b="1" dirty="0"/>
+          </a:p>
+        </p:txBody>
+      </p:sp>
+      <p:grpSp>
+        <p:nvGrpSpPr>
+          <p:cNvPr id="20" name="그룹 19"/>
+          <p:cNvGrpSpPr/>
+          <p:nvPr/>
+        </p:nvGrpSpPr>
+        <p:grpSpPr>
+          <a:xfrm>
+            <a:off x="5696633" y="5265529"/>
+            <a:ext cx="1227907" cy="1100854"/>
+            <a:chOff x="10633166" y="758844"/>
+            <a:chExt cx="1227907" cy="1100854"/>
+          </a:xfrm>
+        </p:grpSpPr>
+        <p:sp>
+          <p:nvSpPr>
+            <p:cNvPr id="21" name="직사각형 20"/>
+            <p:cNvSpPr/>
+            <p:nvPr/>
+          </p:nvSpPr>
+          <p:spPr>
+            <a:xfrm>
+              <a:off x="10633166" y="824159"/>
+              <a:ext cx="365760" cy="226841"/>
+            </a:xfrm>
+            <a:prstGeom prst="rect">
+              <a:avLst/>
+            </a:prstGeom>
+            <a:solidFill>
+              <a:srgbClr val="00B050"/>
+            </a:solidFill>
+            <a:ln>
+              <a:noFill/>
+            </a:ln>
+          </p:spPr>
+          <p:style>
+            <a:lnRef idx="2">
+              <a:schemeClr val="accent1">
+                <a:shade val="50000"/>
+              </a:schemeClr>
+            </a:lnRef>
+            <a:fillRef idx="1">
+              <a:schemeClr val="accent1"/>
+            </a:fillRef>
+            <a:effectRef idx="0">
+              <a:schemeClr val="accent1"/>
+            </a:effectRef>
+            <a:fontRef idx="minor">
+              <a:schemeClr val="lt1"/>
+            </a:fontRef>
+          </p:style>
+          <p:txBody>
+            <a:bodyPr rtlCol="0" anchor="ctr"/>
+            <a:lstStyle/>
+            <a:p>
+              <a:pPr algn="ctr"/>
+              <a:endParaRPr lang="ko-KR" altLang="en-US">
+                <a:solidFill>
+                  <a:schemeClr val="accent1"/>
+                </a:solidFill>
+              </a:endParaRPr>
+            </a:p>
+          </p:txBody>
+        </p:sp>
+        <p:sp>
+          <p:nvSpPr>
+            <p:cNvPr id="35" name="직사각형 34"/>
+            <p:cNvSpPr/>
+            <p:nvPr/>
+          </p:nvSpPr>
+          <p:spPr>
+            <a:xfrm>
+              <a:off x="10633166" y="1093725"/>
+              <a:ext cx="365760" cy="226841"/>
+            </a:xfrm>
+            <a:prstGeom prst="rect">
+              <a:avLst/>
+            </a:prstGeom>
+            <a:solidFill>
+              <a:srgbClr val="C00000"/>
+            </a:solidFill>
+            <a:ln>
+              <a:noFill/>
+            </a:ln>
+          </p:spPr>
+          <p:style>
+            <a:lnRef idx="2">
+              <a:schemeClr val="accent1">
+                <a:shade val="50000"/>
+              </a:schemeClr>
+            </a:lnRef>
+            <a:fillRef idx="1">
+              <a:schemeClr val="accent1"/>
+            </a:fillRef>
+            <a:effectRef idx="0">
+              <a:schemeClr val="accent1"/>
+            </a:effectRef>
+            <a:fontRef idx="minor">
+              <a:schemeClr val="lt1"/>
+            </a:fontRef>
+          </p:style>
+          <p:txBody>
+            <a:bodyPr rtlCol="0" anchor="ctr"/>
+            <a:lstStyle/>
+            <a:p>
+              <a:pPr algn="ctr"/>
+              <a:endParaRPr lang="ko-KR" altLang="en-US">
+                <a:solidFill>
+                  <a:schemeClr val="accent1"/>
+                </a:solidFill>
+              </a:endParaRPr>
+            </a:p>
+          </p:txBody>
+        </p:sp>
+        <p:sp>
+          <p:nvSpPr>
+            <p:cNvPr id="36" name="직사각형 35"/>
+            <p:cNvSpPr/>
+            <p:nvPr/>
+          </p:nvSpPr>
+          <p:spPr>
+            <a:xfrm>
+              <a:off x="10633166" y="1363291"/>
+              <a:ext cx="365760" cy="226841"/>
+            </a:xfrm>
+            <a:prstGeom prst="rect">
+              <a:avLst/>
+            </a:prstGeom>
+            <a:solidFill>
+              <a:srgbClr val="0070C0"/>
+            </a:solidFill>
+            <a:ln>
+              <a:noFill/>
+            </a:ln>
+          </p:spPr>
+          <p:style>
+            <a:lnRef idx="2">
+              <a:schemeClr val="accent1">
+                <a:shade val="50000"/>
+              </a:schemeClr>
+            </a:lnRef>
+            <a:fillRef idx="1">
+              <a:schemeClr val="accent1"/>
+            </a:fillRef>
+            <a:effectRef idx="0">
+              <a:schemeClr val="accent1"/>
+            </a:effectRef>
+            <a:fontRef idx="minor">
+              <a:schemeClr val="lt1"/>
+            </a:fontRef>
+          </p:style>
+          <p:txBody>
+            <a:bodyPr rtlCol="0" anchor="ctr"/>
+            <a:lstStyle/>
+            <a:p>
+              <a:pPr algn="ctr"/>
+              <a:endParaRPr lang="ko-KR" altLang="en-US">
+                <a:solidFill>
+                  <a:schemeClr val="accent1"/>
+                </a:solidFill>
+              </a:endParaRPr>
+            </a:p>
+          </p:txBody>
+        </p:sp>
+        <p:sp>
+          <p:nvSpPr>
+            <p:cNvPr id="37" name="직사각형 36"/>
+            <p:cNvSpPr/>
+            <p:nvPr/>
+          </p:nvSpPr>
+          <p:spPr>
+            <a:xfrm>
+              <a:off x="10633166" y="1632857"/>
+              <a:ext cx="365760" cy="226841"/>
+            </a:xfrm>
+            <a:prstGeom prst="rect">
+              <a:avLst/>
+            </a:prstGeom>
+            <a:solidFill>
+              <a:srgbClr val="7030A0"/>
+            </a:solidFill>
+            <a:ln>
+              <a:noFill/>
+            </a:ln>
+          </p:spPr>
+          <p:style>
+            <a:lnRef idx="2">
+              <a:schemeClr val="accent1">
+                <a:shade val="50000"/>
+              </a:schemeClr>
+            </a:lnRef>
+            <a:fillRef idx="1">
+              <a:schemeClr val="accent1"/>
+            </a:fillRef>
+            <a:effectRef idx="0">
+              <a:schemeClr val="accent1"/>
+            </a:effectRef>
+            <a:fontRef idx="minor">
+              <a:schemeClr val="lt1"/>
+            </a:fontRef>
+          </p:style>
+          <p:txBody>
+            <a:bodyPr rtlCol="0" anchor="ctr"/>
+            <a:lstStyle/>
+            <a:p>
+              <a:pPr algn="ctr"/>
+              <a:endParaRPr lang="ko-KR" altLang="en-US">
+                <a:solidFill>
+                  <a:schemeClr val="accent1"/>
+                </a:solidFill>
+              </a:endParaRPr>
+            </a:p>
+          </p:txBody>
+        </p:sp>
+        <p:sp>
+          <p:nvSpPr>
+            <p:cNvPr id="38" name="TextBox 37"/>
+            <p:cNvSpPr txBox="1"/>
+            <p:nvPr/>
+          </p:nvSpPr>
+          <p:spPr>
+            <a:xfrm>
+              <a:off x="11011987" y="758844"/>
+              <a:ext cx="849086" cy="261610"/>
+            </a:xfrm>
+            <a:prstGeom prst="rect">
+              <a:avLst/>
+            </a:prstGeom>
+            <a:noFill/>
+          </p:spPr>
+          <p:txBody>
+            <a:bodyPr wrap="square" rtlCol="0">
+              <a:spAutoFit/>
+            </a:bodyPr>
+            <a:lstStyle/>
+            <a:p>
+              <a:r>
+                <a:rPr lang="en-US" altLang="ko-KR" sz="1100" dirty="0" smtClean="0"/>
+                <a:t>Novice</a:t>
+              </a:r>
+              <a:endParaRPr lang="ko-KR" altLang="en-US" sz="1100" dirty="0"/>
+            </a:p>
+          </p:txBody>
+        </p:sp>
+        <p:sp>
+          <p:nvSpPr>
+            <p:cNvPr id="39" name="TextBox 38"/>
+            <p:cNvSpPr txBox="1"/>
+            <p:nvPr/>
+          </p:nvSpPr>
+          <p:spPr>
+            <a:xfrm>
+              <a:off x="11011987" y="1032830"/>
+              <a:ext cx="849086" cy="261610"/>
+            </a:xfrm>
+            <a:prstGeom prst="rect">
+              <a:avLst/>
+            </a:prstGeom>
+            <a:noFill/>
+          </p:spPr>
+          <p:txBody>
+            <a:bodyPr wrap="square" rtlCol="0">
+              <a:spAutoFit/>
+            </a:bodyPr>
+            <a:lstStyle/>
+            <a:p>
+              <a:r>
+                <a:rPr lang="en-US" altLang="ko-KR" sz="1100" dirty="0" smtClean="0"/>
+                <a:t>Slapstick</a:t>
+              </a:r>
+              <a:endParaRPr lang="ko-KR" altLang="en-US" sz="1100" dirty="0"/>
+            </a:p>
+          </p:txBody>
+        </p:sp>
+        <p:sp>
+          <p:nvSpPr>
+            <p:cNvPr id="40" name="TextBox 39"/>
+            <p:cNvSpPr txBox="1"/>
+            <p:nvPr/>
+          </p:nvSpPr>
+          <p:spPr>
+            <a:xfrm>
+              <a:off x="11011987" y="1324102"/>
+              <a:ext cx="849086" cy="261610"/>
+            </a:xfrm>
+            <a:prstGeom prst="rect">
+              <a:avLst/>
+            </a:prstGeom>
+            <a:noFill/>
+          </p:spPr>
+          <p:txBody>
+            <a:bodyPr wrap="square" rtlCol="0">
+              <a:spAutoFit/>
+            </a:bodyPr>
+            <a:lstStyle/>
+            <a:p>
+              <a:r>
+                <a:rPr lang="en-US" altLang="ko-KR" sz="1100" dirty="0" smtClean="0"/>
+                <a:t>Expert</a:t>
+              </a:r>
+              <a:endParaRPr lang="ko-KR" altLang="en-US" sz="1100" dirty="0"/>
+            </a:p>
+          </p:txBody>
+        </p:sp>
+        <p:sp>
+          <p:nvSpPr>
+            <p:cNvPr id="41" name="TextBox 40"/>
+            <p:cNvSpPr txBox="1"/>
+            <p:nvPr/>
+          </p:nvSpPr>
+          <p:spPr>
+            <a:xfrm>
+              <a:off x="11011987" y="1585712"/>
+              <a:ext cx="849086" cy="261610"/>
+            </a:xfrm>
+            <a:prstGeom prst="rect">
+              <a:avLst/>
+            </a:prstGeom>
+            <a:noFill/>
+          </p:spPr>
+          <p:txBody>
+            <a:bodyPr wrap="square" rtlCol="0">
+              <a:spAutoFit/>
+            </a:bodyPr>
+            <a:lstStyle/>
+            <a:p>
+              <a:r>
+                <a:rPr lang="en-US" altLang="ko-KR" sz="1100" dirty="0" smtClean="0"/>
+                <a:t>Circus</a:t>
+              </a:r>
+              <a:endParaRPr lang="ko-KR" altLang="en-US" sz="1100" dirty="0"/>
+            </a:p>
+          </p:txBody>
+        </p:sp>
+      </p:grpSp>
+    </p:spTree>
+    <p:extLst>
+      <p:ext uri="{BB962C8B-B14F-4D97-AF65-F5344CB8AC3E}">
+        <p14:creationId xmlns:p14="http://schemas.microsoft.com/office/powerpoint/2010/main" val="854804514"/>
+      </p:ext>
+    </p:extLst>
+  </p:cSld>
+  <p:clrMapOvr>
+    <a:masterClrMapping/>
+  </p:clrMapOvr>
+  <p:timing>
+    <p:tnLst>
+      <p:par>
+        <p:cTn id="1" dur="indefinite" restart="never" nodeType="tmRoot"/>
+      </p:par>
+    </p:tnLst>
+  </p:timing>
+</p:sld>
+</file>
+
+<file path=ppt/slides/slide26.xml><?xml version="1.0" encoding="utf-8"?>
+<p:sld xmlns:a="http://schemas.openxmlformats.org/drawingml/2006/main" xmlns:r="http://schemas.openxmlformats.org/officeDocument/2006/relationships" xmlns:p="http://schemas.openxmlformats.org/presentationml/2006/main">
+  <p:cSld>
+    <p:bg>
+      <p:bgPr>
+        <a:solidFill>
+          <a:srgbClr val="EAEEFA"/>
+        </a:solidFill>
+        <a:effectLst/>
+      </p:bgPr>
+    </p:bg>
+    <p:spTree>
+      <p:nvGrpSpPr>
+        <p:cNvPr id="1" name=""/>
+        <p:cNvGrpSpPr/>
+        <p:nvPr/>
+      </p:nvGrpSpPr>
+      <p:grpSpPr>
+        <a:xfrm>
+          <a:off x="0" y="0"/>
+          <a:ext cx="0" cy="0"/>
+          <a:chOff x="0" y="0"/>
+          <a:chExt cx="0" cy="0"/>
+        </a:xfrm>
+      </p:grpSpPr>
+      <p:cxnSp>
+        <p:nvCxnSpPr>
+          <p:cNvPr id="23" name="직선 연결선 22"/>
+          <p:cNvCxnSpPr/>
+          <p:nvPr/>
+        </p:nvCxnSpPr>
+        <p:spPr>
+          <a:xfrm>
+            <a:off x="589055" y="427040"/>
+            <a:ext cx="10800000" cy="0"/>
+          </a:xfrm>
+          <a:prstGeom prst="line">
+            <a:avLst/>
+          </a:prstGeom>
+          <a:ln>
+            <a:solidFill>
+              <a:srgbClr val="D02646"/>
+            </a:solidFill>
+          </a:ln>
+        </p:spPr>
+        <p:style>
+          <a:lnRef idx="1">
+            <a:schemeClr val="accent1"/>
+          </a:lnRef>
+          <a:fillRef idx="0">
+            <a:schemeClr val="accent1"/>
+          </a:fillRef>
+          <a:effectRef idx="0">
+            <a:schemeClr val="accent1"/>
+          </a:effectRef>
+          <a:fontRef idx="minor">
+            <a:schemeClr val="tx1"/>
+          </a:fontRef>
+        </p:style>
+      </p:cxnSp>
+      <p:sp>
+        <p:nvSpPr>
+          <p:cNvPr id="24" name="직사각형 23"/>
+          <p:cNvSpPr/>
+          <p:nvPr/>
+        </p:nvSpPr>
+        <p:spPr>
+          <a:xfrm>
+            <a:off x="3646530" y="0"/>
+            <a:ext cx="4971967" cy="646331"/>
+          </a:xfrm>
+          <a:prstGeom prst="rect">
+            <a:avLst/>
+          </a:prstGeom>
+          <a:solidFill>
+            <a:srgbClr val="EAEEFA"/>
+          </a:solidFill>
+        </p:spPr>
+        <p:txBody>
+          <a:bodyPr wrap="square">
+            <a:spAutoFit/>
+          </a:bodyPr>
+          <a:lstStyle/>
+          <a:p>
+            <a:pPr algn="ctr" fontAlgn="base"/>
+            <a:r>
+              <a:rPr lang="ko-KR" altLang="en-US" b="1" dirty="0"/>
+              <a:t>방송을 통한 </a:t>
+            </a:r>
+            <a:r>
+              <a:rPr lang="ko-KR" altLang="en-US" b="1" dirty="0" err="1"/>
+              <a:t>루돌로지</a:t>
+            </a:r>
+            <a:r>
+              <a:rPr lang="ko-KR" altLang="en-US" b="1" dirty="0"/>
+              <a:t> 게임의 </a:t>
+            </a:r>
+            <a:r>
+              <a:rPr lang="ko-KR" altLang="en-US" b="1" dirty="0" err="1"/>
+              <a:t>스토리텔링</a:t>
+            </a:r>
+            <a:r>
+              <a:rPr lang="ko-KR" altLang="en-US" b="1" dirty="0"/>
+              <a:t> </a:t>
+            </a:r>
+            <a:r>
+              <a:rPr lang="en-US" altLang="ko-KR" b="1" dirty="0" smtClean="0"/>
+              <a:t/>
+            </a:r>
+            <a:br>
+              <a:rPr lang="en-US" altLang="ko-KR" b="1" dirty="0" smtClean="0"/>
+            </a:br>
+            <a:r>
+              <a:rPr lang="ko-KR" altLang="en-US" b="1" dirty="0" smtClean="0"/>
+              <a:t>획득과 </a:t>
+            </a:r>
+            <a:r>
+              <a:rPr lang="ko-KR" altLang="en-US" b="1" dirty="0"/>
+              <a:t>게임 기획에의 적용 </a:t>
+            </a:r>
+            <a:r>
+              <a:rPr lang="ko-KR" altLang="en-US" b="1" dirty="0" smtClean="0"/>
+              <a:t>연구</a:t>
+            </a:r>
+            <a:endParaRPr lang="ko-KR" altLang="en-US" b="1" dirty="0"/>
+          </a:p>
+        </p:txBody>
+      </p:sp>
+      <p:cxnSp>
+        <p:nvCxnSpPr>
+          <p:cNvPr id="25" name="직선 연결선 24"/>
+          <p:cNvCxnSpPr/>
+          <p:nvPr/>
+        </p:nvCxnSpPr>
+        <p:spPr>
+          <a:xfrm>
+            <a:off x="589055" y="6637347"/>
+            <a:ext cx="10800000" cy="0"/>
+          </a:xfrm>
+          <a:prstGeom prst="line">
+            <a:avLst/>
+          </a:prstGeom>
+          <a:ln>
+            <a:solidFill>
+              <a:srgbClr val="D02646"/>
+            </a:solidFill>
+          </a:ln>
+        </p:spPr>
+        <p:style>
+          <a:lnRef idx="1">
+            <a:schemeClr val="accent1"/>
+          </a:lnRef>
+          <a:fillRef idx="0">
+            <a:schemeClr val="accent1"/>
+          </a:fillRef>
+          <a:effectRef idx="0">
+            <a:schemeClr val="accent1"/>
+          </a:effectRef>
+          <a:fontRef idx="minor">
+            <a:schemeClr val="tx1"/>
+          </a:fontRef>
+        </p:style>
+      </p:cxnSp>
+      <p:sp>
+        <p:nvSpPr>
+          <p:cNvPr id="33" name="직사각형 32">
+            <a:extLst>
+              <a:ext uri="{FF2B5EF4-FFF2-40B4-BE49-F238E27FC236}">
+                <a16:creationId xmlns:a16="http://schemas.microsoft.com/office/drawing/2014/main" id="{3FA00699-5178-465A-9F3F-130CF1431F70}"/>
+              </a:ext>
+            </a:extLst>
+          </p:cNvPr>
+          <p:cNvSpPr/>
+          <p:nvPr/>
+        </p:nvSpPr>
+        <p:spPr>
+          <a:xfrm>
+            <a:off x="589055" y="547161"/>
+            <a:ext cx="3924756" cy="646331"/>
+          </a:xfrm>
+          <a:prstGeom prst="rect">
+            <a:avLst/>
+          </a:prstGeom>
+        </p:spPr>
+        <p:txBody>
+          <a:bodyPr wrap="square" anchor="ctr">
+            <a:spAutoFit/>
+          </a:bodyPr>
+          <a:lstStyle/>
+          <a:p>
+            <a:pPr>
+              <a:lnSpc>
+                <a:spcPct val="150000"/>
+              </a:lnSpc>
+            </a:pPr>
+            <a:r>
+              <a:rPr lang="ko-KR" altLang="en-US" sz="2400" b="1" dirty="0" err="1" smtClean="0">
+                <a:solidFill>
+                  <a:srgbClr val="44546A">
+                    <a:lumMod val="75000"/>
+                  </a:srgbClr>
+                </a:solidFill>
+              </a:rPr>
+              <a:t>우주하마</a:t>
+            </a:r>
+            <a:r>
+              <a:rPr lang="ko-KR" altLang="en-US" sz="2400" b="1" dirty="0">
+                <a:solidFill>
+                  <a:srgbClr val="44546A">
+                    <a:lumMod val="75000"/>
+                  </a:srgbClr>
+                </a:solidFill>
+              </a:rPr>
+              <a:t> </a:t>
+            </a:r>
+            <a:r>
+              <a:rPr lang="en-US" altLang="ko-KR" sz="2400" b="1" dirty="0" smtClean="0">
+                <a:solidFill>
+                  <a:srgbClr val="44546A">
+                    <a:lumMod val="75000"/>
+                  </a:srgbClr>
+                </a:solidFill>
+              </a:rPr>
+              <a:t>(PUBG)</a:t>
+            </a:r>
+          </a:p>
+        </p:txBody>
+      </p:sp>
+      <p:sp>
+        <p:nvSpPr>
+          <p:cNvPr id="14" name="직사각형 13">
+            <a:extLst>
+              <a:ext uri="{FF2B5EF4-FFF2-40B4-BE49-F238E27FC236}">
+                <a16:creationId xmlns:a16="http://schemas.microsoft.com/office/drawing/2014/main" id="{3FA00699-5178-465A-9F3F-130CF1431F70}"/>
+              </a:ext>
+            </a:extLst>
+          </p:cNvPr>
+          <p:cNvSpPr/>
+          <p:nvPr/>
+        </p:nvSpPr>
+        <p:spPr>
+          <a:xfrm>
+            <a:off x="589055" y="52290"/>
+            <a:ext cx="2889249" cy="373885"/>
+          </a:xfrm>
+          <a:prstGeom prst="rect">
+            <a:avLst/>
+          </a:prstGeom>
+        </p:spPr>
+        <p:txBody>
+          <a:bodyPr wrap="square" anchor="ctr">
+            <a:spAutoFit/>
+          </a:bodyPr>
+          <a:lstStyle/>
+          <a:p>
+            <a:pPr>
+              <a:lnSpc>
+                <a:spcPct val="150000"/>
+              </a:lnSpc>
+            </a:pPr>
+            <a:r>
+              <a:rPr lang="en-US" altLang="ko-KR" sz="1400" b="1" dirty="0"/>
+              <a:t>4. </a:t>
+            </a:r>
+            <a:r>
+              <a:rPr lang="ko-KR" altLang="en-US" sz="1400" b="1" dirty="0"/>
+              <a:t>영상 카테고리 그래프</a:t>
+            </a:r>
+            <a:endParaRPr lang="en-US" altLang="ko-KR" sz="1400" b="1" dirty="0"/>
+          </a:p>
+        </p:txBody>
+      </p:sp>
+      <p:graphicFrame>
+        <p:nvGraphicFramePr>
+          <p:cNvPr id="4" name="차트 3"/>
+          <p:cNvGraphicFramePr/>
+          <p:nvPr>
+            <p:extLst>
+              <p:ext uri="{D42A27DB-BD31-4B8C-83A1-F6EECF244321}">
+                <p14:modId xmlns:p14="http://schemas.microsoft.com/office/powerpoint/2010/main" val="3402937051"/>
+              </p:ext>
+            </p:extLst>
+          </p:nvPr>
+        </p:nvGraphicFramePr>
+        <p:xfrm>
+          <a:off x="0" y="1883229"/>
+          <a:ext cx="6363926" cy="4533962"/>
+        </p:xfrm>
+        <a:graphic>
+          <a:graphicData uri="http://schemas.openxmlformats.org/drawingml/2006/chart">
+            <c:chart xmlns:c="http://schemas.openxmlformats.org/drawingml/2006/chart" xmlns:r="http://schemas.openxmlformats.org/officeDocument/2006/relationships" r:id="rId2"/>
+          </a:graphicData>
+        </a:graphic>
+      </p:graphicFrame>
+      <p:graphicFrame>
+        <p:nvGraphicFramePr>
+          <p:cNvPr id="11" name="차트 10"/>
+          <p:cNvGraphicFramePr/>
+          <p:nvPr>
+            <p:extLst>
+              <p:ext uri="{D42A27DB-BD31-4B8C-83A1-F6EECF244321}">
+                <p14:modId xmlns:p14="http://schemas.microsoft.com/office/powerpoint/2010/main" val="812578812"/>
+              </p:ext>
+            </p:extLst>
+          </p:nvPr>
+        </p:nvGraphicFramePr>
+        <p:xfrm>
+          <a:off x="5828074" y="1883229"/>
+          <a:ext cx="6363926" cy="4533962"/>
+        </p:xfrm>
+        <a:graphic>
+          <a:graphicData uri="http://schemas.openxmlformats.org/drawingml/2006/chart">
+            <c:chart xmlns:c="http://schemas.openxmlformats.org/drawingml/2006/chart" xmlns:r="http://schemas.openxmlformats.org/officeDocument/2006/relationships" r:id="rId3"/>
+          </a:graphicData>
+        </a:graphic>
+      </p:graphicFrame>
+      <p:sp>
+        <p:nvSpPr>
+          <p:cNvPr id="9" name="TextBox 8"/>
+          <p:cNvSpPr txBox="1"/>
+          <p:nvPr/>
+        </p:nvSpPr>
+        <p:spPr>
+          <a:xfrm>
+            <a:off x="589055" y="1632857"/>
+            <a:ext cx="1782486" cy="369332"/>
+          </a:xfrm>
+          <a:prstGeom prst="rect">
+            <a:avLst/>
+          </a:prstGeom>
+          <a:noFill/>
+        </p:spPr>
+        <p:txBody>
+          <a:bodyPr wrap="square" rtlCol="0">
+            <a:spAutoFit/>
+          </a:bodyPr>
+          <a:lstStyle/>
+          <a:p>
+            <a:pPr algn="ctr"/>
+            <a:r>
+              <a:rPr lang="ko-KR" altLang="en-US" b="1" dirty="0" smtClean="0"/>
+              <a:t>영상 개수</a:t>
+            </a:r>
+            <a:endParaRPr lang="ko-KR" altLang="en-US" b="1" dirty="0"/>
+          </a:p>
+        </p:txBody>
+      </p:sp>
+      <p:sp>
+        <p:nvSpPr>
+          <p:cNvPr id="10" name="TextBox 9"/>
+          <p:cNvSpPr txBox="1"/>
+          <p:nvPr/>
+        </p:nvSpPr>
+        <p:spPr>
+          <a:xfrm>
+            <a:off x="6310587" y="1632857"/>
+            <a:ext cx="1782486" cy="369332"/>
+          </a:xfrm>
+          <a:prstGeom prst="rect">
+            <a:avLst/>
+          </a:prstGeom>
+          <a:noFill/>
+        </p:spPr>
+        <p:txBody>
+          <a:bodyPr wrap="square" rtlCol="0">
+            <a:spAutoFit/>
+          </a:bodyPr>
+          <a:lstStyle/>
+          <a:p>
+            <a:pPr algn="ctr"/>
+            <a:r>
+              <a:rPr lang="ko-KR" altLang="en-US" b="1" dirty="0" smtClean="0"/>
+              <a:t>총 조회수</a:t>
+            </a:r>
+            <a:endParaRPr lang="ko-KR" altLang="en-US" b="1" dirty="0"/>
+          </a:p>
+        </p:txBody>
+      </p:sp>
+      <p:grpSp>
+        <p:nvGrpSpPr>
+          <p:cNvPr id="20" name="그룹 19"/>
+          <p:cNvGrpSpPr/>
+          <p:nvPr/>
+        </p:nvGrpSpPr>
+        <p:grpSpPr>
+          <a:xfrm>
+            <a:off x="5696633" y="5265529"/>
+            <a:ext cx="1227907" cy="1100854"/>
+            <a:chOff x="10633166" y="758844"/>
+            <a:chExt cx="1227907" cy="1100854"/>
+          </a:xfrm>
+        </p:grpSpPr>
+        <p:sp>
+          <p:nvSpPr>
+            <p:cNvPr id="21" name="직사각형 20"/>
+            <p:cNvSpPr/>
+            <p:nvPr/>
+          </p:nvSpPr>
+          <p:spPr>
+            <a:xfrm>
+              <a:off x="10633166" y="824159"/>
+              <a:ext cx="365760" cy="226841"/>
+            </a:xfrm>
+            <a:prstGeom prst="rect">
+              <a:avLst/>
+            </a:prstGeom>
+            <a:solidFill>
+              <a:srgbClr val="00B050"/>
+            </a:solidFill>
+            <a:ln>
+              <a:noFill/>
+            </a:ln>
+          </p:spPr>
+          <p:style>
+            <a:lnRef idx="2">
+              <a:schemeClr val="accent1">
+                <a:shade val="50000"/>
+              </a:schemeClr>
+            </a:lnRef>
+            <a:fillRef idx="1">
+              <a:schemeClr val="accent1"/>
+            </a:fillRef>
+            <a:effectRef idx="0">
+              <a:schemeClr val="accent1"/>
+            </a:effectRef>
+            <a:fontRef idx="minor">
+              <a:schemeClr val="lt1"/>
+            </a:fontRef>
+          </p:style>
+          <p:txBody>
+            <a:bodyPr rtlCol="0" anchor="ctr"/>
+            <a:lstStyle/>
+            <a:p>
+              <a:pPr algn="ctr"/>
+              <a:endParaRPr lang="ko-KR" altLang="en-US">
+                <a:solidFill>
+                  <a:schemeClr val="accent1"/>
+                </a:solidFill>
+              </a:endParaRPr>
+            </a:p>
+          </p:txBody>
+        </p:sp>
+        <p:sp>
+          <p:nvSpPr>
+            <p:cNvPr id="35" name="직사각형 34"/>
+            <p:cNvSpPr/>
+            <p:nvPr/>
+          </p:nvSpPr>
+          <p:spPr>
+            <a:xfrm>
+              <a:off x="10633166" y="1093725"/>
+              <a:ext cx="365760" cy="226841"/>
+            </a:xfrm>
+            <a:prstGeom prst="rect">
+              <a:avLst/>
+            </a:prstGeom>
+            <a:solidFill>
+              <a:srgbClr val="C00000"/>
+            </a:solidFill>
+            <a:ln>
+              <a:noFill/>
+            </a:ln>
+          </p:spPr>
+          <p:style>
+            <a:lnRef idx="2">
+              <a:schemeClr val="accent1">
+                <a:shade val="50000"/>
+              </a:schemeClr>
+            </a:lnRef>
+            <a:fillRef idx="1">
+              <a:schemeClr val="accent1"/>
+            </a:fillRef>
+            <a:effectRef idx="0">
+              <a:schemeClr val="accent1"/>
+            </a:effectRef>
+            <a:fontRef idx="minor">
+              <a:schemeClr val="lt1"/>
+            </a:fontRef>
+          </p:style>
+          <p:txBody>
+            <a:bodyPr rtlCol="0" anchor="ctr"/>
+            <a:lstStyle/>
+            <a:p>
+              <a:pPr algn="ctr"/>
+              <a:endParaRPr lang="ko-KR" altLang="en-US">
+                <a:solidFill>
+                  <a:schemeClr val="accent1"/>
+                </a:solidFill>
+              </a:endParaRPr>
+            </a:p>
+          </p:txBody>
+        </p:sp>
+        <p:sp>
+          <p:nvSpPr>
+            <p:cNvPr id="36" name="직사각형 35"/>
+            <p:cNvSpPr/>
+            <p:nvPr/>
+          </p:nvSpPr>
+          <p:spPr>
+            <a:xfrm>
+              <a:off x="10633166" y="1363291"/>
+              <a:ext cx="365760" cy="226841"/>
+            </a:xfrm>
+            <a:prstGeom prst="rect">
+              <a:avLst/>
+            </a:prstGeom>
+            <a:solidFill>
+              <a:srgbClr val="0070C0"/>
+            </a:solidFill>
+            <a:ln>
+              <a:noFill/>
+            </a:ln>
+          </p:spPr>
+          <p:style>
+            <a:lnRef idx="2">
+              <a:schemeClr val="accent1">
+                <a:shade val="50000"/>
+              </a:schemeClr>
+            </a:lnRef>
+            <a:fillRef idx="1">
+              <a:schemeClr val="accent1"/>
+            </a:fillRef>
+            <a:effectRef idx="0">
+              <a:schemeClr val="accent1"/>
+            </a:effectRef>
+            <a:fontRef idx="minor">
+              <a:schemeClr val="lt1"/>
+            </a:fontRef>
+          </p:style>
+          <p:txBody>
+            <a:bodyPr rtlCol="0" anchor="ctr"/>
+            <a:lstStyle/>
+            <a:p>
+              <a:pPr algn="ctr"/>
+              <a:endParaRPr lang="ko-KR" altLang="en-US">
+                <a:solidFill>
+                  <a:schemeClr val="accent1"/>
+                </a:solidFill>
+              </a:endParaRPr>
+            </a:p>
+          </p:txBody>
+        </p:sp>
+        <p:sp>
+          <p:nvSpPr>
+            <p:cNvPr id="37" name="직사각형 36"/>
+            <p:cNvSpPr/>
+            <p:nvPr/>
+          </p:nvSpPr>
+          <p:spPr>
+            <a:xfrm>
+              <a:off x="10633166" y="1632857"/>
+              <a:ext cx="365760" cy="226841"/>
+            </a:xfrm>
+            <a:prstGeom prst="rect">
+              <a:avLst/>
+            </a:prstGeom>
+            <a:solidFill>
+              <a:srgbClr val="7030A0"/>
+            </a:solidFill>
+            <a:ln>
+              <a:noFill/>
+            </a:ln>
+          </p:spPr>
+          <p:style>
+            <a:lnRef idx="2">
+              <a:schemeClr val="accent1">
+                <a:shade val="50000"/>
+              </a:schemeClr>
+            </a:lnRef>
+            <a:fillRef idx="1">
+              <a:schemeClr val="accent1"/>
+            </a:fillRef>
+            <a:effectRef idx="0">
+              <a:schemeClr val="accent1"/>
+            </a:effectRef>
+            <a:fontRef idx="minor">
+              <a:schemeClr val="lt1"/>
+            </a:fontRef>
+          </p:style>
+          <p:txBody>
+            <a:bodyPr rtlCol="0" anchor="ctr"/>
+            <a:lstStyle/>
+            <a:p>
+              <a:pPr algn="ctr"/>
+              <a:endParaRPr lang="ko-KR" altLang="en-US">
+                <a:solidFill>
+                  <a:schemeClr val="accent1"/>
+                </a:solidFill>
+              </a:endParaRPr>
+            </a:p>
+          </p:txBody>
+        </p:sp>
+        <p:sp>
+          <p:nvSpPr>
+            <p:cNvPr id="38" name="TextBox 37"/>
+            <p:cNvSpPr txBox="1"/>
+            <p:nvPr/>
+          </p:nvSpPr>
+          <p:spPr>
+            <a:xfrm>
+              <a:off x="11011987" y="758844"/>
+              <a:ext cx="849086" cy="261610"/>
+            </a:xfrm>
+            <a:prstGeom prst="rect">
+              <a:avLst/>
+            </a:prstGeom>
+            <a:noFill/>
+          </p:spPr>
+          <p:txBody>
+            <a:bodyPr wrap="square" rtlCol="0">
+              <a:spAutoFit/>
+            </a:bodyPr>
+            <a:lstStyle/>
+            <a:p>
+              <a:r>
+                <a:rPr lang="en-US" altLang="ko-KR" sz="1100" dirty="0" smtClean="0"/>
+                <a:t>Novice</a:t>
+              </a:r>
+              <a:endParaRPr lang="ko-KR" altLang="en-US" sz="1100" dirty="0"/>
+            </a:p>
+          </p:txBody>
+        </p:sp>
+        <p:sp>
+          <p:nvSpPr>
+            <p:cNvPr id="39" name="TextBox 38"/>
+            <p:cNvSpPr txBox="1"/>
+            <p:nvPr/>
+          </p:nvSpPr>
+          <p:spPr>
+            <a:xfrm>
+              <a:off x="11011987" y="1032830"/>
+              <a:ext cx="849086" cy="261610"/>
+            </a:xfrm>
+            <a:prstGeom prst="rect">
+              <a:avLst/>
+            </a:prstGeom>
+            <a:noFill/>
+          </p:spPr>
+          <p:txBody>
+            <a:bodyPr wrap="square" rtlCol="0">
+              <a:spAutoFit/>
+            </a:bodyPr>
+            <a:lstStyle/>
+            <a:p>
+              <a:r>
+                <a:rPr lang="en-US" altLang="ko-KR" sz="1100" dirty="0" smtClean="0"/>
+                <a:t>Slapstick</a:t>
+              </a:r>
+              <a:endParaRPr lang="ko-KR" altLang="en-US" sz="1100" dirty="0"/>
+            </a:p>
+          </p:txBody>
+        </p:sp>
+        <p:sp>
+          <p:nvSpPr>
+            <p:cNvPr id="40" name="TextBox 39"/>
+            <p:cNvSpPr txBox="1"/>
+            <p:nvPr/>
+          </p:nvSpPr>
+          <p:spPr>
+            <a:xfrm>
+              <a:off x="11011987" y="1324102"/>
+              <a:ext cx="849086" cy="261610"/>
+            </a:xfrm>
+            <a:prstGeom prst="rect">
+              <a:avLst/>
+            </a:prstGeom>
+            <a:noFill/>
+          </p:spPr>
+          <p:txBody>
+            <a:bodyPr wrap="square" rtlCol="0">
+              <a:spAutoFit/>
+            </a:bodyPr>
+            <a:lstStyle/>
+            <a:p>
+              <a:r>
+                <a:rPr lang="en-US" altLang="ko-KR" sz="1100" dirty="0" smtClean="0"/>
+                <a:t>Expert</a:t>
+              </a:r>
+              <a:endParaRPr lang="ko-KR" altLang="en-US" sz="1100" dirty="0"/>
+            </a:p>
+          </p:txBody>
+        </p:sp>
+        <p:sp>
+          <p:nvSpPr>
+            <p:cNvPr id="41" name="TextBox 40"/>
             <p:cNvSpPr txBox="1"/>
             <p:nvPr/>
           </p:nvSpPr>

--- a/하계특훈 발표/200722_하계특훈_2014180011_김영범.pptx
+++ b/하계특훈 발표/200722_하계특훈_2014180011_김영범.pptx
@@ -370,13 +370,13 @@
                   <c:v>0</c:v>
                 </c:pt>
                 <c:pt idx="1">
-                  <c:v>9</c:v>
+                  <c:v>8</c:v>
                 </c:pt>
                 <c:pt idx="2">
-                  <c:v>11</c:v>
+                  <c:v>10</c:v>
                 </c:pt>
                 <c:pt idx="3">
-                  <c:v>17</c:v>
+                  <c:v>18</c:v>
                 </c:pt>
               </c:numCache>
             </c:numRef>
@@ -1434,7 +1434,7 @@
                   <c:v>2</c:v>
                 </c:pt>
                 <c:pt idx="1">
-                  <c:v>3</c:v>
+                  <c:v>2</c:v>
                 </c:pt>
                 <c:pt idx="2">
                   <c:v>6</c:v>
@@ -1700,7 +1700,7 @@
                   <c:v>65674</c:v>
                 </c:pt>
                 <c:pt idx="1">
-                  <c:v>151302</c:v>
+                  <c:v>132494</c:v>
                 </c:pt>
                 <c:pt idx="2">
                   <c:v>312606</c:v>
@@ -3030,13 +3030,13 @@
                   <c:v>0</c:v>
                 </c:pt>
                 <c:pt idx="1">
-                  <c:v>750258</c:v>
+                  <c:v>636504</c:v>
                 </c:pt>
                 <c:pt idx="2">
-                  <c:v>868626</c:v>
+                  <c:v>766470</c:v>
                 </c:pt>
                 <c:pt idx="3">
-                  <c:v>1507458</c:v>
+                  <c:v>1609614</c:v>
                 </c:pt>
               </c:numCache>
             </c:numRef>
@@ -4094,7 +4094,7 @@
                   <c:v>139724</c:v>
                 </c:pt>
                 <c:pt idx="1">
-                  <c:v>318974</c:v>
+                  <c:v>394412</c:v>
                 </c:pt>
                 <c:pt idx="2">
                   <c:v>318974</c:v>
@@ -4360,7 +4360,7 @@
                   <c:v>0</c:v>
                 </c:pt>
                 <c:pt idx="1">
-                  <c:v>2</c:v>
+                  <c:v>3</c:v>
                 </c:pt>
                 <c:pt idx="2">
                   <c:v>5</c:v>
@@ -4626,7 +4626,7 @@
                   <c:v>0</c:v>
                 </c:pt>
                 <c:pt idx="1">
-                  <c:v>132428</c:v>
+                  <c:v>205839</c:v>
                 </c:pt>
                 <c:pt idx="2">
                   <c:v>200985</c:v>
@@ -15099,7 +15099,7 @@
           <a:p>
             <a:fld id="{413548A9-17B7-486F-BAE8-5C551821AB5E}" type="datetimeFigureOut">
               <a:rPr lang="ko-KR" altLang="en-US" smtClean="0"/>
-              <a:t>2020-08-19</a:t>
+              <a:t>2020-08-25</a:t>
             </a:fld>
             <a:endParaRPr lang="ko-KR" altLang="en-US"/>
           </a:p>
@@ -15504,7 +15504,7 @@
                   </a:prstClr>
                 </a:solidFill>
               </a:rPr>
-              <a:t>2020-08-19</a:t>
+              <a:t>2020-08-25</a:t>
             </a:fld>
             <a:endParaRPr lang="ko-KR" altLang="en-US">
               <a:solidFill>
@@ -15669,7 +15669,7 @@
                   </a:prstClr>
                 </a:solidFill>
               </a:rPr>
-              <a:t>2020-08-19</a:t>
+              <a:t>2020-08-25</a:t>
             </a:fld>
             <a:endParaRPr lang="ko-KR" altLang="en-US">
               <a:solidFill>
@@ -15844,7 +15844,7 @@
                   </a:prstClr>
                 </a:solidFill>
               </a:rPr>
-              <a:t>2020-08-19</a:t>
+              <a:t>2020-08-25</a:t>
             </a:fld>
             <a:endParaRPr lang="ko-KR" altLang="en-US">
               <a:solidFill>
@@ -16009,7 +16009,7 @@
                   </a:prstClr>
                 </a:solidFill>
               </a:rPr>
-              <a:t>2020-08-19</a:t>
+              <a:t>2020-08-25</a:t>
             </a:fld>
             <a:endParaRPr lang="ko-KR" altLang="en-US">
               <a:solidFill>
@@ -16250,7 +16250,7 @@
                   </a:prstClr>
                 </a:solidFill>
               </a:rPr>
-              <a:t>2020-08-19</a:t>
+              <a:t>2020-08-25</a:t>
             </a:fld>
             <a:endParaRPr lang="ko-KR" altLang="en-US">
               <a:solidFill>
@@ -16477,7 +16477,7 @@
                   </a:prstClr>
                 </a:solidFill>
               </a:rPr>
-              <a:t>2020-08-19</a:t>
+              <a:t>2020-08-25</a:t>
             </a:fld>
             <a:endParaRPr lang="ko-KR" altLang="en-US">
               <a:solidFill>
@@ -16839,7 +16839,7 @@
                   </a:prstClr>
                 </a:solidFill>
               </a:rPr>
-              <a:t>2020-08-19</a:t>
+              <a:t>2020-08-25</a:t>
             </a:fld>
             <a:endParaRPr lang="ko-KR" altLang="en-US">
               <a:solidFill>
@@ -16952,7 +16952,7 @@
                   </a:prstClr>
                 </a:solidFill>
               </a:rPr>
-              <a:t>2020-08-19</a:t>
+              <a:t>2020-08-25</a:t>
             </a:fld>
             <a:endParaRPr lang="ko-KR" altLang="en-US">
               <a:solidFill>
@@ -17042,7 +17042,7 @@
                   </a:prstClr>
                 </a:solidFill>
               </a:rPr>
-              <a:t>2020-08-19</a:t>
+              <a:t>2020-08-25</a:t>
             </a:fld>
             <a:endParaRPr lang="ko-KR" altLang="en-US">
               <a:solidFill>
@@ -17314,7 +17314,7 @@
                   </a:prstClr>
                 </a:solidFill>
               </a:rPr>
-              <a:t>2020-08-19</a:t>
+              <a:t>2020-08-25</a:t>
             </a:fld>
             <a:endParaRPr lang="ko-KR" altLang="en-US">
               <a:solidFill>
@@ -17562,7 +17562,7 @@
                   </a:prstClr>
                 </a:solidFill>
               </a:rPr>
-              <a:t>2020-08-19</a:t>
+              <a:t>2020-08-25</a:t>
             </a:fld>
             <a:endParaRPr lang="ko-KR" altLang="en-US">
               <a:solidFill>
@@ -17770,7 +17770,7 @@
                   </a:prstClr>
                 </a:solidFill>
               </a:rPr>
-              <a:t>2020-08-19</a:t>
+              <a:t>2020-08-25</a:t>
             </a:fld>
             <a:endParaRPr lang="ko-KR" altLang="en-US">
               <a:solidFill>
@@ -18821,6 +18821,54 @@
           <a:chExt cx="0" cy="0"/>
         </a:xfrm>
       </p:grpSpPr>
+      <p:pic>
+        <p:nvPicPr>
+          <p:cNvPr id="3" name="그림 2"/>
+          <p:cNvPicPr>
+            <a:picLocks noChangeAspect="1"/>
+          </p:cNvPicPr>
+          <p:nvPr/>
+        </p:nvPicPr>
+        <p:blipFill>
+          <a:blip r:embed="rId2"/>
+          <a:stretch>
+            <a:fillRect/>
+          </a:stretch>
+        </p:blipFill>
+        <p:spPr>
+          <a:xfrm>
+            <a:off x="589053" y="3125005"/>
+            <a:ext cx="3393278" cy="3289402"/>
+          </a:xfrm>
+          <a:prstGeom prst="rect">
+            <a:avLst/>
+          </a:prstGeom>
+        </p:spPr>
+      </p:pic>
+      <p:pic>
+        <p:nvPicPr>
+          <p:cNvPr id="2" name="그림 1"/>
+          <p:cNvPicPr>
+            <a:picLocks noChangeAspect="1"/>
+          </p:cNvPicPr>
+          <p:nvPr/>
+        </p:nvPicPr>
+        <p:blipFill>
+          <a:blip r:embed="rId3"/>
+          <a:stretch>
+            <a:fillRect/>
+          </a:stretch>
+        </p:blipFill>
+        <p:spPr>
+          <a:xfrm>
+            <a:off x="609206" y="1326853"/>
+            <a:ext cx="5958852" cy="1783955"/>
+          </a:xfrm>
+          <a:prstGeom prst="rect">
+            <a:avLst/>
+          </a:prstGeom>
+        </p:spPr>
+      </p:pic>
       <p:cxnSp>
         <p:nvCxnSpPr>
           <p:cNvPr id="8" name="직선 연결선 7"/>
@@ -19092,7 +19140,7 @@
           <p:nvPr>
             <p:extLst>
               <p:ext uri="{D42A27DB-BD31-4B8C-83A1-F6EECF244321}">
-                <p14:modId xmlns:p14="http://schemas.microsoft.com/office/powerpoint/2010/main" val="2945692370"/>
+                <p14:modId xmlns:p14="http://schemas.microsoft.com/office/powerpoint/2010/main" val="1519991292"/>
               </p:ext>
             </p:extLst>
           </p:nvPr>
@@ -19240,7 +19288,7 @@
                       <a:pPr algn="ctr" latinLnBrk="1"/>
                       <a:r>
                         <a:rPr lang="en-US" altLang="ko-KR" sz="1400" dirty="0" smtClean="0"/>
-                        <a:t>2</a:t>
+                        <a:t>3</a:t>
                       </a:r>
                       <a:endParaRPr lang="ko-KR" altLang="en-US" sz="1400" dirty="0"/>
                     </a:p>
@@ -19321,7 +19369,11 @@
                       <a:pPr algn="ctr" latinLnBrk="1"/>
                       <a:r>
                         <a:rPr lang="en-US" altLang="ko-KR" sz="1400" dirty="0" smtClean="0"/>
-                        <a:t>14.28 %</a:t>
+                        <a:t>20 </a:t>
+                      </a:r>
+                      <a:r>
+                        <a:rPr lang="en-US" altLang="ko-KR" sz="1400" dirty="0" smtClean="0"/>
+                        <a:t>%</a:t>
                       </a:r>
                       <a:endParaRPr lang="ko-KR" altLang="en-US" sz="1400" dirty="0"/>
                     </a:p>
@@ -19336,7 +19388,11 @@
                       <a:pPr algn="ctr" latinLnBrk="1"/>
                       <a:r>
                         <a:rPr lang="en-US" altLang="ko-KR" sz="1400" dirty="0" smtClean="0"/>
-                        <a:t>35.71 %</a:t>
+                        <a:t>33.33 </a:t>
+                      </a:r>
+                      <a:r>
+                        <a:rPr lang="en-US" altLang="ko-KR" sz="1400" dirty="0" smtClean="0"/>
+                        <a:t>%</a:t>
                       </a:r>
                       <a:endParaRPr lang="ko-KR" altLang="en-US" sz="1400" dirty="0"/>
                     </a:p>
@@ -19351,7 +19407,11 @@
                       <a:pPr algn="ctr" latinLnBrk="1"/>
                       <a:r>
                         <a:rPr lang="en-US" altLang="ko-KR" sz="1400" dirty="0" smtClean="0"/>
-                        <a:t>50 %</a:t>
+                        <a:t>46.66 </a:t>
+                      </a:r>
+                      <a:r>
+                        <a:rPr lang="en-US" altLang="ko-KR" sz="1400" dirty="0" smtClean="0"/>
+                        <a:t>%</a:t>
                       </a:r>
                     </a:p>
                   </a:txBody>
@@ -19482,7 +19542,7 @@
                       <a:pPr algn="ctr" latinLnBrk="1"/>
                       <a:r>
                         <a:rPr lang="en-US" altLang="ko-KR" sz="1400" dirty="0" smtClean="0"/>
-                        <a:t>66,214</a:t>
+                        <a:t>68,613</a:t>
                       </a:r>
                       <a:endParaRPr lang="ko-KR" altLang="en-US" sz="1400" dirty="0"/>
                     </a:p>
@@ -19563,7 +19623,7 @@
                       <a:pPr algn="ctr" latinLnBrk="1"/>
                       <a:r>
                         <a:rPr lang="en-US" altLang="ko-KR" sz="1400" dirty="0" smtClean="0"/>
-                        <a:t>132,428</a:t>
+                        <a:t>205,839</a:t>
                       </a:r>
                       <a:endParaRPr lang="ko-KR" altLang="en-US" sz="1400" dirty="0"/>
                     </a:p>
@@ -19610,134 +19670,6 @@
           </a:graphicData>
         </a:graphic>
       </p:graphicFrame>
-      <p:pic>
-        <p:nvPicPr>
-          <p:cNvPr id="4098" name="Picture 2"/>
-          <p:cNvPicPr>
-            <a:picLocks noChangeAspect="1" noChangeArrowheads="1"/>
-          </p:cNvPicPr>
-          <p:nvPr/>
-        </p:nvPicPr>
-        <p:blipFill>
-          <a:blip r:embed="rId2">
-            <a:extLst>
-              <a:ext uri="{28A0092B-C50C-407E-A947-70E740481C1C}">
-                <a14:useLocalDpi xmlns:a14="http://schemas.microsoft.com/office/drawing/2010/main" val="0"/>
-              </a:ext>
-            </a:extLst>
-          </a:blip>
-          <a:srcRect/>
-          <a:stretch>
-            <a:fillRect/>
-          </a:stretch>
-        </p:blipFill>
-        <p:spPr bwMode="auto">
-          <a:xfrm>
-            <a:off x="605680" y="1326853"/>
-            <a:ext cx="5962378" cy="1782795"/>
-          </a:xfrm>
-          <a:prstGeom prst="rect">
-            <a:avLst/>
-          </a:prstGeom>
-          <a:noFill/>
-          <a:ln>
-            <a:noFill/>
-          </a:ln>
-          <a:effectLst/>
-          <a:extLst>
-            <a:ext uri="{909E8E84-426E-40DD-AFC4-6F175D3DCCD1}">
-              <a14:hiddenFill xmlns:a14="http://schemas.microsoft.com/office/drawing/2010/main">
-                <a:solidFill>
-                  <a:schemeClr val="accent1"/>
-                </a:solidFill>
-              </a14:hiddenFill>
-            </a:ext>
-            <a:ext uri="{91240B29-F687-4F45-9708-019B960494DF}">
-              <a14:hiddenLine xmlns:a14="http://schemas.microsoft.com/office/drawing/2010/main" w="9525">
-                <a:solidFill>
-                  <a:schemeClr val="tx1"/>
-                </a:solidFill>
-                <a:miter lim="800000"/>
-                <a:headEnd/>
-                <a:tailEnd/>
-              </a14:hiddenLine>
-            </a:ext>
-            <a:ext uri="{AF507438-7753-43E0-B8FC-AC1667EBCBE1}">
-              <a14:hiddenEffects xmlns:a14="http://schemas.microsoft.com/office/drawing/2010/main">
-                <a:effectLst>
-                  <a:outerShdw dist="35921" dir="2700000" algn="ctr" rotWithShape="0">
-                    <a:schemeClr val="bg2"/>
-                  </a:outerShdw>
-                </a:effectLst>
-              </a14:hiddenEffects>
-            </a:ext>
-          </a:extLst>
-        </p:spPr>
-      </p:pic>
-      <p:pic>
-        <p:nvPicPr>
-          <p:cNvPr id="4099" name="Picture 3"/>
-          <p:cNvPicPr>
-            <a:picLocks noChangeAspect="1" noChangeArrowheads="1"/>
-          </p:cNvPicPr>
-          <p:nvPr/>
-        </p:nvPicPr>
-        <p:blipFill>
-          <a:blip r:embed="rId3">
-            <a:extLst>
-              <a:ext uri="{28A0092B-C50C-407E-A947-70E740481C1C}">
-                <a14:useLocalDpi xmlns:a14="http://schemas.microsoft.com/office/drawing/2010/main" val="0"/>
-              </a:ext>
-            </a:extLst>
-          </a:blip>
-          <a:srcRect/>
-          <a:stretch>
-            <a:fillRect/>
-          </a:stretch>
-        </p:blipFill>
-        <p:spPr bwMode="auto">
-          <a:xfrm>
-            <a:off x="589054" y="3109648"/>
-            <a:ext cx="3383771" cy="3291696"/>
-          </a:xfrm>
-          <a:prstGeom prst="rect">
-            <a:avLst/>
-          </a:prstGeom>
-          <a:noFill/>
-          <a:ln>
-            <a:noFill/>
-          </a:ln>
-          <a:effectLst/>
-          <a:extLst>
-            <a:ext uri="{909E8E84-426E-40DD-AFC4-6F175D3DCCD1}">
-              <a14:hiddenFill xmlns:a14="http://schemas.microsoft.com/office/drawing/2010/main">
-                <a:solidFill>
-                  <a:schemeClr val="accent1"/>
-                </a:solidFill>
-              </a14:hiddenFill>
-            </a:ext>
-            <a:ext uri="{91240B29-F687-4F45-9708-019B960494DF}">
-              <a14:hiddenLine xmlns:a14="http://schemas.microsoft.com/office/drawing/2010/main" w="9525">
-                <a:solidFill>
-                  <a:schemeClr val="tx1"/>
-                </a:solidFill>
-                <a:miter lim="800000"/>
-                <a:headEnd/>
-                <a:tailEnd/>
-              </a14:hiddenLine>
-            </a:ext>
-            <a:ext uri="{AF507438-7753-43E0-B8FC-AC1667EBCBE1}">
-              <a14:hiddenEffects xmlns:a14="http://schemas.microsoft.com/office/drawing/2010/main">
-                <a:effectLst>
-                  <a:outerShdw dist="35921" dir="2700000" algn="ctr" rotWithShape="0">
-                    <a:schemeClr val="bg2"/>
-                  </a:outerShdw>
-                </a:effectLst>
-              </a14:hiddenEffects>
-            </a:ext>
-          </a:extLst>
-        </p:spPr>
-      </p:pic>
       <p:pic>
         <p:nvPicPr>
           <p:cNvPr id="4100" name="Picture 4"/>
@@ -23436,6 +23368,54 @@
           <a:chExt cx="0" cy="0"/>
         </a:xfrm>
       </p:grpSpPr>
+      <p:pic>
+        <p:nvPicPr>
+          <p:cNvPr id="6" name="그림 5"/>
+          <p:cNvPicPr>
+            <a:picLocks noChangeAspect="1"/>
+          </p:cNvPicPr>
+          <p:nvPr/>
+        </p:nvPicPr>
+        <p:blipFill>
+          <a:blip r:embed="rId2"/>
+          <a:stretch>
+            <a:fillRect/>
+          </a:stretch>
+        </p:blipFill>
+        <p:spPr>
+          <a:xfrm>
+            <a:off x="589052" y="3374549"/>
+            <a:ext cx="3329757" cy="3051310"/>
+          </a:xfrm>
+          <a:prstGeom prst="rect">
+            <a:avLst/>
+          </a:prstGeom>
+        </p:spPr>
+      </p:pic>
+      <p:pic>
+        <p:nvPicPr>
+          <p:cNvPr id="5" name="그림 4"/>
+          <p:cNvPicPr>
+            <a:picLocks noChangeAspect="1"/>
+          </p:cNvPicPr>
+          <p:nvPr/>
+        </p:nvPicPr>
+        <p:blipFill>
+          <a:blip r:embed="rId3"/>
+          <a:stretch>
+            <a:fillRect/>
+          </a:stretch>
+        </p:blipFill>
+        <p:spPr>
+          <a:xfrm>
+            <a:off x="589053" y="1313612"/>
+            <a:ext cx="4361320" cy="2060937"/>
+          </a:xfrm>
+          <a:prstGeom prst="rect">
+            <a:avLst/>
+          </a:prstGeom>
+        </p:spPr>
+      </p:pic>
       <p:cxnSp>
         <p:nvCxnSpPr>
           <p:cNvPr id="8" name="직선 연결선 7"/>
@@ -23727,7 +23707,7 @@
           <p:nvPr/>
         </p:nvPicPr>
         <p:blipFill>
-          <a:blip r:embed="rId2"/>
+          <a:blip r:embed="rId4"/>
           <a:stretch>
             <a:fillRect/>
           </a:stretch>
@@ -23736,54 +23716,6 @@
           <a:xfrm>
             <a:off x="7121783" y="835959"/>
             <a:ext cx="2762250" cy="828675"/>
-          </a:xfrm>
-          <a:prstGeom prst="rect">
-            <a:avLst/>
-          </a:prstGeom>
-        </p:spPr>
-      </p:pic>
-      <p:pic>
-        <p:nvPicPr>
-          <p:cNvPr id="3" name="그림 2"/>
-          <p:cNvPicPr>
-            <a:picLocks noChangeAspect="1"/>
-          </p:cNvPicPr>
-          <p:nvPr/>
-        </p:nvPicPr>
-        <p:blipFill>
-          <a:blip r:embed="rId3"/>
-          <a:stretch>
-            <a:fillRect/>
-          </a:stretch>
-        </p:blipFill>
-        <p:spPr>
-          <a:xfrm>
-            <a:off x="589055" y="1313612"/>
-            <a:ext cx="4361318" cy="2060936"/>
-          </a:xfrm>
-          <a:prstGeom prst="rect">
-            <a:avLst/>
-          </a:prstGeom>
-        </p:spPr>
-      </p:pic>
-      <p:pic>
-        <p:nvPicPr>
-          <p:cNvPr id="4" name="그림 3"/>
-          <p:cNvPicPr>
-            <a:picLocks noChangeAspect="1"/>
-          </p:cNvPicPr>
-          <p:nvPr/>
-        </p:nvPicPr>
-        <p:blipFill>
-          <a:blip r:embed="rId4"/>
-          <a:stretch>
-            <a:fillRect/>
-          </a:stretch>
-        </p:blipFill>
-        <p:spPr>
-          <a:xfrm>
-            <a:off x="589054" y="3374549"/>
-            <a:ext cx="3329756" cy="3051310"/>
           </a:xfrm>
           <a:prstGeom prst="rect">
             <a:avLst/>
@@ -23961,7 +23893,7 @@
           <p:nvPr>
             <p:extLst>
               <p:ext uri="{D42A27DB-BD31-4B8C-83A1-F6EECF244321}">
-                <p14:modId xmlns:p14="http://schemas.microsoft.com/office/powerpoint/2010/main" val="2186177550"/>
+                <p14:modId xmlns:p14="http://schemas.microsoft.com/office/powerpoint/2010/main" val="1796924031"/>
               </p:ext>
             </p:extLst>
           </p:nvPr>
@@ -24124,7 +24056,7 @@
                       <a:pPr algn="ctr" latinLnBrk="1"/>
                       <a:r>
                         <a:rPr lang="en-US" altLang="ko-KR" sz="1400" dirty="0" smtClean="0"/>
-                        <a:t>3</a:t>
+                        <a:t>2</a:t>
                       </a:r>
                       <a:endParaRPr lang="ko-KR" altLang="en-US" sz="1400" dirty="0"/>
                     </a:p>
@@ -24190,7 +24122,11 @@
                       <a:pPr algn="ctr" latinLnBrk="1"/>
                       <a:r>
                         <a:rPr lang="en-US" altLang="ko-KR" sz="1400" dirty="0" smtClean="0"/>
-                        <a:t>18.18 %</a:t>
+                        <a:t>20 </a:t>
+                      </a:r>
+                      <a:r>
+                        <a:rPr lang="en-US" altLang="ko-KR" sz="1400" dirty="0" smtClean="0"/>
+                        <a:t>%</a:t>
                       </a:r>
                       <a:endParaRPr lang="ko-KR" altLang="en-US" sz="1400" dirty="0"/>
                     </a:p>
@@ -24205,7 +24141,11 @@
                       <a:pPr algn="ctr" latinLnBrk="1"/>
                       <a:r>
                         <a:rPr lang="en-US" altLang="ko-KR" sz="1400" dirty="0" smtClean="0"/>
-                        <a:t>27.27 %</a:t>
+                        <a:t>20 </a:t>
+                      </a:r>
+                      <a:r>
+                        <a:rPr lang="en-US" altLang="ko-KR" sz="1400" dirty="0" smtClean="0"/>
+                        <a:t>%</a:t>
                       </a:r>
                       <a:endParaRPr lang="ko-KR" altLang="en-US" sz="1400" dirty="0"/>
                     </a:p>
@@ -24220,7 +24160,11 @@
                       <a:pPr algn="ctr" latinLnBrk="1"/>
                       <a:r>
                         <a:rPr lang="en-US" altLang="ko-KR" sz="1400" dirty="0" smtClean="0"/>
-                        <a:t>54.54 %</a:t>
+                        <a:t>60 </a:t>
+                      </a:r>
+                      <a:r>
+                        <a:rPr lang="en-US" altLang="ko-KR" sz="1400" dirty="0" smtClean="0"/>
+                        <a:t>%</a:t>
                       </a:r>
                     </a:p>
                   </a:txBody>
@@ -24382,7 +24326,7 @@
                       <a:pPr algn="ctr" latinLnBrk="1"/>
                       <a:r>
                         <a:rPr lang="en-US" altLang="ko-KR" sz="1400" dirty="0" smtClean="0"/>
-                        <a:t>50,434</a:t>
+                        <a:t>66,247</a:t>
                       </a:r>
                       <a:endParaRPr lang="ko-KR" altLang="en-US" sz="1400" dirty="0"/>
                     </a:p>
@@ -24479,7 +24423,7 @@
                       <a:pPr algn="ctr" latinLnBrk="1"/>
                       <a:r>
                         <a:rPr lang="en-US" altLang="ko-KR" sz="1400" dirty="0" smtClean="0"/>
-                        <a:t>151,302</a:t>
+                        <a:t>132,494</a:t>
                       </a:r>
                       <a:endParaRPr lang="ko-KR" altLang="en-US" sz="1400" dirty="0"/>
                     </a:p>
@@ -27025,7 +26969,7 @@
           <p:nvPr>
             <p:extLst>
               <p:ext uri="{D42A27DB-BD31-4B8C-83A1-F6EECF244321}">
-                <p14:modId xmlns:p14="http://schemas.microsoft.com/office/powerpoint/2010/main" val="755367823"/>
+                <p14:modId xmlns:p14="http://schemas.microsoft.com/office/powerpoint/2010/main" val="4159639417"/>
               </p:ext>
             </p:extLst>
           </p:nvPr>
@@ -27047,7 +26991,7 @@
           <p:nvPr>
             <p:extLst>
               <p:ext uri="{D42A27DB-BD31-4B8C-83A1-F6EECF244321}">
-                <p14:modId xmlns:p14="http://schemas.microsoft.com/office/powerpoint/2010/main" val="3237492570"/>
+                <p14:modId xmlns:p14="http://schemas.microsoft.com/office/powerpoint/2010/main" val="3758520478"/>
               </p:ext>
             </p:extLst>
           </p:nvPr>
@@ -28775,7 +28719,7 @@
           <p:nvPr>
             <p:extLst>
               <p:ext uri="{D42A27DB-BD31-4B8C-83A1-F6EECF244321}">
-                <p14:modId xmlns:p14="http://schemas.microsoft.com/office/powerpoint/2010/main" val="1593330001"/>
+                <p14:modId xmlns:p14="http://schemas.microsoft.com/office/powerpoint/2010/main" val="3088317677"/>
               </p:ext>
             </p:extLst>
           </p:nvPr>
@@ -28797,7 +28741,7 @@
           <p:nvPr>
             <p:extLst>
               <p:ext uri="{D42A27DB-BD31-4B8C-83A1-F6EECF244321}">
-                <p14:modId xmlns:p14="http://schemas.microsoft.com/office/powerpoint/2010/main" val="1772856821"/>
+                <p14:modId xmlns:p14="http://schemas.microsoft.com/office/powerpoint/2010/main" val="1833194865"/>
               </p:ext>
             </p:extLst>
           </p:nvPr>
@@ -29515,7 +29459,7 @@
           <p:nvPr>
             <p:extLst>
               <p:ext uri="{D42A27DB-BD31-4B8C-83A1-F6EECF244321}">
-                <p14:modId xmlns:p14="http://schemas.microsoft.com/office/powerpoint/2010/main" val="3734093890"/>
+                <p14:modId xmlns:p14="http://schemas.microsoft.com/office/powerpoint/2010/main" val="4030545756"/>
               </p:ext>
             </p:extLst>
           </p:nvPr>
@@ -29537,7 +29481,7 @@
           <p:nvPr>
             <p:extLst>
               <p:ext uri="{D42A27DB-BD31-4B8C-83A1-F6EECF244321}">
-                <p14:modId xmlns:p14="http://schemas.microsoft.com/office/powerpoint/2010/main" val="2962311842"/>
+                <p14:modId xmlns:p14="http://schemas.microsoft.com/office/powerpoint/2010/main" val="1013255252"/>
               </p:ext>
             </p:extLst>
           </p:nvPr>
@@ -31761,7 +31705,7 @@
           <p:nvPr>
             <p:extLst>
               <p:ext uri="{D42A27DB-BD31-4B8C-83A1-F6EECF244321}">
-                <p14:modId xmlns:p14="http://schemas.microsoft.com/office/powerpoint/2010/main" val="2124819575"/>
+                <p14:modId xmlns:p14="http://schemas.microsoft.com/office/powerpoint/2010/main" val="3622309977"/>
               </p:ext>
             </p:extLst>
           </p:nvPr>
@@ -31783,7 +31727,7 @@
           <p:nvPr>
             <p:extLst>
               <p:ext uri="{D42A27DB-BD31-4B8C-83A1-F6EECF244321}">
-                <p14:modId xmlns:p14="http://schemas.microsoft.com/office/powerpoint/2010/main" val="1601210640"/>
+                <p14:modId xmlns:p14="http://schemas.microsoft.com/office/powerpoint/2010/main" val="2978302872"/>
               </p:ext>
             </p:extLst>
           </p:nvPr>
@@ -37881,6 +37825,30 @@
           <a:chExt cx="0" cy="0"/>
         </a:xfrm>
       </p:grpSpPr>
+      <p:pic>
+        <p:nvPicPr>
+          <p:cNvPr id="2" name="그림 1"/>
+          <p:cNvPicPr>
+            <a:picLocks noChangeAspect="1"/>
+          </p:cNvPicPr>
+          <p:nvPr/>
+        </p:nvPicPr>
+        <p:blipFill>
+          <a:blip r:embed="rId2"/>
+          <a:stretch>
+            <a:fillRect/>
+          </a:stretch>
+        </p:blipFill>
+        <p:spPr>
+          <a:xfrm>
+            <a:off x="605679" y="1342750"/>
+            <a:ext cx="2982615" cy="5094045"/>
+          </a:xfrm>
+          <a:prstGeom prst="rect">
+            <a:avLst/>
+          </a:prstGeom>
+        </p:spPr>
+      </p:pic>
       <p:cxnSp>
         <p:nvCxnSpPr>
           <p:cNvPr id="8" name="직선 연결선 7"/>
@@ -38147,7 +38115,7 @@
           <p:nvPr>
             <p:extLst>
               <p:ext uri="{D42A27DB-BD31-4B8C-83A1-F6EECF244321}">
-                <p14:modId xmlns:p14="http://schemas.microsoft.com/office/powerpoint/2010/main" val="2711570822"/>
+                <p14:modId xmlns:p14="http://schemas.microsoft.com/office/powerpoint/2010/main" val="1976443977"/>
               </p:ext>
             </p:extLst>
           </p:nvPr>
@@ -38295,7 +38263,7 @@
                       <a:pPr algn="ctr" latinLnBrk="1"/>
                       <a:r>
                         <a:rPr lang="en-US" altLang="ko-KR" dirty="0" smtClean="0"/>
-                        <a:t>9</a:t>
+                        <a:t>8</a:t>
                       </a:r>
                       <a:endParaRPr lang="ko-KR" altLang="en-US" dirty="0"/>
                     </a:p>
@@ -38310,7 +38278,7 @@
                       <a:pPr algn="ctr" latinLnBrk="1"/>
                       <a:r>
                         <a:rPr lang="en-US" altLang="ko-KR" dirty="0" smtClean="0"/>
-                        <a:t>11</a:t>
+                        <a:t>10</a:t>
                       </a:r>
                       <a:endParaRPr lang="ko-KR" altLang="en-US" dirty="0"/>
                     </a:p>
@@ -38325,7 +38293,7 @@
                       <a:pPr algn="ctr" latinLnBrk="1"/>
                       <a:r>
                         <a:rPr lang="en-US" altLang="ko-KR" dirty="0" smtClean="0"/>
-                        <a:t>17</a:t>
+                        <a:t>18</a:t>
                       </a:r>
                       <a:endParaRPr lang="ko-KR" altLang="en-US" dirty="0"/>
                     </a:p>
@@ -38372,7 +38340,11 @@
                       <a:pPr algn="ctr" latinLnBrk="1"/>
                       <a:r>
                         <a:rPr lang="en-US" altLang="ko-KR" dirty="0" smtClean="0"/>
-                        <a:t>24.32 %</a:t>
+                        <a:t>22.22 </a:t>
+                      </a:r>
+                      <a:r>
+                        <a:rPr lang="en-US" altLang="ko-KR" dirty="0" smtClean="0"/>
+                        <a:t>%</a:t>
                       </a:r>
                       <a:endParaRPr lang="ko-KR" altLang="en-US" dirty="0"/>
                     </a:p>
@@ -38387,11 +38359,15 @@
                       <a:pPr algn="ctr" latinLnBrk="1"/>
                       <a:r>
                         <a:rPr lang="en-US" altLang="ko-KR" dirty="0" smtClean="0"/>
-                        <a:t>29.72</a:t>
+                        <a:t>27.77</a:t>
                       </a:r>
                       <a:r>
                         <a:rPr lang="en-US" altLang="ko-KR" baseline="0" dirty="0" smtClean="0"/>
-                        <a:t> %</a:t>
+                        <a:t> </a:t>
+                      </a:r>
+                      <a:r>
+                        <a:rPr lang="en-US" altLang="ko-KR" baseline="0" dirty="0" smtClean="0"/>
+                        <a:t>%</a:t>
                       </a:r>
                       <a:endParaRPr lang="ko-KR" altLang="en-US" dirty="0"/>
                     </a:p>
@@ -38406,7 +38382,11 @@
                       <a:pPr algn="ctr" latinLnBrk="1"/>
                       <a:r>
                         <a:rPr lang="en-US" altLang="ko-KR" dirty="0" smtClean="0"/>
-                        <a:t>45.94 %</a:t>
+                        <a:t>50 </a:t>
+                      </a:r>
+                      <a:r>
+                        <a:rPr lang="en-US" altLang="ko-KR" dirty="0" smtClean="0"/>
+                        <a:t>%</a:t>
                       </a:r>
                     </a:p>
                   </a:txBody>
@@ -38448,7 +38428,7 @@
                       <a:pPr algn="ctr" latinLnBrk="1"/>
                       <a:r>
                         <a:rPr lang="en-US" altLang="ko-KR" dirty="0" smtClean="0"/>
-                        <a:t>102,155</a:t>
+                        <a:t>101,702</a:t>
                       </a:r>
                       <a:endParaRPr lang="ko-KR" altLang="en-US" dirty="0"/>
                     </a:p>
@@ -38521,7 +38501,7 @@
                       <a:pPr algn="ctr" latinLnBrk="1"/>
                       <a:r>
                         <a:rPr lang="en-US" altLang="ko-KR" dirty="0" smtClean="0"/>
-                        <a:t>83,362</a:t>
+                        <a:t>79,563</a:t>
                       </a:r>
                       <a:endParaRPr lang="ko-KR" altLang="en-US" dirty="0"/>
                     </a:p>
@@ -38536,7 +38516,7 @@
                       <a:pPr algn="ctr" latinLnBrk="1"/>
                       <a:r>
                         <a:rPr lang="en-US" altLang="ko-KR" dirty="0" smtClean="0"/>
-                        <a:t>78,966</a:t>
+                        <a:t>76,647</a:t>
                       </a:r>
                       <a:endParaRPr lang="ko-KR" altLang="en-US" dirty="0"/>
                     </a:p>
@@ -38551,7 +38531,7 @@
                       <a:pPr algn="ctr" latinLnBrk="1"/>
                       <a:r>
                         <a:rPr lang="en-US" altLang="ko-KR" dirty="0" smtClean="0"/>
-                        <a:t>88,674</a:t>
+                        <a:t>89,423</a:t>
                       </a:r>
                       <a:endParaRPr lang="ko-KR" altLang="en-US" dirty="0"/>
                     </a:p>
@@ -38594,7 +38574,7 @@
                       <a:pPr algn="ctr" latinLnBrk="1"/>
                       <a:r>
                         <a:rPr lang="en-US" altLang="ko-KR" dirty="0" smtClean="0"/>
-                        <a:t>750,258</a:t>
+                        <a:t>636,504</a:t>
                       </a:r>
                       <a:endParaRPr lang="ko-KR" altLang="en-US" dirty="0"/>
                     </a:p>
@@ -38609,7 +38589,7 @@
                       <a:pPr algn="ctr" latinLnBrk="1"/>
                       <a:r>
                         <a:rPr lang="en-US" altLang="ko-KR" dirty="0" smtClean="0"/>
-                        <a:t>868,626</a:t>
+                        <a:t>766,470</a:t>
                       </a:r>
                       <a:endParaRPr lang="ko-KR" altLang="en-US" dirty="0"/>
                     </a:p>
@@ -38624,7 +38604,7 @@
                       <a:pPr algn="ctr" latinLnBrk="1"/>
                       <a:r>
                         <a:rPr lang="en-US" altLang="ko-KR" dirty="0" smtClean="0"/>
-                        <a:t>1,507,458</a:t>
+                        <a:t>1,609,614</a:t>
                       </a:r>
                       <a:endParaRPr lang="ko-KR" altLang="en-US" dirty="0"/>
                     </a:p>
@@ -38641,70 +38621,6 @@
           </a:graphicData>
         </a:graphic>
       </p:graphicFrame>
-      <p:pic>
-        <p:nvPicPr>
-          <p:cNvPr id="1026" name="Picture 2"/>
-          <p:cNvPicPr>
-            <a:picLocks noChangeAspect="1" noChangeArrowheads="1"/>
-          </p:cNvPicPr>
-          <p:nvPr/>
-        </p:nvPicPr>
-        <p:blipFill>
-          <a:blip r:embed="rId2">
-            <a:extLst>
-              <a:ext uri="{28A0092B-C50C-407E-A947-70E740481C1C}">
-                <a14:useLocalDpi xmlns:a14="http://schemas.microsoft.com/office/drawing/2010/main" val="0"/>
-              </a:ext>
-            </a:extLst>
-          </a:blip>
-          <a:srcRect/>
-          <a:stretch>
-            <a:fillRect/>
-          </a:stretch>
-        </p:blipFill>
-        <p:spPr bwMode="auto">
-          <a:xfrm>
-            <a:off x="647289" y="1342750"/>
-            <a:ext cx="2941006" cy="5094045"/>
-          </a:xfrm>
-          <a:prstGeom prst="rect">
-            <a:avLst/>
-          </a:prstGeom>
-          <a:noFill/>
-          <a:ln>
-            <a:noFill/>
-          </a:ln>
-          <a:effectLst/>
-          <a:extLst>
-            <a:ext uri="{909E8E84-426E-40DD-AFC4-6F175D3DCCD1}">
-              <a14:hiddenFill xmlns:a14="http://schemas.microsoft.com/office/drawing/2010/main">
-                <a:solidFill>
-                  <a:schemeClr val="accent1"/>
-                </a:solidFill>
-              </a14:hiddenFill>
-            </a:ext>
-            <a:ext uri="{91240B29-F687-4F45-9708-019B960494DF}">
-              <a14:hiddenLine xmlns:a14="http://schemas.microsoft.com/office/drawing/2010/main" w="9525">
-                <a:solidFill>
-                  <a:schemeClr val="tx1"/>
-                </a:solidFill>
-                <a:miter lim="800000"/>
-                <a:headEnd/>
-                <a:tailEnd/>
-              </a14:hiddenLine>
-            </a:ext>
-            <a:ext uri="{AF507438-7753-43E0-B8FC-AC1667EBCBE1}">
-              <a14:hiddenEffects xmlns:a14="http://schemas.microsoft.com/office/drawing/2010/main">
-                <a:effectLst>
-                  <a:outerShdw dist="35921" dir="2700000" algn="ctr" rotWithShape="0">
-                    <a:schemeClr val="bg2"/>
-                  </a:outerShdw>
-                </a:effectLst>
-              </a14:hiddenEffects>
-            </a:ext>
-          </a:extLst>
-        </p:spPr>
-      </p:pic>
       <p:sp>
         <p:nvSpPr>
           <p:cNvPr id="18" name="액자 17"/>
@@ -40029,6 +39945,54 @@
           <a:chExt cx="0" cy="0"/>
         </a:xfrm>
       </p:grpSpPr>
+      <p:pic>
+        <p:nvPicPr>
+          <p:cNvPr id="3" name="그림 2"/>
+          <p:cNvPicPr>
+            <a:picLocks noChangeAspect="1"/>
+          </p:cNvPicPr>
+          <p:nvPr/>
+        </p:nvPicPr>
+        <p:blipFill>
+          <a:blip r:embed="rId2"/>
+          <a:stretch>
+            <a:fillRect/>
+          </a:stretch>
+        </p:blipFill>
+        <p:spPr>
+          <a:xfrm>
+            <a:off x="495935" y="2886150"/>
+            <a:ext cx="5946391" cy="3200653"/>
+          </a:xfrm>
+          <a:prstGeom prst="rect">
+            <a:avLst/>
+          </a:prstGeom>
+        </p:spPr>
+      </p:pic>
+      <p:pic>
+        <p:nvPicPr>
+          <p:cNvPr id="2" name="그림 1"/>
+          <p:cNvPicPr>
+            <a:picLocks noChangeAspect="1"/>
+          </p:cNvPicPr>
+          <p:nvPr/>
+        </p:nvPicPr>
+        <p:blipFill>
+          <a:blip r:embed="rId3"/>
+          <a:stretch>
+            <a:fillRect/>
+          </a:stretch>
+        </p:blipFill>
+        <p:spPr>
+          <a:xfrm>
+            <a:off x="494465" y="1610432"/>
+            <a:ext cx="5968956" cy="1275718"/>
+          </a:xfrm>
+          <a:prstGeom prst="rect">
+            <a:avLst/>
+          </a:prstGeom>
+        </p:spPr>
+      </p:pic>
       <p:cxnSp>
         <p:nvCxnSpPr>
           <p:cNvPr id="8" name="직선 연결선 7"/>
@@ -40310,7 +40274,7 @@
           <p:nvPr/>
         </p:nvPicPr>
         <p:blipFill>
-          <a:blip r:embed="rId2">
+          <a:blip r:embed="rId4">
             <a:extLst>
               <a:ext uri="{28A0092B-C50C-407E-A947-70E740481C1C}">
                 <a14:useLocalDpi xmlns:a14="http://schemas.microsoft.com/office/drawing/2010/main" val="0"/>
@@ -40326,70 +40290,6 @@
           <a:xfrm>
             <a:off x="7873618" y="1308476"/>
             <a:ext cx="2724150" cy="876300"/>
-          </a:xfrm>
-          <a:prstGeom prst="rect">
-            <a:avLst/>
-          </a:prstGeom>
-          <a:noFill/>
-          <a:ln>
-            <a:noFill/>
-          </a:ln>
-          <a:effectLst/>
-          <a:extLst>
-            <a:ext uri="{909E8E84-426E-40DD-AFC4-6F175D3DCCD1}">
-              <a14:hiddenFill xmlns:a14="http://schemas.microsoft.com/office/drawing/2010/main">
-                <a:solidFill>
-                  <a:schemeClr val="accent1"/>
-                </a:solidFill>
-              </a14:hiddenFill>
-            </a:ext>
-            <a:ext uri="{91240B29-F687-4F45-9708-019B960494DF}">
-              <a14:hiddenLine xmlns:a14="http://schemas.microsoft.com/office/drawing/2010/main" w="9525">
-                <a:solidFill>
-                  <a:schemeClr val="tx1"/>
-                </a:solidFill>
-                <a:miter lim="800000"/>
-                <a:headEnd/>
-                <a:tailEnd/>
-              </a14:hiddenLine>
-            </a:ext>
-            <a:ext uri="{AF507438-7753-43E0-B8FC-AC1667EBCBE1}">
-              <a14:hiddenEffects xmlns:a14="http://schemas.microsoft.com/office/drawing/2010/main">
-                <a:effectLst>
-                  <a:outerShdw dist="35921" dir="2700000" algn="ctr" rotWithShape="0">
-                    <a:schemeClr val="bg2"/>
-                  </a:outerShdw>
-                </a:effectLst>
-              </a14:hiddenEffects>
-            </a:ext>
-          </a:extLst>
-        </p:spPr>
-      </p:pic>
-      <p:pic>
-        <p:nvPicPr>
-          <p:cNvPr id="22" name="Picture 3"/>
-          <p:cNvPicPr>
-            <a:picLocks noChangeAspect="1" noChangeArrowheads="1"/>
-          </p:cNvPicPr>
-          <p:nvPr/>
-        </p:nvPicPr>
-        <p:blipFill>
-          <a:blip r:embed="rId3">
-            <a:extLst>
-              <a:ext uri="{28A0092B-C50C-407E-A947-70E740481C1C}">
-                <a14:useLocalDpi xmlns:a14="http://schemas.microsoft.com/office/drawing/2010/main" val="0"/>
-              </a:ext>
-            </a:extLst>
-          </a:blip>
-          <a:srcRect/>
-          <a:stretch>
-            <a:fillRect/>
-          </a:stretch>
-        </p:blipFill>
-        <p:spPr bwMode="auto">
-          <a:xfrm>
-            <a:off x="494465" y="1611299"/>
-            <a:ext cx="5949314" cy="1274853"/>
           </a:xfrm>
           <a:prstGeom prst="rect">
             <a:avLst/>
@@ -40492,7 +40392,7 @@
           <p:nvPr>
             <p:extLst>
               <p:ext uri="{D42A27DB-BD31-4B8C-83A1-F6EECF244321}">
-                <p14:modId xmlns:p14="http://schemas.microsoft.com/office/powerpoint/2010/main" val="989842744"/>
+                <p14:modId xmlns:p14="http://schemas.microsoft.com/office/powerpoint/2010/main" val="2722216184"/>
               </p:ext>
             </p:extLst>
           </p:nvPr>
@@ -40868,7 +40768,7 @@
                       <a:pPr algn="ctr" latinLnBrk="1"/>
                       <a:r>
                         <a:rPr lang="en-US" altLang="ko-KR" sz="1400" dirty="0" smtClean="0"/>
-                        <a:t>177,529</a:t>
+                        <a:t>216,883</a:t>
                       </a:r>
                       <a:endParaRPr lang="ko-KR" altLang="en-US" sz="1400" dirty="0"/>
                     </a:p>
@@ -40964,7 +40864,7 @@
                       <a:pPr algn="ctr" latinLnBrk="1"/>
                       <a:r>
                         <a:rPr lang="en-US" altLang="ko-KR" sz="1400" dirty="0" smtClean="0"/>
-                        <a:t>159,487</a:t>
+                        <a:t>197,206</a:t>
                       </a:r>
                       <a:endParaRPr lang="ko-KR" altLang="en-US" sz="1400" dirty="0"/>
                     </a:p>
@@ -41060,7 +40960,7 @@
                       <a:pPr algn="ctr" latinLnBrk="1"/>
                       <a:r>
                         <a:rPr lang="en-US" altLang="ko-KR" sz="1400" dirty="0" smtClean="0"/>
-                        <a:t>318,974</a:t>
+                        <a:t>394,412</a:t>
                       </a:r>
                       <a:endParaRPr lang="ko-KR" altLang="en-US" sz="1400" dirty="0"/>
                     </a:p>
@@ -41107,70 +41007,6 @@
           </a:graphicData>
         </a:graphic>
       </p:graphicFrame>
-      <p:pic>
-        <p:nvPicPr>
-          <p:cNvPr id="3074" name="Picture 2"/>
-          <p:cNvPicPr>
-            <a:picLocks noChangeAspect="1" noChangeArrowheads="1"/>
-          </p:cNvPicPr>
-          <p:nvPr/>
-        </p:nvPicPr>
-        <p:blipFill>
-          <a:blip r:embed="rId4">
-            <a:extLst>
-              <a:ext uri="{28A0092B-C50C-407E-A947-70E740481C1C}">
-                <a14:useLocalDpi xmlns:a14="http://schemas.microsoft.com/office/drawing/2010/main" val="0"/>
-              </a:ext>
-            </a:extLst>
-          </a:blip>
-          <a:srcRect/>
-          <a:stretch>
-            <a:fillRect/>
-          </a:stretch>
-        </p:blipFill>
-        <p:spPr bwMode="auto">
-          <a:xfrm>
-            <a:off x="494465" y="2886151"/>
-            <a:ext cx="5962378" cy="3192967"/>
-          </a:xfrm>
-          <a:prstGeom prst="rect">
-            <a:avLst/>
-          </a:prstGeom>
-          <a:noFill/>
-          <a:ln>
-            <a:noFill/>
-          </a:ln>
-          <a:effectLst/>
-          <a:extLst>
-            <a:ext uri="{909E8E84-426E-40DD-AFC4-6F175D3DCCD1}">
-              <a14:hiddenFill xmlns:a14="http://schemas.microsoft.com/office/drawing/2010/main">
-                <a:solidFill>
-                  <a:schemeClr val="accent1"/>
-                </a:solidFill>
-              </a14:hiddenFill>
-            </a:ext>
-            <a:ext uri="{91240B29-F687-4F45-9708-019B960494DF}">
-              <a14:hiddenLine xmlns:a14="http://schemas.microsoft.com/office/drawing/2010/main" w="9525">
-                <a:solidFill>
-                  <a:schemeClr val="tx1"/>
-                </a:solidFill>
-                <a:miter lim="800000"/>
-                <a:headEnd/>
-                <a:tailEnd/>
-              </a14:hiddenLine>
-            </a:ext>
-            <a:ext uri="{AF507438-7753-43E0-B8FC-AC1667EBCBE1}">
-              <a14:hiddenEffects xmlns:a14="http://schemas.microsoft.com/office/drawing/2010/main">
-                <a:effectLst>
-                  <a:outerShdw dist="35921" dir="2700000" algn="ctr" rotWithShape="0">
-                    <a:schemeClr val="bg2"/>
-                  </a:outerShdw>
-                </a:effectLst>
-              </a14:hiddenEffects>
-            </a:ext>
-          </a:extLst>
-        </p:spPr>
-      </p:pic>
       <p:sp>
         <p:nvSpPr>
           <p:cNvPr id="26" name="액자 25"/>
